--- a/Presentazione/presentazione_corni_chatbot.pptx
+++ b/Presentazione/presentazione_corni_chatbot.pptx
@@ -209,7 +209,7 @@
           <a:p>
             <a:fld id="{2E15FC1C-8A64-FA49-ACE1-0B9CB5E97710}" type="datetimeFigureOut">
               <a:rPr lang="it-IT" smtClean="0"/>
-              <a:t>21/03/19</a:t>
+              <a:t>24/03/19</a:t>
             </a:fld>
             <a:endParaRPr lang="it-IT"/>
           </a:p>
@@ -708,7 +708,7 @@
           <a:p>
             <a:fld id="{601E36F3-9E40-2941-AB6F-9D307DF64098}" type="datetimeFigureOut">
               <a:rPr lang="en-US" smtClean="0"/>
-              <a:t>3/21/19</a:t>
+              <a:t>3/24/19</a:t>
             </a:fld>
             <a:endParaRPr lang="en-US"/>
           </a:p>
@@ -906,7 +906,7 @@
           <a:p>
             <a:fld id="{601E36F3-9E40-2941-AB6F-9D307DF64098}" type="datetimeFigureOut">
               <a:rPr lang="en-US" smtClean="0"/>
-              <a:t>3/21/19</a:t>
+              <a:t>3/24/19</a:t>
             </a:fld>
             <a:endParaRPr lang="en-US"/>
           </a:p>
@@ -1114,7 +1114,7 @@
           <a:p>
             <a:fld id="{601E36F3-9E40-2941-AB6F-9D307DF64098}" type="datetimeFigureOut">
               <a:rPr lang="en-US" smtClean="0"/>
-              <a:t>3/21/19</a:t>
+              <a:t>3/24/19</a:t>
             </a:fld>
             <a:endParaRPr lang="en-US"/>
           </a:p>
@@ -1312,7 +1312,7 @@
           <a:p>
             <a:fld id="{601E36F3-9E40-2941-AB6F-9D307DF64098}" type="datetimeFigureOut">
               <a:rPr lang="en-US" smtClean="0"/>
-              <a:t>3/21/19</a:t>
+              <a:t>3/24/19</a:t>
             </a:fld>
             <a:endParaRPr lang="en-US"/>
           </a:p>
@@ -1587,7 +1587,7 @@
           <a:p>
             <a:fld id="{601E36F3-9E40-2941-AB6F-9D307DF64098}" type="datetimeFigureOut">
               <a:rPr lang="en-US" smtClean="0"/>
-              <a:t>3/21/19</a:t>
+              <a:t>3/24/19</a:t>
             </a:fld>
             <a:endParaRPr lang="en-US"/>
           </a:p>
@@ -1852,7 +1852,7 @@
           <a:p>
             <a:fld id="{601E36F3-9E40-2941-AB6F-9D307DF64098}" type="datetimeFigureOut">
               <a:rPr lang="en-US" smtClean="0"/>
-              <a:t>3/21/19</a:t>
+              <a:t>3/24/19</a:t>
             </a:fld>
             <a:endParaRPr lang="en-US"/>
           </a:p>
@@ -2264,7 +2264,7 @@
           <a:p>
             <a:fld id="{601E36F3-9E40-2941-AB6F-9D307DF64098}" type="datetimeFigureOut">
               <a:rPr lang="en-US" smtClean="0"/>
-              <a:t>3/21/19</a:t>
+              <a:t>3/24/19</a:t>
             </a:fld>
             <a:endParaRPr lang="en-US"/>
           </a:p>
@@ -2405,7 +2405,7 @@
           <a:p>
             <a:fld id="{601E36F3-9E40-2941-AB6F-9D307DF64098}" type="datetimeFigureOut">
               <a:rPr lang="en-US" smtClean="0"/>
-              <a:t>3/21/19</a:t>
+              <a:t>3/24/19</a:t>
             </a:fld>
             <a:endParaRPr lang="en-US"/>
           </a:p>
@@ -2518,7 +2518,7 @@
           <a:p>
             <a:fld id="{601E36F3-9E40-2941-AB6F-9D307DF64098}" type="datetimeFigureOut">
               <a:rPr lang="en-US" smtClean="0"/>
-              <a:t>3/21/19</a:t>
+              <a:t>3/24/19</a:t>
             </a:fld>
             <a:endParaRPr lang="en-US"/>
           </a:p>
@@ -2829,7 +2829,7 @@
           <a:p>
             <a:fld id="{601E36F3-9E40-2941-AB6F-9D307DF64098}" type="datetimeFigureOut">
               <a:rPr lang="en-US" smtClean="0"/>
-              <a:t>3/21/19</a:t>
+              <a:t>3/24/19</a:t>
             </a:fld>
             <a:endParaRPr lang="en-US"/>
           </a:p>
@@ -3117,7 +3117,7 @@
           <a:p>
             <a:fld id="{601E36F3-9E40-2941-AB6F-9D307DF64098}" type="datetimeFigureOut">
               <a:rPr lang="en-US" smtClean="0"/>
-              <a:t>3/21/19</a:t>
+              <a:t>3/24/19</a:t>
             </a:fld>
             <a:endParaRPr lang="en-US"/>
           </a:p>
@@ -3358,7 +3358,7 @@
           <a:p>
             <a:fld id="{601E36F3-9E40-2941-AB6F-9D307DF64098}" type="datetimeFigureOut">
               <a:rPr lang="en-US" smtClean="0"/>
-              <a:t>3/21/19</a:t>
+              <a:t>3/24/19</a:t>
             </a:fld>
             <a:endParaRPr lang="en-US"/>
           </a:p>
@@ -5614,7 +5614,7 @@
           </a:p>
           <a:p>
             <a:r>
-              <a:rPr lang="it-IT" dirty="0">
+              <a:rPr lang="en-US" dirty="0">
                 <a:solidFill>
                   <a:schemeClr val="accent1"/>
                 </a:solidFill>
@@ -5627,7 +5627,7 @@
                   </a:extLst>
                 </a:hlinkClick>
               </a:rPr>
-              <a:t>http://www.aepi-group.it/iprel</a:t>
+              <a:t>http://www.iprel.it/</a:t>
             </a:r>
             <a:endParaRPr lang="it-IT" dirty="0">
               <a:solidFill>
@@ -5810,7 +5810,7 @@
         </p:blipFill>
         <p:spPr>
           <a:xfrm>
-            <a:off x="7828540" y="3924266"/>
+            <a:off x="5738364" y="3948980"/>
             <a:ext cx="357636" cy="357636"/>
           </a:xfrm>
           <a:prstGeom prst="rect">

--- a/Presentazione/presentazione_corni_chatbot.pptx
+++ b/Presentazione/presentazione_corni_chatbot.pptx
@@ -5,7 +5,7 @@
     <p:sldMasterId id="2147483648" r:id="rId1"/>
   </p:sldMasterIdLst>
   <p:notesMasterIdLst>
-    <p:notesMasterId r:id="rId15"/>
+    <p:notesMasterId r:id="rId16"/>
   </p:notesMasterIdLst>
   <p:sldIdLst>
     <p:sldId id="256" r:id="rId2"/>
@@ -17,10 +17,11 @@
     <p:sldId id="265" r:id="rId8"/>
     <p:sldId id="267" r:id="rId9"/>
     <p:sldId id="268" r:id="rId10"/>
-    <p:sldId id="269" r:id="rId11"/>
-    <p:sldId id="259" r:id="rId12"/>
-    <p:sldId id="260" r:id="rId13"/>
-    <p:sldId id="261" r:id="rId14"/>
+    <p:sldId id="270" r:id="rId11"/>
+    <p:sldId id="269" r:id="rId12"/>
+    <p:sldId id="259" r:id="rId13"/>
+    <p:sldId id="260" r:id="rId14"/>
+    <p:sldId id="261" r:id="rId15"/>
   </p:sldIdLst>
   <p:sldSz cx="12192000" cy="6858000"/>
   <p:notesSz cx="6858000" cy="9144000"/>
@@ -209,7 +210,7 @@
           <a:p>
             <a:fld id="{2E15FC1C-8A64-FA49-ACE1-0B9CB5E97710}" type="datetimeFigureOut">
               <a:rPr lang="it-IT" smtClean="0"/>
-              <a:t>24/03/19</a:t>
+              <a:t>27/03/19</a:t>
             </a:fld>
             <a:endParaRPr lang="it-IT"/>
           </a:p>
@@ -708,7 +709,7 @@
           <a:p>
             <a:fld id="{601E36F3-9E40-2941-AB6F-9D307DF64098}" type="datetimeFigureOut">
               <a:rPr lang="en-US" smtClean="0"/>
-              <a:t>3/24/19</a:t>
+              <a:t>3/27/19</a:t>
             </a:fld>
             <a:endParaRPr lang="en-US"/>
           </a:p>
@@ -906,7 +907,7 @@
           <a:p>
             <a:fld id="{601E36F3-9E40-2941-AB6F-9D307DF64098}" type="datetimeFigureOut">
               <a:rPr lang="en-US" smtClean="0"/>
-              <a:t>3/24/19</a:t>
+              <a:t>3/27/19</a:t>
             </a:fld>
             <a:endParaRPr lang="en-US"/>
           </a:p>
@@ -1114,7 +1115,7 @@
           <a:p>
             <a:fld id="{601E36F3-9E40-2941-AB6F-9D307DF64098}" type="datetimeFigureOut">
               <a:rPr lang="en-US" smtClean="0"/>
-              <a:t>3/24/19</a:t>
+              <a:t>3/27/19</a:t>
             </a:fld>
             <a:endParaRPr lang="en-US"/>
           </a:p>
@@ -1312,7 +1313,7 @@
           <a:p>
             <a:fld id="{601E36F3-9E40-2941-AB6F-9D307DF64098}" type="datetimeFigureOut">
               <a:rPr lang="en-US" smtClean="0"/>
-              <a:t>3/24/19</a:t>
+              <a:t>3/27/19</a:t>
             </a:fld>
             <a:endParaRPr lang="en-US"/>
           </a:p>
@@ -1587,7 +1588,7 @@
           <a:p>
             <a:fld id="{601E36F3-9E40-2941-AB6F-9D307DF64098}" type="datetimeFigureOut">
               <a:rPr lang="en-US" smtClean="0"/>
-              <a:t>3/24/19</a:t>
+              <a:t>3/27/19</a:t>
             </a:fld>
             <a:endParaRPr lang="en-US"/>
           </a:p>
@@ -1852,7 +1853,7 @@
           <a:p>
             <a:fld id="{601E36F3-9E40-2941-AB6F-9D307DF64098}" type="datetimeFigureOut">
               <a:rPr lang="en-US" smtClean="0"/>
-              <a:t>3/24/19</a:t>
+              <a:t>3/27/19</a:t>
             </a:fld>
             <a:endParaRPr lang="en-US"/>
           </a:p>
@@ -2264,7 +2265,7 @@
           <a:p>
             <a:fld id="{601E36F3-9E40-2941-AB6F-9D307DF64098}" type="datetimeFigureOut">
               <a:rPr lang="en-US" smtClean="0"/>
-              <a:t>3/24/19</a:t>
+              <a:t>3/27/19</a:t>
             </a:fld>
             <a:endParaRPr lang="en-US"/>
           </a:p>
@@ -2405,7 +2406,7 @@
           <a:p>
             <a:fld id="{601E36F3-9E40-2941-AB6F-9D307DF64098}" type="datetimeFigureOut">
               <a:rPr lang="en-US" smtClean="0"/>
-              <a:t>3/24/19</a:t>
+              <a:t>3/27/19</a:t>
             </a:fld>
             <a:endParaRPr lang="en-US"/>
           </a:p>
@@ -2518,7 +2519,7 @@
           <a:p>
             <a:fld id="{601E36F3-9E40-2941-AB6F-9D307DF64098}" type="datetimeFigureOut">
               <a:rPr lang="en-US" smtClean="0"/>
-              <a:t>3/24/19</a:t>
+              <a:t>3/27/19</a:t>
             </a:fld>
             <a:endParaRPr lang="en-US"/>
           </a:p>
@@ -2829,7 +2830,7 @@
           <a:p>
             <a:fld id="{601E36F3-9E40-2941-AB6F-9D307DF64098}" type="datetimeFigureOut">
               <a:rPr lang="en-US" smtClean="0"/>
-              <a:t>3/24/19</a:t>
+              <a:t>3/27/19</a:t>
             </a:fld>
             <a:endParaRPr lang="en-US"/>
           </a:p>
@@ -3117,7 +3118,7 @@
           <a:p>
             <a:fld id="{601E36F3-9E40-2941-AB6F-9D307DF64098}" type="datetimeFigureOut">
               <a:rPr lang="en-US" smtClean="0"/>
-              <a:t>3/24/19</a:t>
+              <a:t>3/27/19</a:t>
             </a:fld>
             <a:endParaRPr lang="en-US"/>
           </a:p>
@@ -3358,7 +3359,7 @@
           <a:p>
             <a:fld id="{601E36F3-9E40-2941-AB6F-9D307DF64098}" type="datetimeFigureOut">
               <a:rPr lang="en-US" smtClean="0"/>
-              <a:t>3/24/19</a:t>
+              <a:t>3/27/19</a:t>
             </a:fld>
             <a:endParaRPr lang="en-US"/>
           </a:p>
@@ -3959,6 +3960,126 @@
 <file path=ppt/slides/slide10.xml><?xml version="1.0" encoding="utf-8"?>
 <p:sld xmlns:a="http://schemas.openxmlformats.org/drawingml/2006/main" xmlns:r="http://schemas.openxmlformats.org/officeDocument/2006/relationships" xmlns:p="http://schemas.openxmlformats.org/presentationml/2006/main">
   <p:cSld>
+    <p:spTree>
+      <p:nvGrpSpPr>
+        <p:cNvPr id="1" name=""/>
+        <p:cNvGrpSpPr/>
+        <p:nvPr/>
+      </p:nvGrpSpPr>
+      <p:grpSpPr>
+        <a:xfrm>
+          <a:off x="0" y="0"/>
+          <a:ext cx="0" cy="0"/>
+          <a:chOff x="0" y="0"/>
+          <a:chExt cx="0" cy="0"/>
+        </a:xfrm>
+      </p:grpSpPr>
+      <p:pic>
+        <p:nvPicPr>
+          <p:cNvPr id="15" name="Picture 14">
+            <a:extLst>
+              <a:ext uri="{FF2B5EF4-FFF2-40B4-BE49-F238E27FC236}">
+                <a16:creationId xmlns:a16="http://schemas.microsoft.com/office/drawing/2014/main" id="{026BEE09-DA0D-B647-B22A-CBF2C2FD6AF7}"/>
+              </a:ext>
+            </a:extLst>
+          </p:cNvPr>
+          <p:cNvPicPr>
+            <a:picLocks noChangeAspect="1"/>
+          </p:cNvPicPr>
+          <p:nvPr/>
+        </p:nvPicPr>
+        <p:blipFill>
+          <a:blip r:embed="rId2"/>
+          <a:stretch>
+            <a:fillRect/>
+          </a:stretch>
+        </p:blipFill>
+        <p:spPr>
+          <a:xfrm>
+            <a:off x="5611893" y="47767"/>
+            <a:ext cx="3943465" cy="4284861"/>
+          </a:xfrm>
+          <a:prstGeom prst="rect">
+            <a:avLst/>
+          </a:prstGeom>
+        </p:spPr>
+      </p:pic>
+      <p:pic>
+        <p:nvPicPr>
+          <p:cNvPr id="7" name="Picture 6">
+            <a:extLst>
+              <a:ext uri="{FF2B5EF4-FFF2-40B4-BE49-F238E27FC236}">
+                <a16:creationId xmlns:a16="http://schemas.microsoft.com/office/drawing/2014/main" id="{5CD30F54-DC1C-9D4A-A001-F194F9FC70B9}"/>
+              </a:ext>
+            </a:extLst>
+          </p:cNvPr>
+          <p:cNvPicPr>
+            <a:picLocks noChangeAspect="1"/>
+          </p:cNvPicPr>
+          <p:nvPr/>
+        </p:nvPicPr>
+        <p:blipFill>
+          <a:blip r:embed="rId3"/>
+          <a:stretch>
+            <a:fillRect/>
+          </a:stretch>
+        </p:blipFill>
+        <p:spPr>
+          <a:xfrm>
+            <a:off x="1337481" y="2206022"/>
+            <a:ext cx="10740788" cy="4556444"/>
+          </a:xfrm>
+          <a:prstGeom prst="rect">
+            <a:avLst/>
+          </a:prstGeom>
+        </p:spPr>
+      </p:pic>
+      <p:pic>
+        <p:nvPicPr>
+          <p:cNvPr id="17" name="Picture 16">
+            <a:extLst>
+              <a:ext uri="{FF2B5EF4-FFF2-40B4-BE49-F238E27FC236}">
+                <a16:creationId xmlns:a16="http://schemas.microsoft.com/office/drawing/2014/main" id="{32190CAD-4975-1F4A-AB65-49488C70F6C0}"/>
+              </a:ext>
+            </a:extLst>
+          </p:cNvPr>
+          <p:cNvPicPr>
+            <a:picLocks noChangeAspect="1"/>
+          </p:cNvPicPr>
+          <p:nvPr/>
+        </p:nvPicPr>
+        <p:blipFill>
+          <a:blip r:embed="rId4"/>
+          <a:stretch>
+            <a:fillRect/>
+          </a:stretch>
+        </p:blipFill>
+        <p:spPr>
+          <a:xfrm>
+            <a:off x="113731" y="47767"/>
+            <a:ext cx="3979274" cy="6762466"/>
+          </a:xfrm>
+          <a:prstGeom prst="rect">
+            <a:avLst/>
+          </a:prstGeom>
+        </p:spPr>
+      </p:pic>
+    </p:spTree>
+    <p:extLst>
+      <p:ext uri="{BB962C8B-B14F-4D97-AF65-F5344CB8AC3E}">
+        <p14:creationId xmlns:p14="http://schemas.microsoft.com/office/powerpoint/2010/main" val="1222612684"/>
+      </p:ext>
+    </p:extLst>
+  </p:cSld>
+  <p:clrMapOvr>
+    <a:masterClrMapping/>
+  </p:clrMapOvr>
+</p:sld>
+</file>
+
+<file path=ppt/slides/slide11.xml><?xml version="1.0" encoding="utf-8"?>
+<p:sld xmlns:a="http://schemas.openxmlformats.org/drawingml/2006/main" xmlns:r="http://schemas.openxmlformats.org/officeDocument/2006/relationships" xmlns:p="http://schemas.openxmlformats.org/presentationml/2006/main">
+  <p:cSld>
     <p:bg>
       <p:bgPr>
         <a:solidFill>
@@ -4191,7 +4312,7 @@
 </p:sld>
 </file>
 
-<file path=ppt/slides/slide11.xml><?xml version="1.0" encoding="utf-8"?>
+<file path=ppt/slides/slide12.xml><?xml version="1.0" encoding="utf-8"?>
 <p:sld xmlns:a="http://schemas.openxmlformats.org/drawingml/2006/main" xmlns:r="http://schemas.openxmlformats.org/officeDocument/2006/relationships" xmlns:p="http://schemas.openxmlformats.org/presentationml/2006/main">
   <p:cSld>
     <p:bg>
@@ -4528,7 +4649,7 @@
 </p:sld>
 </file>
 
-<file path=ppt/slides/slide12.xml><?xml version="1.0" encoding="utf-8"?>
+<file path=ppt/slides/slide13.xml><?xml version="1.0" encoding="utf-8"?>
 <p:sld xmlns:a="http://schemas.openxmlformats.org/drawingml/2006/main" xmlns:r="http://schemas.openxmlformats.org/officeDocument/2006/relationships" xmlns:p="http://schemas.openxmlformats.org/presentationml/2006/main">
   <p:cSld>
     <p:bg>
@@ -5401,7 +5522,7 @@
 </p:sld>
 </file>
 
-<file path=ppt/slides/slide13.xml><?xml version="1.0" encoding="utf-8"?>
+<file path=ppt/slides/slide14.xml><?xml version="1.0" encoding="utf-8"?>
 <p:sld xmlns:a="http://schemas.openxmlformats.org/drawingml/2006/main" xmlns:r="http://schemas.openxmlformats.org/officeDocument/2006/relationships" xmlns:p="http://schemas.openxmlformats.org/presentationml/2006/main">
   <p:cSld>
     <p:spTree>

--- a/Presentazione/presentazione_corni_chatbot.pptx
+++ b/Presentazione/presentazione_corni_chatbot.pptx
@@ -5,7 +5,7 @@
     <p:sldMasterId id="2147483648" r:id="rId1"/>
   </p:sldMasterIdLst>
   <p:notesMasterIdLst>
-    <p:notesMasterId r:id="rId16"/>
+    <p:notesMasterId r:id="rId19"/>
   </p:notesMasterIdLst>
   <p:sldIdLst>
     <p:sldId id="256" r:id="rId2"/>
@@ -14,14 +14,17 @@
     <p:sldId id="263" r:id="rId5"/>
     <p:sldId id="264" r:id="rId6"/>
     <p:sldId id="266" r:id="rId7"/>
-    <p:sldId id="265" r:id="rId8"/>
-    <p:sldId id="267" r:id="rId9"/>
-    <p:sldId id="268" r:id="rId10"/>
-    <p:sldId id="270" r:id="rId11"/>
-    <p:sldId id="269" r:id="rId12"/>
-    <p:sldId id="259" r:id="rId13"/>
-    <p:sldId id="260" r:id="rId14"/>
-    <p:sldId id="261" r:id="rId15"/>
+    <p:sldId id="272" r:id="rId8"/>
+    <p:sldId id="271" r:id="rId9"/>
+    <p:sldId id="265" r:id="rId10"/>
+    <p:sldId id="267" r:id="rId11"/>
+    <p:sldId id="268" r:id="rId12"/>
+    <p:sldId id="270" r:id="rId13"/>
+    <p:sldId id="269" r:id="rId14"/>
+    <p:sldId id="273" r:id="rId15"/>
+    <p:sldId id="259" r:id="rId16"/>
+    <p:sldId id="260" r:id="rId17"/>
+    <p:sldId id="261" r:id="rId18"/>
   </p:sldIdLst>
   <p:sldSz cx="12192000" cy="6858000"/>
   <p:notesSz cx="6858000" cy="9144000"/>
@@ -210,7 +213,7 @@
           <a:p>
             <a:fld id="{2E15FC1C-8A64-FA49-ACE1-0B9CB5E97710}" type="datetimeFigureOut">
               <a:rPr lang="it-IT" smtClean="0"/>
-              <a:t>27/03/19</a:t>
+              <a:t>28/03/19</a:t>
             </a:fld>
             <a:endParaRPr lang="it-IT"/>
           </a:p>
@@ -709,7 +712,7 @@
           <a:p>
             <a:fld id="{601E36F3-9E40-2941-AB6F-9D307DF64098}" type="datetimeFigureOut">
               <a:rPr lang="en-US" smtClean="0"/>
-              <a:t>3/27/19</a:t>
+              <a:t>3/28/19</a:t>
             </a:fld>
             <a:endParaRPr lang="en-US"/>
           </a:p>
@@ -907,7 +910,7 @@
           <a:p>
             <a:fld id="{601E36F3-9E40-2941-AB6F-9D307DF64098}" type="datetimeFigureOut">
               <a:rPr lang="en-US" smtClean="0"/>
-              <a:t>3/27/19</a:t>
+              <a:t>3/28/19</a:t>
             </a:fld>
             <a:endParaRPr lang="en-US"/>
           </a:p>
@@ -1115,7 +1118,7 @@
           <a:p>
             <a:fld id="{601E36F3-9E40-2941-AB6F-9D307DF64098}" type="datetimeFigureOut">
               <a:rPr lang="en-US" smtClean="0"/>
-              <a:t>3/27/19</a:t>
+              <a:t>3/28/19</a:t>
             </a:fld>
             <a:endParaRPr lang="en-US"/>
           </a:p>
@@ -1313,7 +1316,7 @@
           <a:p>
             <a:fld id="{601E36F3-9E40-2941-AB6F-9D307DF64098}" type="datetimeFigureOut">
               <a:rPr lang="en-US" smtClean="0"/>
-              <a:t>3/27/19</a:t>
+              <a:t>3/28/19</a:t>
             </a:fld>
             <a:endParaRPr lang="en-US"/>
           </a:p>
@@ -1588,7 +1591,7 @@
           <a:p>
             <a:fld id="{601E36F3-9E40-2941-AB6F-9D307DF64098}" type="datetimeFigureOut">
               <a:rPr lang="en-US" smtClean="0"/>
-              <a:t>3/27/19</a:t>
+              <a:t>3/28/19</a:t>
             </a:fld>
             <a:endParaRPr lang="en-US"/>
           </a:p>
@@ -1853,7 +1856,7 @@
           <a:p>
             <a:fld id="{601E36F3-9E40-2941-AB6F-9D307DF64098}" type="datetimeFigureOut">
               <a:rPr lang="en-US" smtClean="0"/>
-              <a:t>3/27/19</a:t>
+              <a:t>3/28/19</a:t>
             </a:fld>
             <a:endParaRPr lang="en-US"/>
           </a:p>
@@ -2265,7 +2268,7 @@
           <a:p>
             <a:fld id="{601E36F3-9E40-2941-AB6F-9D307DF64098}" type="datetimeFigureOut">
               <a:rPr lang="en-US" smtClean="0"/>
-              <a:t>3/27/19</a:t>
+              <a:t>3/28/19</a:t>
             </a:fld>
             <a:endParaRPr lang="en-US"/>
           </a:p>
@@ -2406,7 +2409,7 @@
           <a:p>
             <a:fld id="{601E36F3-9E40-2941-AB6F-9D307DF64098}" type="datetimeFigureOut">
               <a:rPr lang="en-US" smtClean="0"/>
-              <a:t>3/27/19</a:t>
+              <a:t>3/28/19</a:t>
             </a:fld>
             <a:endParaRPr lang="en-US"/>
           </a:p>
@@ -2519,7 +2522,7 @@
           <a:p>
             <a:fld id="{601E36F3-9E40-2941-AB6F-9D307DF64098}" type="datetimeFigureOut">
               <a:rPr lang="en-US" smtClean="0"/>
-              <a:t>3/27/19</a:t>
+              <a:t>3/28/19</a:t>
             </a:fld>
             <a:endParaRPr lang="en-US"/>
           </a:p>
@@ -2830,7 +2833,7 @@
           <a:p>
             <a:fld id="{601E36F3-9E40-2941-AB6F-9D307DF64098}" type="datetimeFigureOut">
               <a:rPr lang="en-US" smtClean="0"/>
-              <a:t>3/27/19</a:t>
+              <a:t>3/28/19</a:t>
             </a:fld>
             <a:endParaRPr lang="en-US"/>
           </a:p>
@@ -3118,7 +3121,7 @@
           <a:p>
             <a:fld id="{601E36F3-9E40-2941-AB6F-9D307DF64098}" type="datetimeFigureOut">
               <a:rPr lang="en-US" smtClean="0"/>
-              <a:t>3/27/19</a:t>
+              <a:t>3/28/19</a:t>
             </a:fld>
             <a:endParaRPr lang="en-US"/>
           </a:p>
@@ -3359,7 +3362,7 @@
           <a:p>
             <a:fld id="{601E36F3-9E40-2941-AB6F-9D307DF64098}" type="datetimeFigureOut">
               <a:rPr lang="en-US" smtClean="0"/>
-              <a:t>3/27/19</a:t>
+              <a:t>3/28/19</a:t>
             </a:fld>
             <a:endParaRPr lang="en-US"/>
           </a:p>
@@ -3974,6 +3977,1459 @@
           <a:chExt cx="0" cy="0"/>
         </a:xfrm>
       </p:grpSpPr>
+      <p:sp>
+        <p:nvSpPr>
+          <p:cNvPr id="2" name="Title 1">
+            <a:extLst>
+              <a:ext uri="{FF2B5EF4-FFF2-40B4-BE49-F238E27FC236}">
+                <a16:creationId xmlns:a16="http://schemas.microsoft.com/office/drawing/2014/main" id="{F6DAF212-D071-8541-869A-C629F2378F60}"/>
+              </a:ext>
+            </a:extLst>
+          </p:cNvPr>
+          <p:cNvSpPr>
+            <a:spLocks noGrp="1"/>
+          </p:cNvSpPr>
+          <p:nvPr>
+            <p:ph type="title"/>
+          </p:nvPr>
+        </p:nvSpPr>
+        <p:spPr/>
+        <p:txBody>
+          <a:bodyPr/>
+          <a:lstStyle/>
+          <a:p>
+            <a:r>
+              <a:rPr lang="it-IT" dirty="0" err="1">
+                <a:latin typeface="OCRB" panose="020B0609020202020204" pitchFamily="49" charset="77"/>
+              </a:rPr>
+              <a:t>Chatbot</a:t>
+            </a:r>
+            <a:endParaRPr lang="it-IT" dirty="0">
+              <a:latin typeface="OCRB" panose="020B0609020202020204" pitchFamily="49" charset="77"/>
+            </a:endParaRPr>
+          </a:p>
+        </p:txBody>
+      </p:sp>
+      <p:sp>
+        <p:nvSpPr>
+          <p:cNvPr id="4" name="Oval 3">
+            <a:extLst>
+              <a:ext uri="{FF2B5EF4-FFF2-40B4-BE49-F238E27FC236}">
+                <a16:creationId xmlns:a16="http://schemas.microsoft.com/office/drawing/2014/main" id="{9B31B035-F062-6641-84C9-E3E7079F1719}"/>
+              </a:ext>
+            </a:extLst>
+          </p:cNvPr>
+          <p:cNvSpPr/>
+          <p:nvPr/>
+        </p:nvSpPr>
+        <p:spPr>
+          <a:xfrm>
+            <a:off x="8678338" y="1768225"/>
+            <a:ext cx="2160000" cy="2160000"/>
+          </a:xfrm>
+          <a:prstGeom prst="ellipse">
+            <a:avLst/>
+          </a:prstGeom>
+          <a:noFill/>
+          <a:ln w="63500"/>
+        </p:spPr>
+        <p:style>
+          <a:lnRef idx="2">
+            <a:schemeClr val="accent1">
+              <a:shade val="50000"/>
+            </a:schemeClr>
+          </a:lnRef>
+          <a:fillRef idx="1">
+            <a:schemeClr val="accent1"/>
+          </a:fillRef>
+          <a:effectRef idx="0">
+            <a:schemeClr val="accent1"/>
+          </a:effectRef>
+          <a:fontRef idx="minor">
+            <a:schemeClr val="lt1"/>
+          </a:fontRef>
+        </p:style>
+        <p:txBody>
+          <a:bodyPr rtlCol="0" anchor="ctr"/>
+          <a:lstStyle/>
+          <a:p>
+            <a:pPr algn="ctr"/>
+            <a:r>
+              <a:rPr lang="it-IT" sz="2800" b="1" dirty="0">
+                <a:solidFill>
+                  <a:schemeClr val="accent1"/>
+                </a:solidFill>
+                <a:latin typeface="OCRB" panose="020B0609020202020204" pitchFamily="49" charset="77"/>
+              </a:rPr>
+              <a:t>Perché</a:t>
+            </a:r>
+          </a:p>
+        </p:txBody>
+      </p:sp>
+      <p:sp>
+        <p:nvSpPr>
+          <p:cNvPr id="6" name="Oval 5">
+            <a:extLst>
+              <a:ext uri="{FF2B5EF4-FFF2-40B4-BE49-F238E27FC236}">
+                <a16:creationId xmlns:a16="http://schemas.microsoft.com/office/drawing/2014/main" id="{70F583B3-7652-C249-A8DF-E8B2B65E4390}"/>
+              </a:ext>
+            </a:extLst>
+          </p:cNvPr>
+          <p:cNvSpPr/>
+          <p:nvPr/>
+        </p:nvSpPr>
+        <p:spPr>
+          <a:xfrm>
+            <a:off x="5008607" y="1768225"/>
+            <a:ext cx="2160000" cy="2160000"/>
+          </a:xfrm>
+          <a:prstGeom prst="ellipse">
+            <a:avLst/>
+          </a:prstGeom>
+          <a:noFill/>
+          <a:ln w="63500"/>
+        </p:spPr>
+        <p:style>
+          <a:lnRef idx="2">
+            <a:schemeClr val="accent1">
+              <a:shade val="50000"/>
+            </a:schemeClr>
+          </a:lnRef>
+          <a:fillRef idx="1">
+            <a:schemeClr val="accent1"/>
+          </a:fillRef>
+          <a:effectRef idx="0">
+            <a:schemeClr val="accent1"/>
+          </a:effectRef>
+          <a:fontRef idx="minor">
+            <a:schemeClr val="lt1"/>
+          </a:fontRef>
+        </p:style>
+        <p:txBody>
+          <a:bodyPr rtlCol="0" anchor="ctr"/>
+          <a:lstStyle/>
+          <a:p>
+            <a:pPr algn="ctr"/>
+            <a:r>
+              <a:rPr lang="it-IT" sz="2800" b="1" dirty="0">
+                <a:solidFill>
+                  <a:schemeClr val="accent1"/>
+                </a:solidFill>
+                <a:latin typeface="OCRB" panose="020B0609020202020204" pitchFamily="49" charset="77"/>
+              </a:rPr>
+              <a:t>Dove</a:t>
+            </a:r>
+          </a:p>
+        </p:txBody>
+      </p:sp>
+      <p:sp>
+        <p:nvSpPr>
+          <p:cNvPr id="7" name="Oval 6">
+            <a:extLst>
+              <a:ext uri="{FF2B5EF4-FFF2-40B4-BE49-F238E27FC236}">
+                <a16:creationId xmlns:a16="http://schemas.microsoft.com/office/drawing/2014/main" id="{C2F42233-8BCF-E546-BE7E-FFCFD44F23A9}"/>
+              </a:ext>
+            </a:extLst>
+          </p:cNvPr>
+          <p:cNvSpPr/>
+          <p:nvPr/>
+        </p:nvSpPr>
+        <p:spPr>
+          <a:xfrm>
+            <a:off x="3159212" y="1768225"/>
+            <a:ext cx="2160000" cy="2160000"/>
+          </a:xfrm>
+          <a:prstGeom prst="ellipse">
+            <a:avLst/>
+          </a:prstGeom>
+          <a:noFill/>
+          <a:ln w="63500"/>
+        </p:spPr>
+        <p:style>
+          <a:lnRef idx="2">
+            <a:schemeClr val="accent1">
+              <a:shade val="50000"/>
+            </a:schemeClr>
+          </a:lnRef>
+          <a:fillRef idx="1">
+            <a:schemeClr val="accent1"/>
+          </a:fillRef>
+          <a:effectRef idx="0">
+            <a:schemeClr val="accent1"/>
+          </a:effectRef>
+          <a:fontRef idx="minor">
+            <a:schemeClr val="lt1"/>
+          </a:fontRef>
+        </p:style>
+        <p:txBody>
+          <a:bodyPr rtlCol="0" anchor="ctr"/>
+          <a:lstStyle/>
+          <a:p>
+            <a:pPr algn="ctr"/>
+            <a:r>
+              <a:rPr lang="it-IT" sz="2800" b="1" dirty="0">
+                <a:solidFill>
+                  <a:schemeClr val="accent1"/>
+                </a:solidFill>
+                <a:latin typeface="OCRB" panose="020B0609020202020204" pitchFamily="49" charset="77"/>
+              </a:rPr>
+              <a:t>Come</a:t>
+            </a:r>
+          </a:p>
+        </p:txBody>
+      </p:sp>
+      <p:sp>
+        <p:nvSpPr>
+          <p:cNvPr id="8" name="Oval 7">
+            <a:extLst>
+              <a:ext uri="{FF2B5EF4-FFF2-40B4-BE49-F238E27FC236}">
+                <a16:creationId xmlns:a16="http://schemas.microsoft.com/office/drawing/2014/main" id="{340DA1D7-3094-7449-BC4F-8140BCFD5F7B}"/>
+              </a:ext>
+            </a:extLst>
+          </p:cNvPr>
+          <p:cNvSpPr/>
+          <p:nvPr/>
+        </p:nvSpPr>
+        <p:spPr>
+          <a:xfrm>
+            <a:off x="1338876" y="1768225"/>
+            <a:ext cx="2160000" cy="2160000"/>
+          </a:xfrm>
+          <a:prstGeom prst="ellipse">
+            <a:avLst/>
+          </a:prstGeom>
+          <a:noFill/>
+          <a:ln w="63500">
+            <a:solidFill>
+              <a:schemeClr val="accent1">
+                <a:lumMod val="75000"/>
+              </a:schemeClr>
+            </a:solidFill>
+          </a:ln>
+        </p:spPr>
+        <p:style>
+          <a:lnRef idx="2">
+            <a:schemeClr val="accent1">
+              <a:shade val="50000"/>
+            </a:schemeClr>
+          </a:lnRef>
+          <a:fillRef idx="1">
+            <a:schemeClr val="accent1"/>
+          </a:fillRef>
+          <a:effectRef idx="0">
+            <a:schemeClr val="accent1"/>
+          </a:effectRef>
+          <a:fontRef idx="minor">
+            <a:schemeClr val="lt1"/>
+          </a:fontRef>
+        </p:style>
+        <p:txBody>
+          <a:bodyPr rtlCol="0" anchor="ctr"/>
+          <a:lstStyle/>
+          <a:p>
+            <a:pPr algn="ctr"/>
+            <a:r>
+              <a:rPr lang="it-IT" sz="2800" b="1" dirty="0">
+                <a:solidFill>
+                  <a:schemeClr val="accent1"/>
+                </a:solidFill>
+                <a:latin typeface="OCRB" panose="020B0609020202020204" pitchFamily="49" charset="77"/>
+              </a:rPr>
+              <a:t>Chi</a:t>
+            </a:r>
+          </a:p>
+        </p:txBody>
+      </p:sp>
+      <p:sp>
+        <p:nvSpPr>
+          <p:cNvPr id="3" name="TextBox 2">
+            <a:extLst>
+              <a:ext uri="{FF2B5EF4-FFF2-40B4-BE49-F238E27FC236}">
+                <a16:creationId xmlns:a16="http://schemas.microsoft.com/office/drawing/2014/main" id="{6BCDD395-D2B5-154D-BF0C-ED9944C1D9B6}"/>
+              </a:ext>
+            </a:extLst>
+          </p:cNvPr>
+          <p:cNvSpPr txBox="1"/>
+          <p:nvPr/>
+        </p:nvSpPr>
+        <p:spPr>
+          <a:xfrm>
+            <a:off x="1338876" y="4482652"/>
+            <a:ext cx="9440562" cy="923330"/>
+          </a:xfrm>
+          <a:prstGeom prst="rect">
+            <a:avLst/>
+          </a:prstGeom>
+          <a:noFill/>
+        </p:spPr>
+        <p:txBody>
+          <a:bodyPr wrap="square" rtlCol="0">
+            <a:spAutoFit/>
+          </a:bodyPr>
+          <a:lstStyle/>
+          <a:p>
+            <a:pPr marL="285750" indent="-285750" algn="just">
+              <a:buFont typeface="Arial" panose="020B0604020202020204" pitchFamily="34" charset="0"/>
+              <a:buChar char="•"/>
+            </a:pPr>
+            <a:r>
+              <a:rPr lang="it" dirty="0">
+                <a:latin typeface="OCRB" panose="020B0609020202020204" pitchFamily="49" charset="77"/>
+              </a:rPr>
+              <a:t>24/7: un chatbot deve rimanere in esecuzione continua per essere sempre pronto a raggiungere i propri clienti (analogia con Server Web)</a:t>
+            </a:r>
+            <a:endParaRPr lang="it-IT" dirty="0">
+              <a:latin typeface="OCRB" panose="020B0609020202020204" pitchFamily="49" charset="77"/>
+            </a:endParaRPr>
+          </a:p>
+        </p:txBody>
+      </p:sp>
+      <p:sp>
+        <p:nvSpPr>
+          <p:cNvPr id="5" name="Oval 4">
+            <a:extLst>
+              <a:ext uri="{FF2B5EF4-FFF2-40B4-BE49-F238E27FC236}">
+                <a16:creationId xmlns:a16="http://schemas.microsoft.com/office/drawing/2014/main" id="{174882ED-E59F-BE44-83A2-13049D6E43DD}"/>
+              </a:ext>
+            </a:extLst>
+          </p:cNvPr>
+          <p:cNvSpPr/>
+          <p:nvPr/>
+        </p:nvSpPr>
+        <p:spPr>
+          <a:xfrm>
+            <a:off x="6828943" y="1768225"/>
+            <a:ext cx="2160000" cy="2160000"/>
+          </a:xfrm>
+          <a:prstGeom prst="ellipse">
+            <a:avLst/>
+          </a:prstGeom>
+          <a:noFill/>
+          <a:ln w="127000">
+            <a:solidFill>
+              <a:schemeClr val="accent2"/>
+            </a:solidFill>
+          </a:ln>
+        </p:spPr>
+        <p:style>
+          <a:lnRef idx="2">
+            <a:schemeClr val="accent1">
+              <a:shade val="50000"/>
+            </a:schemeClr>
+          </a:lnRef>
+          <a:fillRef idx="1">
+            <a:schemeClr val="accent1"/>
+          </a:fillRef>
+          <a:effectRef idx="0">
+            <a:schemeClr val="accent1"/>
+          </a:effectRef>
+          <a:fontRef idx="minor">
+            <a:schemeClr val="lt1"/>
+          </a:fontRef>
+        </p:style>
+        <p:txBody>
+          <a:bodyPr rtlCol="0" anchor="ctr"/>
+          <a:lstStyle/>
+          <a:p>
+            <a:pPr algn="ctr"/>
+            <a:r>
+              <a:rPr lang="it-IT" sz="2800" b="1" dirty="0">
+                <a:solidFill>
+                  <a:schemeClr val="accent2"/>
+                </a:solidFill>
+                <a:latin typeface="OCRB" panose="020B0609020202020204" pitchFamily="49" charset="77"/>
+              </a:rPr>
+              <a:t>Quando</a:t>
+            </a:r>
+          </a:p>
+        </p:txBody>
+      </p:sp>
+    </p:spTree>
+    <p:extLst>
+      <p:ext uri="{BB962C8B-B14F-4D97-AF65-F5344CB8AC3E}">
+        <p14:creationId xmlns:p14="http://schemas.microsoft.com/office/powerpoint/2010/main" val="437981032"/>
+      </p:ext>
+    </p:extLst>
+  </p:cSld>
+  <p:clrMapOvr>
+    <a:masterClrMapping/>
+  </p:clrMapOvr>
+  <p:timing>
+    <p:tnLst>
+      <p:par>
+        <p:cTn id="1" dur="indefinite" restart="never" nodeType="tmRoot">
+          <p:childTnLst>
+            <p:seq concurrent="1" nextAc="seek">
+              <p:cTn id="2" dur="indefinite" nodeType="mainSeq">
+                <p:childTnLst>
+                  <p:par>
+                    <p:cTn id="3" fill="hold">
+                      <p:stCondLst>
+                        <p:cond delay="indefinite"/>
+                      </p:stCondLst>
+                      <p:childTnLst>
+                        <p:par>
+                          <p:cTn id="4" fill="hold">
+                            <p:stCondLst>
+                              <p:cond delay="0"/>
+                            </p:stCondLst>
+                            <p:childTnLst>
+                              <p:par>
+                                <p:cTn id="5" presetID="1" presetClass="entr" presetSubtype="0" fill="hold" grpId="0" nodeType="clickEffect">
+                                  <p:stCondLst>
+                                    <p:cond delay="0"/>
+                                  </p:stCondLst>
+                                  <p:childTnLst>
+                                    <p:set>
+                                      <p:cBhvr>
+                                        <p:cTn id="6" dur="1" fill="hold">
+                                          <p:stCondLst>
+                                            <p:cond delay="0"/>
+                                          </p:stCondLst>
+                                        </p:cTn>
+                                        <p:tgtEl>
+                                          <p:spTgt spid="3"/>
+                                        </p:tgtEl>
+                                        <p:attrNameLst>
+                                          <p:attrName>style.visibility</p:attrName>
+                                        </p:attrNameLst>
+                                      </p:cBhvr>
+                                      <p:to>
+                                        <p:strVal val="visible"/>
+                                      </p:to>
+                                    </p:set>
+                                  </p:childTnLst>
+                                </p:cTn>
+                              </p:par>
+                            </p:childTnLst>
+                          </p:cTn>
+                        </p:par>
+                      </p:childTnLst>
+                    </p:cTn>
+                  </p:par>
+                </p:childTnLst>
+              </p:cTn>
+              <p:prevCondLst>
+                <p:cond evt="onPrev" delay="0">
+                  <p:tgtEl>
+                    <p:sldTgt/>
+                  </p:tgtEl>
+                </p:cond>
+              </p:prevCondLst>
+              <p:nextCondLst>
+                <p:cond evt="onNext" delay="0">
+                  <p:tgtEl>
+                    <p:sldTgt/>
+                  </p:tgtEl>
+                </p:cond>
+              </p:nextCondLst>
+            </p:seq>
+          </p:childTnLst>
+        </p:cTn>
+      </p:par>
+    </p:tnLst>
+    <p:bldLst>
+      <p:bldP spid="3" grpId="0"/>
+    </p:bldLst>
+  </p:timing>
+</p:sld>
+</file>
+
+<file path=ppt/slides/slide11.xml><?xml version="1.0" encoding="utf-8"?>
+<p:sld xmlns:a="http://schemas.openxmlformats.org/drawingml/2006/main" xmlns:r="http://schemas.openxmlformats.org/officeDocument/2006/relationships" xmlns:p="http://schemas.openxmlformats.org/presentationml/2006/main">
+  <p:cSld>
+    <p:spTree>
+      <p:nvGrpSpPr>
+        <p:cNvPr id="1" name=""/>
+        <p:cNvGrpSpPr/>
+        <p:nvPr/>
+      </p:nvGrpSpPr>
+      <p:grpSpPr>
+        <a:xfrm>
+          <a:off x="0" y="0"/>
+          <a:ext cx="0" cy="0"/>
+          <a:chOff x="0" y="0"/>
+          <a:chExt cx="0" cy="0"/>
+        </a:xfrm>
+      </p:grpSpPr>
+      <p:sp>
+        <p:nvSpPr>
+          <p:cNvPr id="2" name="Title 1">
+            <a:extLst>
+              <a:ext uri="{FF2B5EF4-FFF2-40B4-BE49-F238E27FC236}">
+                <a16:creationId xmlns:a16="http://schemas.microsoft.com/office/drawing/2014/main" id="{F6DAF212-D071-8541-869A-C629F2378F60}"/>
+              </a:ext>
+            </a:extLst>
+          </p:cNvPr>
+          <p:cNvSpPr>
+            <a:spLocks noGrp="1"/>
+          </p:cNvSpPr>
+          <p:nvPr>
+            <p:ph type="title"/>
+          </p:nvPr>
+        </p:nvSpPr>
+        <p:spPr/>
+        <p:txBody>
+          <a:bodyPr/>
+          <a:lstStyle/>
+          <a:p>
+            <a:r>
+              <a:rPr lang="it-IT" dirty="0" err="1">
+                <a:latin typeface="OCRB" panose="020B0609020202020204" pitchFamily="49" charset="77"/>
+              </a:rPr>
+              <a:t>Chatbot</a:t>
+            </a:r>
+            <a:endParaRPr lang="it-IT" dirty="0">
+              <a:latin typeface="OCRB" panose="020B0609020202020204" pitchFamily="49" charset="77"/>
+            </a:endParaRPr>
+          </a:p>
+        </p:txBody>
+      </p:sp>
+      <p:sp>
+        <p:nvSpPr>
+          <p:cNvPr id="5" name="Oval 4">
+            <a:extLst>
+              <a:ext uri="{FF2B5EF4-FFF2-40B4-BE49-F238E27FC236}">
+                <a16:creationId xmlns:a16="http://schemas.microsoft.com/office/drawing/2014/main" id="{174882ED-E59F-BE44-83A2-13049D6E43DD}"/>
+              </a:ext>
+            </a:extLst>
+          </p:cNvPr>
+          <p:cNvSpPr/>
+          <p:nvPr/>
+        </p:nvSpPr>
+        <p:spPr>
+          <a:xfrm>
+            <a:off x="6828943" y="1768225"/>
+            <a:ext cx="2160000" cy="2160000"/>
+          </a:xfrm>
+          <a:prstGeom prst="ellipse">
+            <a:avLst/>
+          </a:prstGeom>
+          <a:noFill/>
+          <a:ln w="63500"/>
+        </p:spPr>
+        <p:style>
+          <a:lnRef idx="2">
+            <a:schemeClr val="accent1">
+              <a:shade val="50000"/>
+            </a:schemeClr>
+          </a:lnRef>
+          <a:fillRef idx="1">
+            <a:schemeClr val="accent1"/>
+          </a:fillRef>
+          <a:effectRef idx="0">
+            <a:schemeClr val="accent1"/>
+          </a:effectRef>
+          <a:fontRef idx="minor">
+            <a:schemeClr val="lt1"/>
+          </a:fontRef>
+        </p:style>
+        <p:txBody>
+          <a:bodyPr rtlCol="0" anchor="ctr"/>
+          <a:lstStyle/>
+          <a:p>
+            <a:pPr algn="ctr"/>
+            <a:r>
+              <a:rPr lang="it-IT" sz="2800" b="1" dirty="0">
+                <a:solidFill>
+                  <a:schemeClr val="accent1"/>
+                </a:solidFill>
+                <a:latin typeface="OCRB" panose="020B0609020202020204" pitchFamily="49" charset="77"/>
+              </a:rPr>
+              <a:t>Quando</a:t>
+            </a:r>
+          </a:p>
+        </p:txBody>
+      </p:sp>
+      <p:sp>
+        <p:nvSpPr>
+          <p:cNvPr id="6" name="Oval 5">
+            <a:extLst>
+              <a:ext uri="{FF2B5EF4-FFF2-40B4-BE49-F238E27FC236}">
+                <a16:creationId xmlns:a16="http://schemas.microsoft.com/office/drawing/2014/main" id="{70F583B3-7652-C249-A8DF-E8B2B65E4390}"/>
+              </a:ext>
+            </a:extLst>
+          </p:cNvPr>
+          <p:cNvSpPr/>
+          <p:nvPr/>
+        </p:nvSpPr>
+        <p:spPr>
+          <a:xfrm>
+            <a:off x="5008607" y="1768225"/>
+            <a:ext cx="2160000" cy="2160000"/>
+          </a:xfrm>
+          <a:prstGeom prst="ellipse">
+            <a:avLst/>
+          </a:prstGeom>
+          <a:noFill/>
+          <a:ln w="63500"/>
+        </p:spPr>
+        <p:style>
+          <a:lnRef idx="2">
+            <a:schemeClr val="accent1">
+              <a:shade val="50000"/>
+            </a:schemeClr>
+          </a:lnRef>
+          <a:fillRef idx="1">
+            <a:schemeClr val="accent1"/>
+          </a:fillRef>
+          <a:effectRef idx="0">
+            <a:schemeClr val="accent1"/>
+          </a:effectRef>
+          <a:fontRef idx="minor">
+            <a:schemeClr val="lt1"/>
+          </a:fontRef>
+        </p:style>
+        <p:txBody>
+          <a:bodyPr rtlCol="0" anchor="ctr"/>
+          <a:lstStyle/>
+          <a:p>
+            <a:pPr algn="ctr"/>
+            <a:r>
+              <a:rPr lang="it-IT" sz="2800" b="1" dirty="0">
+                <a:solidFill>
+                  <a:schemeClr val="accent1"/>
+                </a:solidFill>
+                <a:latin typeface="OCRB" panose="020B0609020202020204" pitchFamily="49" charset="77"/>
+              </a:rPr>
+              <a:t>Dove</a:t>
+            </a:r>
+          </a:p>
+        </p:txBody>
+      </p:sp>
+      <p:sp>
+        <p:nvSpPr>
+          <p:cNvPr id="7" name="Oval 6">
+            <a:extLst>
+              <a:ext uri="{FF2B5EF4-FFF2-40B4-BE49-F238E27FC236}">
+                <a16:creationId xmlns:a16="http://schemas.microsoft.com/office/drawing/2014/main" id="{C2F42233-8BCF-E546-BE7E-FFCFD44F23A9}"/>
+              </a:ext>
+            </a:extLst>
+          </p:cNvPr>
+          <p:cNvSpPr/>
+          <p:nvPr/>
+        </p:nvSpPr>
+        <p:spPr>
+          <a:xfrm>
+            <a:off x="3159212" y="1768225"/>
+            <a:ext cx="2160000" cy="2160000"/>
+          </a:xfrm>
+          <a:prstGeom prst="ellipse">
+            <a:avLst/>
+          </a:prstGeom>
+          <a:noFill/>
+          <a:ln w="63500"/>
+        </p:spPr>
+        <p:style>
+          <a:lnRef idx="2">
+            <a:schemeClr val="accent1">
+              <a:shade val="50000"/>
+            </a:schemeClr>
+          </a:lnRef>
+          <a:fillRef idx="1">
+            <a:schemeClr val="accent1"/>
+          </a:fillRef>
+          <a:effectRef idx="0">
+            <a:schemeClr val="accent1"/>
+          </a:effectRef>
+          <a:fontRef idx="minor">
+            <a:schemeClr val="lt1"/>
+          </a:fontRef>
+        </p:style>
+        <p:txBody>
+          <a:bodyPr rtlCol="0" anchor="ctr"/>
+          <a:lstStyle/>
+          <a:p>
+            <a:pPr algn="ctr"/>
+            <a:r>
+              <a:rPr lang="it-IT" sz="2800" b="1" dirty="0">
+                <a:solidFill>
+                  <a:schemeClr val="accent1"/>
+                </a:solidFill>
+                <a:latin typeface="OCRB" panose="020B0609020202020204" pitchFamily="49" charset="77"/>
+              </a:rPr>
+              <a:t>Come</a:t>
+            </a:r>
+          </a:p>
+        </p:txBody>
+      </p:sp>
+      <p:sp>
+        <p:nvSpPr>
+          <p:cNvPr id="8" name="Oval 7">
+            <a:extLst>
+              <a:ext uri="{FF2B5EF4-FFF2-40B4-BE49-F238E27FC236}">
+                <a16:creationId xmlns:a16="http://schemas.microsoft.com/office/drawing/2014/main" id="{340DA1D7-3094-7449-BC4F-8140BCFD5F7B}"/>
+              </a:ext>
+            </a:extLst>
+          </p:cNvPr>
+          <p:cNvSpPr/>
+          <p:nvPr/>
+        </p:nvSpPr>
+        <p:spPr>
+          <a:xfrm>
+            <a:off x="1338876" y="1768225"/>
+            <a:ext cx="2160000" cy="2160000"/>
+          </a:xfrm>
+          <a:prstGeom prst="ellipse">
+            <a:avLst/>
+          </a:prstGeom>
+          <a:noFill/>
+          <a:ln w="63500">
+            <a:solidFill>
+              <a:schemeClr val="accent1">
+                <a:lumMod val="75000"/>
+              </a:schemeClr>
+            </a:solidFill>
+          </a:ln>
+        </p:spPr>
+        <p:style>
+          <a:lnRef idx="2">
+            <a:schemeClr val="accent1">
+              <a:shade val="50000"/>
+            </a:schemeClr>
+          </a:lnRef>
+          <a:fillRef idx="1">
+            <a:schemeClr val="accent1"/>
+          </a:fillRef>
+          <a:effectRef idx="0">
+            <a:schemeClr val="accent1"/>
+          </a:effectRef>
+          <a:fontRef idx="minor">
+            <a:schemeClr val="lt1"/>
+          </a:fontRef>
+        </p:style>
+        <p:txBody>
+          <a:bodyPr rtlCol="0" anchor="ctr"/>
+          <a:lstStyle/>
+          <a:p>
+            <a:pPr algn="ctr"/>
+            <a:r>
+              <a:rPr lang="it-IT" sz="2800" b="1" dirty="0">
+                <a:solidFill>
+                  <a:schemeClr val="accent1"/>
+                </a:solidFill>
+                <a:latin typeface="OCRB" panose="020B0609020202020204" pitchFamily="49" charset="77"/>
+              </a:rPr>
+              <a:t>Chi</a:t>
+            </a:r>
+          </a:p>
+        </p:txBody>
+      </p:sp>
+      <p:sp>
+        <p:nvSpPr>
+          <p:cNvPr id="3" name="TextBox 2">
+            <a:extLst>
+              <a:ext uri="{FF2B5EF4-FFF2-40B4-BE49-F238E27FC236}">
+                <a16:creationId xmlns:a16="http://schemas.microsoft.com/office/drawing/2014/main" id="{6BCDD395-D2B5-154D-BF0C-ED9944C1D9B6}"/>
+              </a:ext>
+            </a:extLst>
+          </p:cNvPr>
+          <p:cNvSpPr txBox="1"/>
+          <p:nvPr/>
+        </p:nvSpPr>
+        <p:spPr>
+          <a:xfrm>
+            <a:off x="1338876" y="4072347"/>
+            <a:ext cx="9440562" cy="2769989"/>
+          </a:xfrm>
+          <a:prstGeom prst="rect">
+            <a:avLst/>
+          </a:prstGeom>
+          <a:noFill/>
+        </p:spPr>
+        <p:txBody>
+          <a:bodyPr wrap="square" rtlCol="0">
+            <a:spAutoFit/>
+          </a:bodyPr>
+          <a:lstStyle/>
+          <a:p>
+            <a:pPr marL="285750" indent="-285750">
+              <a:buFont typeface="Arial" panose="020B0604020202020204" pitchFamily="34" charset="0"/>
+              <a:buChar char="•"/>
+            </a:pPr>
+            <a:r>
+              <a:rPr lang="it" dirty="0">
+                <a:latin typeface="OCRB" panose="020B0609020202020204" pitchFamily="49" charset="77"/>
+              </a:rPr>
+              <a:t>Prontezza nel notificare situazioni di pericolo/emergenza</a:t>
+            </a:r>
+          </a:p>
+          <a:p>
+            <a:pPr marL="742950" lvl="1" indent="-285750">
+              <a:buFont typeface="Arial" panose="020B0604020202020204" pitchFamily="34" charset="0"/>
+              <a:buChar char="•"/>
+            </a:pPr>
+            <a:r>
+              <a:rPr lang="it" sz="1400" dirty="0">
+                <a:latin typeface="OCRB" panose="020B0609020202020204" pitchFamily="49" charset="77"/>
+              </a:rPr>
+              <a:t>Allarme impianto produttivo segnalato ai responsabili</a:t>
+            </a:r>
+          </a:p>
+          <a:p>
+            <a:pPr marL="285750" indent="-285750">
+              <a:buFont typeface="Arial" panose="020B0604020202020204" pitchFamily="34" charset="0"/>
+              <a:buChar char="•"/>
+            </a:pPr>
+            <a:r>
+              <a:rPr lang="it" dirty="0">
+                <a:latin typeface="OCRB" panose="020B0609020202020204" pitchFamily="49" charset="77"/>
+              </a:rPr>
+              <a:t>Maggiore accessibilità e coinvolgimento degli utenti</a:t>
+            </a:r>
+          </a:p>
+          <a:p>
+            <a:pPr marL="742950" lvl="1" indent="-285750">
+              <a:buFont typeface="Arial" panose="020B0604020202020204" pitchFamily="34" charset="0"/>
+              <a:buChar char="•"/>
+            </a:pPr>
+            <a:r>
+              <a:rPr lang="it" sz="1400" dirty="0">
+                <a:latin typeface="OCRB" panose="020B0609020202020204" pitchFamily="49" charset="77"/>
+              </a:rPr>
+              <a:t>Stato di un macchinario? Chiediamoglielo!</a:t>
+            </a:r>
+          </a:p>
+          <a:p>
+            <a:pPr marL="742950" lvl="1" indent="-285750">
+              <a:buFont typeface="Arial" panose="020B0604020202020204" pitchFamily="34" charset="0"/>
+              <a:buChar char="•"/>
+            </a:pPr>
+            <a:r>
+              <a:rPr lang="it" sz="1400" dirty="0">
+                <a:latin typeface="OCRB" panose="020B0609020202020204" pitchFamily="49" charset="77"/>
+              </a:rPr>
+              <a:t>Analisi marketing su preferenze di utilizzo, tracking spedizioni, promemoria</a:t>
+            </a:r>
+          </a:p>
+          <a:p>
+            <a:pPr marL="285750" indent="-285750">
+              <a:buFont typeface="Arial" panose="020B0604020202020204" pitchFamily="34" charset="0"/>
+              <a:buChar char="•"/>
+            </a:pPr>
+            <a:r>
+              <a:rPr lang="it" dirty="0">
+                <a:latin typeface="OCRB" panose="020B0609020202020204" pitchFamily="49" charset="77"/>
+              </a:rPr>
+              <a:t>Rapidità nella risposta, no attese (simil «canale dedicato»)</a:t>
+            </a:r>
+          </a:p>
+          <a:p>
+            <a:pPr marL="742950" lvl="1" indent="-285750">
+              <a:buFont typeface="Arial" panose="020B0604020202020204" pitchFamily="34" charset="0"/>
+              <a:buChar char="•"/>
+            </a:pPr>
+            <a:r>
+              <a:rPr lang="it" sz="1400" dirty="0">
+                <a:latin typeface="OCRB" panose="020B0609020202020204" pitchFamily="49" charset="77"/>
+              </a:rPr>
+              <a:t>Centralini telefonici, FAQ o Help Chat siti web</a:t>
+            </a:r>
+          </a:p>
+          <a:p>
+            <a:pPr marL="285750" indent="-285750">
+              <a:buFont typeface="Arial" panose="020B0604020202020204" pitchFamily="34" charset="0"/>
+              <a:buChar char="•"/>
+            </a:pPr>
+            <a:r>
+              <a:rPr lang="it" dirty="0">
+                <a:latin typeface="OCRB" panose="020B0609020202020204" pitchFamily="49" charset="77"/>
+              </a:rPr>
+              <a:t>Monitoraggio sviluppo software</a:t>
+            </a:r>
+          </a:p>
+          <a:p>
+            <a:pPr marL="742950" lvl="1" indent="-285750">
+              <a:buFont typeface="Arial" panose="020B0604020202020204" pitchFamily="34" charset="0"/>
+              <a:buChar char="•"/>
+            </a:pPr>
+            <a:r>
+              <a:rPr lang="it" sz="1400" dirty="0">
+                <a:latin typeface="OCRB" panose="020B0609020202020204" pitchFamily="49" charset="77"/>
+              </a:rPr>
+              <a:t>Test falliti, errori di compilazione durante rilascio</a:t>
+            </a:r>
+            <a:endParaRPr lang="it" sz="1600" dirty="0">
+              <a:latin typeface="OCRB" panose="020B0609020202020204" pitchFamily="49" charset="77"/>
+            </a:endParaRPr>
+          </a:p>
+          <a:p>
+            <a:pPr marL="285750" indent="-285750">
+              <a:buFont typeface="Arial" panose="020B0604020202020204" pitchFamily="34" charset="0"/>
+              <a:buChar char="•"/>
+            </a:pPr>
+            <a:r>
+              <a:rPr lang="it" dirty="0">
+                <a:latin typeface="OCRB" panose="020B0609020202020204" pitchFamily="49" charset="77"/>
+              </a:rPr>
+              <a:t>Commercio</a:t>
+            </a:r>
+          </a:p>
+          <a:p>
+            <a:pPr marL="742950" lvl="1" indent="-285750">
+              <a:buFont typeface="Arial" panose="020B0604020202020204" pitchFamily="34" charset="0"/>
+              <a:buChar char="•"/>
+            </a:pPr>
+            <a:r>
+              <a:rPr lang="it" sz="1400" dirty="0">
+                <a:latin typeface="OCRB" panose="020B0609020202020204" pitchFamily="49" charset="77"/>
+              </a:rPr>
+              <a:t>«Ehi sito e-commerce, quante scarpe Adiprel taglia 45 nere sono disponibili?»</a:t>
+            </a:r>
+          </a:p>
+        </p:txBody>
+      </p:sp>
+      <p:sp>
+        <p:nvSpPr>
+          <p:cNvPr id="4" name="Oval 3">
+            <a:extLst>
+              <a:ext uri="{FF2B5EF4-FFF2-40B4-BE49-F238E27FC236}">
+                <a16:creationId xmlns:a16="http://schemas.microsoft.com/office/drawing/2014/main" id="{9B31B035-F062-6641-84C9-E3E7079F1719}"/>
+              </a:ext>
+            </a:extLst>
+          </p:cNvPr>
+          <p:cNvSpPr/>
+          <p:nvPr/>
+        </p:nvSpPr>
+        <p:spPr>
+          <a:xfrm>
+            <a:off x="8678338" y="1768225"/>
+            <a:ext cx="2160000" cy="2160000"/>
+          </a:xfrm>
+          <a:prstGeom prst="ellipse">
+            <a:avLst/>
+          </a:prstGeom>
+          <a:noFill/>
+          <a:ln w="127000">
+            <a:solidFill>
+              <a:schemeClr val="accent2"/>
+            </a:solidFill>
+          </a:ln>
+        </p:spPr>
+        <p:style>
+          <a:lnRef idx="2">
+            <a:schemeClr val="accent1">
+              <a:shade val="50000"/>
+            </a:schemeClr>
+          </a:lnRef>
+          <a:fillRef idx="1">
+            <a:schemeClr val="accent1"/>
+          </a:fillRef>
+          <a:effectRef idx="0">
+            <a:schemeClr val="accent1"/>
+          </a:effectRef>
+          <a:fontRef idx="minor">
+            <a:schemeClr val="lt1"/>
+          </a:fontRef>
+        </p:style>
+        <p:txBody>
+          <a:bodyPr rtlCol="0" anchor="ctr"/>
+          <a:lstStyle/>
+          <a:p>
+            <a:pPr algn="ctr"/>
+            <a:r>
+              <a:rPr lang="it-IT" sz="2800" b="1" dirty="0">
+                <a:solidFill>
+                  <a:schemeClr val="accent2"/>
+                </a:solidFill>
+                <a:latin typeface="OCRB" panose="020B0609020202020204" pitchFamily="49" charset="77"/>
+              </a:rPr>
+              <a:t>Perché</a:t>
+            </a:r>
+          </a:p>
+        </p:txBody>
+      </p:sp>
+    </p:spTree>
+    <p:extLst>
+      <p:ext uri="{BB962C8B-B14F-4D97-AF65-F5344CB8AC3E}">
+        <p14:creationId xmlns:p14="http://schemas.microsoft.com/office/powerpoint/2010/main" val="1199280348"/>
+      </p:ext>
+    </p:extLst>
+  </p:cSld>
+  <p:clrMapOvr>
+    <a:masterClrMapping/>
+  </p:clrMapOvr>
+  <p:timing>
+    <p:tnLst>
+      <p:par>
+        <p:cTn id="1" dur="indefinite" restart="never" nodeType="tmRoot">
+          <p:childTnLst>
+            <p:seq concurrent="1" nextAc="seek">
+              <p:cTn id="2" dur="indefinite" nodeType="mainSeq">
+                <p:childTnLst>
+                  <p:par>
+                    <p:cTn id="3" fill="hold">
+                      <p:stCondLst>
+                        <p:cond delay="indefinite"/>
+                      </p:stCondLst>
+                      <p:childTnLst>
+                        <p:par>
+                          <p:cTn id="4" fill="hold">
+                            <p:stCondLst>
+                              <p:cond delay="0"/>
+                            </p:stCondLst>
+                            <p:childTnLst>
+                              <p:par>
+                                <p:cTn id="5" presetID="1" presetClass="entr" presetSubtype="0" fill="hold" nodeType="clickEffect">
+                                  <p:stCondLst>
+                                    <p:cond delay="0"/>
+                                  </p:stCondLst>
+                                  <p:childTnLst>
+                                    <p:set>
+                                      <p:cBhvr>
+                                        <p:cTn id="6" dur="1" fill="hold">
+                                          <p:stCondLst>
+                                            <p:cond delay="0"/>
+                                          </p:stCondLst>
+                                        </p:cTn>
+                                        <p:tgtEl>
+                                          <p:spTgt spid="3">
+                                            <p:txEl>
+                                              <p:pRg st="0" end="0"/>
+                                            </p:txEl>
+                                          </p:spTgt>
+                                        </p:tgtEl>
+                                        <p:attrNameLst>
+                                          <p:attrName>style.visibility</p:attrName>
+                                        </p:attrNameLst>
+                                      </p:cBhvr>
+                                      <p:to>
+                                        <p:strVal val="visible"/>
+                                      </p:to>
+                                    </p:set>
+                                  </p:childTnLst>
+                                </p:cTn>
+                              </p:par>
+                              <p:par>
+                                <p:cTn id="7" presetID="1" presetClass="entr" presetSubtype="0" fill="hold" nodeType="withEffect">
+                                  <p:stCondLst>
+                                    <p:cond delay="0"/>
+                                  </p:stCondLst>
+                                  <p:childTnLst>
+                                    <p:set>
+                                      <p:cBhvr>
+                                        <p:cTn id="8" dur="1" fill="hold">
+                                          <p:stCondLst>
+                                            <p:cond delay="0"/>
+                                          </p:stCondLst>
+                                        </p:cTn>
+                                        <p:tgtEl>
+                                          <p:spTgt spid="3">
+                                            <p:txEl>
+                                              <p:pRg st="1" end="1"/>
+                                            </p:txEl>
+                                          </p:spTgt>
+                                        </p:tgtEl>
+                                        <p:attrNameLst>
+                                          <p:attrName>style.visibility</p:attrName>
+                                        </p:attrNameLst>
+                                      </p:cBhvr>
+                                      <p:to>
+                                        <p:strVal val="visible"/>
+                                      </p:to>
+                                    </p:set>
+                                  </p:childTnLst>
+                                </p:cTn>
+                              </p:par>
+                            </p:childTnLst>
+                          </p:cTn>
+                        </p:par>
+                      </p:childTnLst>
+                    </p:cTn>
+                  </p:par>
+                  <p:par>
+                    <p:cTn id="9" fill="hold">
+                      <p:stCondLst>
+                        <p:cond delay="indefinite"/>
+                      </p:stCondLst>
+                      <p:childTnLst>
+                        <p:par>
+                          <p:cTn id="10" fill="hold">
+                            <p:stCondLst>
+                              <p:cond delay="0"/>
+                            </p:stCondLst>
+                            <p:childTnLst>
+                              <p:par>
+                                <p:cTn id="11" presetID="1" presetClass="entr" presetSubtype="0" fill="hold" nodeType="clickEffect">
+                                  <p:stCondLst>
+                                    <p:cond delay="0"/>
+                                  </p:stCondLst>
+                                  <p:childTnLst>
+                                    <p:set>
+                                      <p:cBhvr>
+                                        <p:cTn id="12" dur="1" fill="hold">
+                                          <p:stCondLst>
+                                            <p:cond delay="0"/>
+                                          </p:stCondLst>
+                                        </p:cTn>
+                                        <p:tgtEl>
+                                          <p:spTgt spid="3">
+                                            <p:txEl>
+                                              <p:pRg st="2" end="2"/>
+                                            </p:txEl>
+                                          </p:spTgt>
+                                        </p:tgtEl>
+                                        <p:attrNameLst>
+                                          <p:attrName>style.visibility</p:attrName>
+                                        </p:attrNameLst>
+                                      </p:cBhvr>
+                                      <p:to>
+                                        <p:strVal val="visible"/>
+                                      </p:to>
+                                    </p:set>
+                                  </p:childTnLst>
+                                </p:cTn>
+                              </p:par>
+                              <p:par>
+                                <p:cTn id="13" presetID="1" presetClass="entr" presetSubtype="0" fill="hold" nodeType="withEffect">
+                                  <p:stCondLst>
+                                    <p:cond delay="0"/>
+                                  </p:stCondLst>
+                                  <p:childTnLst>
+                                    <p:set>
+                                      <p:cBhvr>
+                                        <p:cTn id="14" dur="1" fill="hold">
+                                          <p:stCondLst>
+                                            <p:cond delay="0"/>
+                                          </p:stCondLst>
+                                        </p:cTn>
+                                        <p:tgtEl>
+                                          <p:spTgt spid="3">
+                                            <p:txEl>
+                                              <p:pRg st="3" end="3"/>
+                                            </p:txEl>
+                                          </p:spTgt>
+                                        </p:tgtEl>
+                                        <p:attrNameLst>
+                                          <p:attrName>style.visibility</p:attrName>
+                                        </p:attrNameLst>
+                                      </p:cBhvr>
+                                      <p:to>
+                                        <p:strVal val="visible"/>
+                                      </p:to>
+                                    </p:set>
+                                  </p:childTnLst>
+                                </p:cTn>
+                              </p:par>
+                              <p:par>
+                                <p:cTn id="15" presetID="1" presetClass="entr" presetSubtype="0" fill="hold" nodeType="withEffect">
+                                  <p:stCondLst>
+                                    <p:cond delay="0"/>
+                                  </p:stCondLst>
+                                  <p:childTnLst>
+                                    <p:set>
+                                      <p:cBhvr>
+                                        <p:cTn id="16" dur="1" fill="hold">
+                                          <p:stCondLst>
+                                            <p:cond delay="0"/>
+                                          </p:stCondLst>
+                                        </p:cTn>
+                                        <p:tgtEl>
+                                          <p:spTgt spid="3">
+                                            <p:txEl>
+                                              <p:pRg st="4" end="4"/>
+                                            </p:txEl>
+                                          </p:spTgt>
+                                        </p:tgtEl>
+                                        <p:attrNameLst>
+                                          <p:attrName>style.visibility</p:attrName>
+                                        </p:attrNameLst>
+                                      </p:cBhvr>
+                                      <p:to>
+                                        <p:strVal val="visible"/>
+                                      </p:to>
+                                    </p:set>
+                                  </p:childTnLst>
+                                </p:cTn>
+                              </p:par>
+                            </p:childTnLst>
+                          </p:cTn>
+                        </p:par>
+                      </p:childTnLst>
+                    </p:cTn>
+                  </p:par>
+                  <p:par>
+                    <p:cTn id="17" fill="hold">
+                      <p:stCondLst>
+                        <p:cond delay="indefinite"/>
+                      </p:stCondLst>
+                      <p:childTnLst>
+                        <p:par>
+                          <p:cTn id="18" fill="hold">
+                            <p:stCondLst>
+                              <p:cond delay="0"/>
+                            </p:stCondLst>
+                            <p:childTnLst>
+                              <p:par>
+                                <p:cTn id="19" presetID="1" presetClass="entr" presetSubtype="0" fill="hold" nodeType="clickEffect">
+                                  <p:stCondLst>
+                                    <p:cond delay="0"/>
+                                  </p:stCondLst>
+                                  <p:childTnLst>
+                                    <p:set>
+                                      <p:cBhvr>
+                                        <p:cTn id="20" dur="1" fill="hold">
+                                          <p:stCondLst>
+                                            <p:cond delay="0"/>
+                                          </p:stCondLst>
+                                        </p:cTn>
+                                        <p:tgtEl>
+                                          <p:spTgt spid="3">
+                                            <p:txEl>
+                                              <p:pRg st="5" end="5"/>
+                                            </p:txEl>
+                                          </p:spTgt>
+                                        </p:tgtEl>
+                                        <p:attrNameLst>
+                                          <p:attrName>style.visibility</p:attrName>
+                                        </p:attrNameLst>
+                                      </p:cBhvr>
+                                      <p:to>
+                                        <p:strVal val="visible"/>
+                                      </p:to>
+                                    </p:set>
+                                  </p:childTnLst>
+                                </p:cTn>
+                              </p:par>
+                              <p:par>
+                                <p:cTn id="21" presetID="1" presetClass="entr" presetSubtype="0" fill="hold" nodeType="withEffect">
+                                  <p:stCondLst>
+                                    <p:cond delay="0"/>
+                                  </p:stCondLst>
+                                  <p:childTnLst>
+                                    <p:set>
+                                      <p:cBhvr>
+                                        <p:cTn id="22" dur="1" fill="hold">
+                                          <p:stCondLst>
+                                            <p:cond delay="0"/>
+                                          </p:stCondLst>
+                                        </p:cTn>
+                                        <p:tgtEl>
+                                          <p:spTgt spid="3">
+                                            <p:txEl>
+                                              <p:pRg st="6" end="6"/>
+                                            </p:txEl>
+                                          </p:spTgt>
+                                        </p:tgtEl>
+                                        <p:attrNameLst>
+                                          <p:attrName>style.visibility</p:attrName>
+                                        </p:attrNameLst>
+                                      </p:cBhvr>
+                                      <p:to>
+                                        <p:strVal val="visible"/>
+                                      </p:to>
+                                    </p:set>
+                                  </p:childTnLst>
+                                </p:cTn>
+                              </p:par>
+                            </p:childTnLst>
+                          </p:cTn>
+                        </p:par>
+                      </p:childTnLst>
+                    </p:cTn>
+                  </p:par>
+                  <p:par>
+                    <p:cTn id="23" fill="hold">
+                      <p:stCondLst>
+                        <p:cond delay="indefinite"/>
+                      </p:stCondLst>
+                      <p:childTnLst>
+                        <p:par>
+                          <p:cTn id="24" fill="hold">
+                            <p:stCondLst>
+                              <p:cond delay="0"/>
+                            </p:stCondLst>
+                            <p:childTnLst>
+                              <p:par>
+                                <p:cTn id="25" presetID="1" presetClass="entr" presetSubtype="0" fill="hold" nodeType="clickEffect">
+                                  <p:stCondLst>
+                                    <p:cond delay="0"/>
+                                  </p:stCondLst>
+                                  <p:childTnLst>
+                                    <p:set>
+                                      <p:cBhvr>
+                                        <p:cTn id="26" dur="1" fill="hold">
+                                          <p:stCondLst>
+                                            <p:cond delay="0"/>
+                                          </p:stCondLst>
+                                        </p:cTn>
+                                        <p:tgtEl>
+                                          <p:spTgt spid="3">
+                                            <p:txEl>
+                                              <p:pRg st="7" end="7"/>
+                                            </p:txEl>
+                                          </p:spTgt>
+                                        </p:tgtEl>
+                                        <p:attrNameLst>
+                                          <p:attrName>style.visibility</p:attrName>
+                                        </p:attrNameLst>
+                                      </p:cBhvr>
+                                      <p:to>
+                                        <p:strVal val="visible"/>
+                                      </p:to>
+                                    </p:set>
+                                  </p:childTnLst>
+                                </p:cTn>
+                              </p:par>
+                              <p:par>
+                                <p:cTn id="27" presetID="1" presetClass="entr" presetSubtype="0" fill="hold" nodeType="withEffect">
+                                  <p:stCondLst>
+                                    <p:cond delay="0"/>
+                                  </p:stCondLst>
+                                  <p:childTnLst>
+                                    <p:set>
+                                      <p:cBhvr>
+                                        <p:cTn id="28" dur="1" fill="hold">
+                                          <p:stCondLst>
+                                            <p:cond delay="0"/>
+                                          </p:stCondLst>
+                                        </p:cTn>
+                                        <p:tgtEl>
+                                          <p:spTgt spid="3">
+                                            <p:txEl>
+                                              <p:pRg st="8" end="8"/>
+                                            </p:txEl>
+                                          </p:spTgt>
+                                        </p:tgtEl>
+                                        <p:attrNameLst>
+                                          <p:attrName>style.visibility</p:attrName>
+                                        </p:attrNameLst>
+                                      </p:cBhvr>
+                                      <p:to>
+                                        <p:strVal val="visible"/>
+                                      </p:to>
+                                    </p:set>
+                                  </p:childTnLst>
+                                </p:cTn>
+                              </p:par>
+                            </p:childTnLst>
+                          </p:cTn>
+                        </p:par>
+                      </p:childTnLst>
+                    </p:cTn>
+                  </p:par>
+                  <p:par>
+                    <p:cTn id="29" fill="hold">
+                      <p:stCondLst>
+                        <p:cond delay="indefinite"/>
+                      </p:stCondLst>
+                      <p:childTnLst>
+                        <p:par>
+                          <p:cTn id="30" fill="hold">
+                            <p:stCondLst>
+                              <p:cond delay="0"/>
+                            </p:stCondLst>
+                            <p:childTnLst>
+                              <p:par>
+                                <p:cTn id="31" presetID="1" presetClass="entr" presetSubtype="0" fill="hold" nodeType="clickEffect">
+                                  <p:stCondLst>
+                                    <p:cond delay="0"/>
+                                  </p:stCondLst>
+                                  <p:childTnLst>
+                                    <p:set>
+                                      <p:cBhvr>
+                                        <p:cTn id="32" dur="1" fill="hold">
+                                          <p:stCondLst>
+                                            <p:cond delay="0"/>
+                                          </p:stCondLst>
+                                        </p:cTn>
+                                        <p:tgtEl>
+                                          <p:spTgt spid="3">
+                                            <p:txEl>
+                                              <p:pRg st="9" end="9"/>
+                                            </p:txEl>
+                                          </p:spTgt>
+                                        </p:tgtEl>
+                                        <p:attrNameLst>
+                                          <p:attrName>style.visibility</p:attrName>
+                                        </p:attrNameLst>
+                                      </p:cBhvr>
+                                      <p:to>
+                                        <p:strVal val="visible"/>
+                                      </p:to>
+                                    </p:set>
+                                  </p:childTnLst>
+                                </p:cTn>
+                              </p:par>
+                              <p:par>
+                                <p:cTn id="33" presetID="1" presetClass="entr" presetSubtype="0" fill="hold" nodeType="withEffect">
+                                  <p:stCondLst>
+                                    <p:cond delay="0"/>
+                                  </p:stCondLst>
+                                  <p:childTnLst>
+                                    <p:set>
+                                      <p:cBhvr>
+                                        <p:cTn id="34" dur="1" fill="hold">
+                                          <p:stCondLst>
+                                            <p:cond delay="0"/>
+                                          </p:stCondLst>
+                                        </p:cTn>
+                                        <p:tgtEl>
+                                          <p:spTgt spid="3">
+                                            <p:txEl>
+                                              <p:pRg st="10" end="10"/>
+                                            </p:txEl>
+                                          </p:spTgt>
+                                        </p:tgtEl>
+                                        <p:attrNameLst>
+                                          <p:attrName>style.visibility</p:attrName>
+                                        </p:attrNameLst>
+                                      </p:cBhvr>
+                                      <p:to>
+                                        <p:strVal val="visible"/>
+                                      </p:to>
+                                    </p:set>
+                                  </p:childTnLst>
+                                </p:cTn>
+                              </p:par>
+                            </p:childTnLst>
+                          </p:cTn>
+                        </p:par>
+                      </p:childTnLst>
+                    </p:cTn>
+                  </p:par>
+                </p:childTnLst>
+              </p:cTn>
+              <p:prevCondLst>
+                <p:cond evt="onPrev" delay="0">
+                  <p:tgtEl>
+                    <p:sldTgt/>
+                  </p:tgtEl>
+                </p:cond>
+              </p:prevCondLst>
+              <p:nextCondLst>
+                <p:cond evt="onNext" delay="0">
+                  <p:tgtEl>
+                    <p:sldTgt/>
+                  </p:tgtEl>
+                </p:cond>
+              </p:nextCondLst>
+            </p:seq>
+          </p:childTnLst>
+        </p:cTn>
+      </p:par>
+    </p:tnLst>
+  </p:timing>
+</p:sld>
+</file>
+
+<file path=ppt/slides/slide12.xml><?xml version="1.0" encoding="utf-8"?>
+<p:sld xmlns:a="http://schemas.openxmlformats.org/drawingml/2006/main" xmlns:r="http://schemas.openxmlformats.org/officeDocument/2006/relationships" xmlns:p="http://schemas.openxmlformats.org/presentationml/2006/main">
+  <p:cSld>
+    <p:spTree>
+      <p:nvGrpSpPr>
+        <p:cNvPr id="1" name=""/>
+        <p:cNvGrpSpPr/>
+        <p:nvPr/>
+      </p:nvGrpSpPr>
+      <p:grpSpPr>
+        <a:xfrm>
+          <a:off x="0" y="0"/>
+          <a:ext cx="0" cy="0"/>
+          <a:chOff x="0" y="0"/>
+          <a:chExt cx="0" cy="0"/>
+        </a:xfrm>
+      </p:grpSpPr>
       <p:pic>
         <p:nvPicPr>
           <p:cNvPr id="15" name="Picture 14">
@@ -4077,7 +5533,7 @@
 </p:sld>
 </file>
 
-<file path=ppt/slides/slide11.xml><?xml version="1.0" encoding="utf-8"?>
+<file path=ppt/slides/slide13.xml><?xml version="1.0" encoding="utf-8"?>
 <p:sld xmlns:a="http://schemas.openxmlformats.org/drawingml/2006/main" xmlns:r="http://schemas.openxmlformats.org/officeDocument/2006/relationships" xmlns:p="http://schemas.openxmlformats.org/presentationml/2006/main">
   <p:cSld>
     <p:bg>
@@ -4312,7 +5768,247 @@
 </p:sld>
 </file>
 
-<file path=ppt/slides/slide12.xml><?xml version="1.0" encoding="utf-8"?>
+<file path=ppt/slides/slide14.xml><?xml version="1.0" encoding="utf-8"?>
+<p:sld xmlns:a="http://schemas.openxmlformats.org/drawingml/2006/main" xmlns:r="http://schemas.openxmlformats.org/officeDocument/2006/relationships" xmlns:p="http://schemas.openxmlformats.org/presentationml/2006/main">
+  <p:cSld>
+    <p:spTree>
+      <p:nvGrpSpPr>
+        <p:cNvPr id="1" name=""/>
+        <p:cNvGrpSpPr/>
+        <p:nvPr/>
+      </p:nvGrpSpPr>
+      <p:grpSpPr>
+        <a:xfrm>
+          <a:off x="0" y="0"/>
+          <a:ext cx="0" cy="0"/>
+          <a:chOff x="0" y="0"/>
+          <a:chExt cx="0" cy="0"/>
+        </a:xfrm>
+      </p:grpSpPr>
+      <p:pic>
+        <p:nvPicPr>
+          <p:cNvPr id="2" name="Picture 1">
+            <a:extLst>
+              <a:ext uri="{FF2B5EF4-FFF2-40B4-BE49-F238E27FC236}">
+                <a16:creationId xmlns:a16="http://schemas.microsoft.com/office/drawing/2014/main" id="{8A04AFCE-19EB-7141-B9FC-5D5F16F81AFD}"/>
+              </a:ext>
+            </a:extLst>
+          </p:cNvPr>
+          <p:cNvPicPr>
+            <a:picLocks noChangeAspect="1"/>
+          </p:cNvPicPr>
+          <p:nvPr/>
+        </p:nvPicPr>
+        <p:blipFill>
+          <a:blip r:embed="rId2"/>
+          <a:stretch>
+            <a:fillRect/>
+          </a:stretch>
+        </p:blipFill>
+        <p:spPr>
+          <a:xfrm>
+            <a:off x="0" y="-3299"/>
+            <a:ext cx="12192000" cy="6861299"/>
+          </a:xfrm>
+          <a:prstGeom prst="rect">
+            <a:avLst/>
+          </a:prstGeom>
+        </p:spPr>
+      </p:pic>
+      <p:sp>
+        <p:nvSpPr>
+          <p:cNvPr id="3" name="TextBox 2">
+            <a:extLst>
+              <a:ext uri="{FF2B5EF4-FFF2-40B4-BE49-F238E27FC236}">
+                <a16:creationId xmlns:a16="http://schemas.microsoft.com/office/drawing/2014/main" id="{D025ADA7-5F43-5D47-AC23-4083DEC06DA5}"/>
+              </a:ext>
+            </a:extLst>
+          </p:cNvPr>
+          <p:cNvSpPr txBox="1"/>
+          <p:nvPr/>
+        </p:nvSpPr>
+        <p:spPr>
+          <a:xfrm>
+            <a:off x="6632812" y="3104184"/>
+            <a:ext cx="2224585" cy="677108"/>
+          </a:xfrm>
+          <a:prstGeom prst="rect">
+            <a:avLst/>
+          </a:prstGeom>
+          <a:solidFill>
+            <a:schemeClr val="bg1"/>
+          </a:solidFill>
+          <a:ln w="57150"/>
+        </p:spPr>
+        <p:style>
+          <a:lnRef idx="2">
+            <a:schemeClr val="dk1"/>
+          </a:lnRef>
+          <a:fillRef idx="1">
+            <a:schemeClr val="lt1"/>
+          </a:fillRef>
+          <a:effectRef idx="0">
+            <a:schemeClr val="dk1"/>
+          </a:effectRef>
+          <a:fontRef idx="minor">
+            <a:schemeClr val="dk1"/>
+          </a:fontRef>
+        </p:style>
+        <p:txBody>
+          <a:bodyPr wrap="square" rtlCol="0">
+            <a:spAutoFit/>
+          </a:bodyPr>
+          <a:lstStyle/>
+          <a:p>
+            <a:pPr algn="ctr"/>
+            <a:r>
+              <a:rPr lang="en-US" sz="3800" dirty="0">
+                <a:solidFill>
+                  <a:schemeClr val="tx1"/>
+                </a:solidFill>
+                <a:latin typeface="OCRB" panose="020B0609020202020204" pitchFamily="49" charset="77"/>
+                <a:ea typeface="+mj-ea"/>
+                <a:cs typeface="+mj-cs"/>
+              </a:rPr>
+              <a:t>Me</a:t>
+            </a:r>
+          </a:p>
+        </p:txBody>
+      </p:sp>
+      <p:sp>
+        <p:nvSpPr>
+          <p:cNvPr id="4" name="TextBox 3">
+            <a:extLst>
+              <a:ext uri="{FF2B5EF4-FFF2-40B4-BE49-F238E27FC236}">
+                <a16:creationId xmlns:a16="http://schemas.microsoft.com/office/drawing/2014/main" id="{02F64A55-9213-1E49-A0E4-59C0EBD3DAB0}"/>
+              </a:ext>
+            </a:extLst>
+          </p:cNvPr>
+          <p:cNvSpPr txBox="1"/>
+          <p:nvPr/>
+        </p:nvSpPr>
+        <p:spPr>
+          <a:xfrm>
+            <a:off x="9282752" y="4198280"/>
+            <a:ext cx="2224585" cy="677108"/>
+          </a:xfrm>
+          <a:prstGeom prst="rect">
+            <a:avLst/>
+          </a:prstGeom>
+          <a:solidFill>
+            <a:schemeClr val="bg1"/>
+          </a:solidFill>
+          <a:ln w="57150"/>
+        </p:spPr>
+        <p:style>
+          <a:lnRef idx="2">
+            <a:schemeClr val="dk1"/>
+          </a:lnRef>
+          <a:fillRef idx="1">
+            <a:schemeClr val="lt1"/>
+          </a:fillRef>
+          <a:effectRef idx="0">
+            <a:schemeClr val="dk1"/>
+          </a:effectRef>
+          <a:fontRef idx="minor">
+            <a:schemeClr val="dk1"/>
+          </a:fontRef>
+        </p:style>
+        <p:txBody>
+          <a:bodyPr wrap="square" rtlCol="0">
+            <a:spAutoFit/>
+          </a:bodyPr>
+          <a:lstStyle/>
+          <a:p>
+            <a:pPr algn="ctr"/>
+            <a:r>
+              <a:rPr lang="en-US" sz="3800" dirty="0">
+                <a:solidFill>
+                  <a:schemeClr val="tx1"/>
+                </a:solidFill>
+                <a:latin typeface="OCRB" panose="020B0609020202020204" pitchFamily="49" charset="77"/>
+                <a:ea typeface="+mj-ea"/>
+                <a:cs typeface="+mj-cs"/>
+              </a:rPr>
+              <a:t>Theory</a:t>
+            </a:r>
+          </a:p>
+        </p:txBody>
+      </p:sp>
+      <p:sp>
+        <p:nvSpPr>
+          <p:cNvPr id="5" name="TextBox 4">
+            <a:extLst>
+              <a:ext uri="{FF2B5EF4-FFF2-40B4-BE49-F238E27FC236}">
+                <a16:creationId xmlns:a16="http://schemas.microsoft.com/office/drawing/2014/main" id="{89233158-774F-BC47-90EC-D37ECBAEACB5}"/>
+              </a:ext>
+            </a:extLst>
+          </p:cNvPr>
+          <p:cNvSpPr txBox="1"/>
+          <p:nvPr/>
+        </p:nvSpPr>
+        <p:spPr>
+          <a:xfrm>
+            <a:off x="2416791" y="4198279"/>
+            <a:ext cx="2224585" cy="677108"/>
+          </a:xfrm>
+          <a:prstGeom prst="rect">
+            <a:avLst/>
+          </a:prstGeom>
+          <a:solidFill>
+            <a:schemeClr val="bg1"/>
+          </a:solidFill>
+          <a:ln w="57150"/>
+        </p:spPr>
+        <p:style>
+          <a:lnRef idx="2">
+            <a:schemeClr val="dk1"/>
+          </a:lnRef>
+          <a:fillRef idx="1">
+            <a:schemeClr val="lt1"/>
+          </a:fillRef>
+          <a:effectRef idx="0">
+            <a:schemeClr val="dk1"/>
+          </a:effectRef>
+          <a:fontRef idx="minor">
+            <a:schemeClr val="dk1"/>
+          </a:fontRef>
+        </p:style>
+        <p:txBody>
+          <a:bodyPr wrap="square" rtlCol="0">
+            <a:spAutoFit/>
+          </a:bodyPr>
+          <a:lstStyle/>
+          <a:p>
+            <a:pPr algn="ctr"/>
+            <a:r>
+              <a:rPr lang="en-US" sz="3800" dirty="0">
+                <a:solidFill>
+                  <a:schemeClr val="tx1"/>
+                </a:solidFill>
+                <a:latin typeface="OCRB" panose="020B0609020202020204" pitchFamily="49" charset="77"/>
+                <a:ea typeface="+mj-ea"/>
+                <a:cs typeface="+mj-cs"/>
+              </a:rPr>
+              <a:t>Code</a:t>
+            </a:r>
+          </a:p>
+        </p:txBody>
+      </p:sp>
+    </p:spTree>
+    <p:extLst>
+      <p:ext uri="{BB962C8B-B14F-4D97-AF65-F5344CB8AC3E}">
+        <p14:creationId xmlns:p14="http://schemas.microsoft.com/office/powerpoint/2010/main" val="2267509117"/>
+      </p:ext>
+    </p:extLst>
+  </p:cSld>
+  <p:clrMapOvr>
+    <a:masterClrMapping/>
+  </p:clrMapOvr>
+</p:sld>
+</file>
+
+<file path=ppt/slides/slide15.xml><?xml version="1.0" encoding="utf-8"?>
 <p:sld xmlns:a="http://schemas.openxmlformats.org/drawingml/2006/main" xmlns:r="http://schemas.openxmlformats.org/officeDocument/2006/relationships" xmlns:p="http://schemas.openxmlformats.org/presentationml/2006/main">
   <p:cSld>
     <p:bg>
@@ -4649,7 +6345,7 @@
 </p:sld>
 </file>
 
-<file path=ppt/slides/slide13.xml><?xml version="1.0" encoding="utf-8"?>
+<file path=ppt/slides/slide16.xml><?xml version="1.0" encoding="utf-8"?>
 <p:sld xmlns:a="http://schemas.openxmlformats.org/drawingml/2006/main" xmlns:r="http://schemas.openxmlformats.org/officeDocument/2006/relationships" xmlns:p="http://schemas.openxmlformats.org/presentationml/2006/main">
   <p:cSld>
     <p:bg>
@@ -5522,7 +7218,7 @@
 </p:sld>
 </file>
 
-<file path=ppt/slides/slide14.xml><?xml version="1.0" encoding="utf-8"?>
+<file path=ppt/slides/slide17.xml><?xml version="1.0" encoding="utf-8"?>
 <p:sld xmlns:a="http://schemas.openxmlformats.org/drawingml/2006/main" xmlns:r="http://schemas.openxmlformats.org/officeDocument/2006/relationships" xmlns:p="http://schemas.openxmlformats.org/presentationml/2006/main">
   <p:cSld>
     <p:spTree>
@@ -8118,71 +9814,6 @@
       </p:sp>
       <p:sp>
         <p:nvSpPr>
-          <p:cNvPr id="3" name="TextBox 2">
-            <a:extLst>
-              <a:ext uri="{FF2B5EF4-FFF2-40B4-BE49-F238E27FC236}">
-                <a16:creationId xmlns:a16="http://schemas.microsoft.com/office/drawing/2014/main" id="{6BCDD395-D2B5-154D-BF0C-ED9944C1D9B6}"/>
-              </a:ext>
-            </a:extLst>
-          </p:cNvPr>
-          <p:cNvSpPr txBox="1"/>
-          <p:nvPr/>
-        </p:nvSpPr>
-        <p:spPr>
-          <a:xfrm>
-            <a:off x="1338876" y="4482652"/>
-            <a:ext cx="9440562" cy="369332"/>
-          </a:xfrm>
-          <a:prstGeom prst="rect">
-            <a:avLst/>
-          </a:prstGeom>
-          <a:noFill/>
-        </p:spPr>
-        <p:txBody>
-          <a:bodyPr wrap="square" rtlCol="0">
-            <a:spAutoFit/>
-          </a:bodyPr>
-          <a:lstStyle/>
-          <a:p>
-            <a:pPr marL="285750" indent="-285750">
-              <a:buFont typeface="Arial" panose="020B0604020202020204" pitchFamily="34" charset="0"/>
-              <a:buChar char="•"/>
-            </a:pPr>
-            <a:r>
-              <a:rPr lang="en-US" dirty="0">
-                <a:latin typeface="OCRB" panose="020B0609020202020204" pitchFamily="49" charset="77"/>
-              </a:rPr>
-              <a:t>”Ciao, </a:t>
-            </a:r>
-            <a:r>
-              <a:rPr lang="en-US" dirty="0" err="1">
-                <a:latin typeface="OCRB" panose="020B0609020202020204" pitchFamily="49" charset="77"/>
-              </a:rPr>
-              <a:t>io</a:t>
-            </a:r>
-            <a:r>
-              <a:rPr lang="en-US" dirty="0">
-                <a:latin typeface="OCRB" panose="020B0609020202020204" pitchFamily="49" charset="77"/>
-              </a:rPr>
-              <a:t> </a:t>
-            </a:r>
-            <a:r>
-              <a:rPr lang="en-US" dirty="0" err="1">
-                <a:latin typeface="OCRB" panose="020B0609020202020204" pitchFamily="49" charset="77"/>
-              </a:rPr>
-              <a:t>sono</a:t>
-            </a:r>
-            <a:r>
-              <a:rPr lang="en-US" dirty="0">
-                <a:latin typeface="OCRB" panose="020B0609020202020204" pitchFamily="49" charset="77"/>
-              </a:rPr>
-              <a:t> Gabriele.”</a:t>
-            </a:r>
-          </a:p>
-        </p:txBody>
-      </p:sp>
-      <p:sp>
-        <p:nvSpPr>
           <p:cNvPr id="7" name="Oval 6">
             <a:extLst>
               <a:ext uri="{FF2B5EF4-FFF2-40B4-BE49-F238E27FC236}">
@@ -8241,6 +9872,484 @@
           </a:p>
         </p:txBody>
       </p:sp>
+    </p:spTree>
+    <p:extLst>
+      <p:ext uri="{BB962C8B-B14F-4D97-AF65-F5344CB8AC3E}">
+        <p14:creationId xmlns:p14="http://schemas.microsoft.com/office/powerpoint/2010/main" val="3117163330"/>
+      </p:ext>
+    </p:extLst>
+  </p:cSld>
+  <p:clrMapOvr>
+    <a:masterClrMapping/>
+  </p:clrMapOvr>
+</p:sld>
+</file>
+
+<file path=ppt/slides/slide7.xml><?xml version="1.0" encoding="utf-8"?>
+<p:sld xmlns:a="http://schemas.openxmlformats.org/drawingml/2006/main" xmlns:r="http://schemas.openxmlformats.org/officeDocument/2006/relationships" xmlns:p="http://schemas.openxmlformats.org/presentationml/2006/main">
+  <p:cSld>
+    <p:spTree>
+      <p:nvGrpSpPr>
+        <p:cNvPr id="1" name=""/>
+        <p:cNvGrpSpPr/>
+        <p:nvPr/>
+      </p:nvGrpSpPr>
+      <p:grpSpPr>
+        <a:xfrm>
+          <a:off x="0" y="0"/>
+          <a:ext cx="0" cy="0"/>
+          <a:chOff x="0" y="0"/>
+          <a:chExt cx="0" cy="0"/>
+        </a:xfrm>
+      </p:grpSpPr>
+      <p:pic>
+        <p:nvPicPr>
+          <p:cNvPr id="2" name="Picture 1">
+            <a:extLst>
+              <a:ext uri="{FF2B5EF4-FFF2-40B4-BE49-F238E27FC236}">
+                <a16:creationId xmlns:a16="http://schemas.microsoft.com/office/drawing/2014/main" id="{3355D27A-2142-AE4E-B2D7-B94CE73D75C6}"/>
+              </a:ext>
+            </a:extLst>
+          </p:cNvPr>
+          <p:cNvPicPr>
+            <a:picLocks noChangeAspect="1"/>
+          </p:cNvPicPr>
+          <p:nvPr/>
+        </p:nvPicPr>
+        <p:blipFill>
+          <a:blip r:embed="rId2"/>
+          <a:stretch>
+            <a:fillRect/>
+          </a:stretch>
+        </p:blipFill>
+        <p:spPr>
+          <a:xfrm>
+            <a:off x="3255999" y="817028"/>
+            <a:ext cx="5680001" cy="5223943"/>
+          </a:xfrm>
+          <a:prstGeom prst="rect">
+            <a:avLst/>
+          </a:prstGeom>
+        </p:spPr>
+      </p:pic>
+    </p:spTree>
+    <p:extLst>
+      <p:ext uri="{BB962C8B-B14F-4D97-AF65-F5344CB8AC3E}">
+        <p14:creationId xmlns:p14="http://schemas.microsoft.com/office/powerpoint/2010/main" val="847529761"/>
+      </p:ext>
+    </p:extLst>
+  </p:cSld>
+  <p:clrMapOvr>
+    <a:masterClrMapping/>
+  </p:clrMapOvr>
+</p:sld>
+</file>
+
+<file path=ppt/slides/slide8.xml><?xml version="1.0" encoding="utf-8"?>
+<p:sld xmlns:a="http://schemas.openxmlformats.org/drawingml/2006/main" xmlns:r="http://schemas.openxmlformats.org/officeDocument/2006/relationships" xmlns:p="http://schemas.openxmlformats.org/presentationml/2006/main">
+  <p:cSld>
+    <p:spTree>
+      <p:nvGrpSpPr>
+        <p:cNvPr id="1" name=""/>
+        <p:cNvGrpSpPr/>
+        <p:nvPr/>
+      </p:nvGrpSpPr>
+      <p:grpSpPr>
+        <a:xfrm>
+          <a:off x="0" y="0"/>
+          <a:ext cx="0" cy="0"/>
+          <a:chOff x="0" y="0"/>
+          <a:chExt cx="0" cy="0"/>
+        </a:xfrm>
+      </p:grpSpPr>
+      <p:sp>
+        <p:nvSpPr>
+          <p:cNvPr id="2" name="Title 1">
+            <a:extLst>
+              <a:ext uri="{FF2B5EF4-FFF2-40B4-BE49-F238E27FC236}">
+                <a16:creationId xmlns:a16="http://schemas.microsoft.com/office/drawing/2014/main" id="{F6DAF212-D071-8541-869A-C629F2378F60}"/>
+              </a:ext>
+            </a:extLst>
+          </p:cNvPr>
+          <p:cNvSpPr>
+            <a:spLocks noGrp="1"/>
+          </p:cNvSpPr>
+          <p:nvPr>
+            <p:ph type="title"/>
+          </p:nvPr>
+        </p:nvSpPr>
+        <p:spPr/>
+        <p:txBody>
+          <a:bodyPr/>
+          <a:lstStyle/>
+          <a:p>
+            <a:r>
+              <a:rPr lang="it-IT" dirty="0" err="1">
+                <a:latin typeface="OCRB" panose="020B0609020202020204" pitchFamily="49" charset="77"/>
+              </a:rPr>
+              <a:t>Chatbot</a:t>
+            </a:r>
+            <a:endParaRPr lang="it-IT" dirty="0">
+              <a:latin typeface="OCRB" panose="020B0609020202020204" pitchFamily="49" charset="77"/>
+            </a:endParaRPr>
+          </a:p>
+        </p:txBody>
+      </p:sp>
+      <p:sp>
+        <p:nvSpPr>
+          <p:cNvPr id="4" name="Oval 3">
+            <a:extLst>
+              <a:ext uri="{FF2B5EF4-FFF2-40B4-BE49-F238E27FC236}">
+                <a16:creationId xmlns:a16="http://schemas.microsoft.com/office/drawing/2014/main" id="{9B31B035-F062-6641-84C9-E3E7079F1719}"/>
+              </a:ext>
+            </a:extLst>
+          </p:cNvPr>
+          <p:cNvSpPr/>
+          <p:nvPr/>
+        </p:nvSpPr>
+        <p:spPr>
+          <a:xfrm>
+            <a:off x="8678338" y="1768225"/>
+            <a:ext cx="2160000" cy="2160000"/>
+          </a:xfrm>
+          <a:prstGeom prst="ellipse">
+            <a:avLst/>
+          </a:prstGeom>
+          <a:noFill/>
+          <a:ln w="63500"/>
+        </p:spPr>
+        <p:style>
+          <a:lnRef idx="2">
+            <a:schemeClr val="accent1">
+              <a:shade val="50000"/>
+            </a:schemeClr>
+          </a:lnRef>
+          <a:fillRef idx="1">
+            <a:schemeClr val="accent1"/>
+          </a:fillRef>
+          <a:effectRef idx="0">
+            <a:schemeClr val="accent1"/>
+          </a:effectRef>
+          <a:fontRef idx="minor">
+            <a:schemeClr val="lt1"/>
+          </a:fontRef>
+        </p:style>
+        <p:txBody>
+          <a:bodyPr rtlCol="0" anchor="ctr"/>
+          <a:lstStyle/>
+          <a:p>
+            <a:pPr algn="ctr"/>
+            <a:r>
+              <a:rPr lang="it-IT" sz="2800" b="1" dirty="0">
+                <a:solidFill>
+                  <a:schemeClr val="accent1"/>
+                </a:solidFill>
+                <a:latin typeface="OCRB" panose="020B0609020202020204" pitchFamily="49" charset="77"/>
+              </a:rPr>
+              <a:t>Perché</a:t>
+            </a:r>
+          </a:p>
+        </p:txBody>
+      </p:sp>
+      <p:sp>
+        <p:nvSpPr>
+          <p:cNvPr id="5" name="Oval 4">
+            <a:extLst>
+              <a:ext uri="{FF2B5EF4-FFF2-40B4-BE49-F238E27FC236}">
+                <a16:creationId xmlns:a16="http://schemas.microsoft.com/office/drawing/2014/main" id="{174882ED-E59F-BE44-83A2-13049D6E43DD}"/>
+              </a:ext>
+            </a:extLst>
+          </p:cNvPr>
+          <p:cNvSpPr/>
+          <p:nvPr/>
+        </p:nvSpPr>
+        <p:spPr>
+          <a:xfrm>
+            <a:off x="6828943" y="1768225"/>
+            <a:ext cx="2160000" cy="2160000"/>
+          </a:xfrm>
+          <a:prstGeom prst="ellipse">
+            <a:avLst/>
+          </a:prstGeom>
+          <a:noFill/>
+          <a:ln w="63500"/>
+        </p:spPr>
+        <p:style>
+          <a:lnRef idx="2">
+            <a:schemeClr val="accent1">
+              <a:shade val="50000"/>
+            </a:schemeClr>
+          </a:lnRef>
+          <a:fillRef idx="1">
+            <a:schemeClr val="accent1"/>
+          </a:fillRef>
+          <a:effectRef idx="0">
+            <a:schemeClr val="accent1"/>
+          </a:effectRef>
+          <a:fontRef idx="minor">
+            <a:schemeClr val="lt1"/>
+          </a:fontRef>
+        </p:style>
+        <p:txBody>
+          <a:bodyPr rtlCol="0" anchor="ctr"/>
+          <a:lstStyle/>
+          <a:p>
+            <a:pPr algn="ctr"/>
+            <a:r>
+              <a:rPr lang="it-IT" sz="2800" b="1" dirty="0">
+                <a:solidFill>
+                  <a:schemeClr val="accent1"/>
+                </a:solidFill>
+                <a:latin typeface="OCRB" panose="020B0609020202020204" pitchFamily="49" charset="77"/>
+              </a:rPr>
+              <a:t>Quando</a:t>
+            </a:r>
+          </a:p>
+        </p:txBody>
+      </p:sp>
+      <p:sp>
+        <p:nvSpPr>
+          <p:cNvPr id="6" name="Oval 5">
+            <a:extLst>
+              <a:ext uri="{FF2B5EF4-FFF2-40B4-BE49-F238E27FC236}">
+                <a16:creationId xmlns:a16="http://schemas.microsoft.com/office/drawing/2014/main" id="{70F583B3-7652-C249-A8DF-E8B2B65E4390}"/>
+              </a:ext>
+            </a:extLst>
+          </p:cNvPr>
+          <p:cNvSpPr/>
+          <p:nvPr/>
+        </p:nvSpPr>
+        <p:spPr>
+          <a:xfrm>
+            <a:off x="5008607" y="1768225"/>
+            <a:ext cx="2160000" cy="2160000"/>
+          </a:xfrm>
+          <a:prstGeom prst="ellipse">
+            <a:avLst/>
+          </a:prstGeom>
+          <a:noFill/>
+          <a:ln w="63500"/>
+        </p:spPr>
+        <p:style>
+          <a:lnRef idx="2">
+            <a:schemeClr val="accent1">
+              <a:shade val="50000"/>
+            </a:schemeClr>
+          </a:lnRef>
+          <a:fillRef idx="1">
+            <a:schemeClr val="accent1"/>
+          </a:fillRef>
+          <a:effectRef idx="0">
+            <a:schemeClr val="accent1"/>
+          </a:effectRef>
+          <a:fontRef idx="minor">
+            <a:schemeClr val="lt1"/>
+          </a:fontRef>
+        </p:style>
+        <p:txBody>
+          <a:bodyPr rtlCol="0" anchor="ctr"/>
+          <a:lstStyle/>
+          <a:p>
+            <a:pPr algn="ctr"/>
+            <a:r>
+              <a:rPr lang="it-IT" sz="2800" b="1" dirty="0">
+                <a:solidFill>
+                  <a:schemeClr val="accent1"/>
+                </a:solidFill>
+                <a:latin typeface="OCRB" panose="020B0609020202020204" pitchFamily="49" charset="77"/>
+              </a:rPr>
+              <a:t>Dove</a:t>
+            </a:r>
+          </a:p>
+        </p:txBody>
+      </p:sp>
+      <p:sp>
+        <p:nvSpPr>
+          <p:cNvPr id="8" name="Oval 7">
+            <a:extLst>
+              <a:ext uri="{FF2B5EF4-FFF2-40B4-BE49-F238E27FC236}">
+                <a16:creationId xmlns:a16="http://schemas.microsoft.com/office/drawing/2014/main" id="{340DA1D7-3094-7449-BC4F-8140BCFD5F7B}"/>
+              </a:ext>
+            </a:extLst>
+          </p:cNvPr>
+          <p:cNvSpPr/>
+          <p:nvPr/>
+        </p:nvSpPr>
+        <p:spPr>
+          <a:xfrm>
+            <a:off x="1338876" y="1768225"/>
+            <a:ext cx="2160000" cy="2160000"/>
+          </a:xfrm>
+          <a:prstGeom prst="ellipse">
+            <a:avLst/>
+          </a:prstGeom>
+          <a:noFill/>
+          <a:ln w="63500">
+            <a:solidFill>
+              <a:schemeClr val="accent1">
+                <a:lumMod val="75000"/>
+              </a:schemeClr>
+            </a:solidFill>
+          </a:ln>
+        </p:spPr>
+        <p:style>
+          <a:lnRef idx="2">
+            <a:schemeClr val="accent1">
+              <a:shade val="50000"/>
+            </a:schemeClr>
+          </a:lnRef>
+          <a:fillRef idx="1">
+            <a:schemeClr val="accent1"/>
+          </a:fillRef>
+          <a:effectRef idx="0">
+            <a:schemeClr val="accent1"/>
+          </a:effectRef>
+          <a:fontRef idx="minor">
+            <a:schemeClr val="lt1"/>
+          </a:fontRef>
+        </p:style>
+        <p:txBody>
+          <a:bodyPr rtlCol="0" anchor="ctr"/>
+          <a:lstStyle/>
+          <a:p>
+            <a:pPr algn="ctr"/>
+            <a:r>
+              <a:rPr lang="it-IT" sz="2800" b="1" dirty="0">
+                <a:solidFill>
+                  <a:schemeClr val="accent1"/>
+                </a:solidFill>
+                <a:latin typeface="OCRB" panose="020B0609020202020204" pitchFamily="49" charset="77"/>
+              </a:rPr>
+              <a:t>Chi</a:t>
+            </a:r>
+          </a:p>
+        </p:txBody>
+      </p:sp>
+      <p:sp>
+        <p:nvSpPr>
+          <p:cNvPr id="3" name="TextBox 2">
+            <a:extLst>
+              <a:ext uri="{FF2B5EF4-FFF2-40B4-BE49-F238E27FC236}">
+                <a16:creationId xmlns:a16="http://schemas.microsoft.com/office/drawing/2014/main" id="{6BCDD395-D2B5-154D-BF0C-ED9944C1D9B6}"/>
+              </a:ext>
+            </a:extLst>
+          </p:cNvPr>
+          <p:cNvSpPr txBox="1"/>
+          <p:nvPr/>
+        </p:nvSpPr>
+        <p:spPr>
+          <a:xfrm>
+            <a:off x="1338876" y="4482652"/>
+            <a:ext cx="9440562" cy="369332"/>
+          </a:xfrm>
+          <a:prstGeom prst="rect">
+            <a:avLst/>
+          </a:prstGeom>
+          <a:noFill/>
+        </p:spPr>
+        <p:txBody>
+          <a:bodyPr wrap="square" rtlCol="0">
+            <a:spAutoFit/>
+          </a:bodyPr>
+          <a:lstStyle/>
+          <a:p>
+            <a:pPr marL="285750" indent="-285750">
+              <a:buFont typeface="Arial" panose="020B0604020202020204" pitchFamily="34" charset="0"/>
+              <a:buChar char="•"/>
+            </a:pPr>
+            <a:r>
+              <a:rPr lang="en-US" dirty="0">
+                <a:latin typeface="OCRB" panose="020B0609020202020204" pitchFamily="49" charset="77"/>
+              </a:rPr>
+              <a:t>”Ciao, </a:t>
+            </a:r>
+            <a:r>
+              <a:rPr lang="en-US" dirty="0" err="1">
+                <a:latin typeface="OCRB" panose="020B0609020202020204" pitchFamily="49" charset="77"/>
+              </a:rPr>
+              <a:t>io</a:t>
+            </a:r>
+            <a:r>
+              <a:rPr lang="en-US" dirty="0">
+                <a:latin typeface="OCRB" panose="020B0609020202020204" pitchFamily="49" charset="77"/>
+              </a:rPr>
+              <a:t> </a:t>
+            </a:r>
+            <a:r>
+              <a:rPr lang="en-US" dirty="0" err="1">
+                <a:latin typeface="OCRB" panose="020B0609020202020204" pitchFamily="49" charset="77"/>
+              </a:rPr>
+              <a:t>sono</a:t>
+            </a:r>
+            <a:r>
+              <a:rPr lang="en-US" dirty="0">
+                <a:latin typeface="OCRB" panose="020B0609020202020204" pitchFamily="49" charset="77"/>
+              </a:rPr>
+              <a:t> Gabriele.”</a:t>
+            </a:r>
+          </a:p>
+        </p:txBody>
+      </p:sp>
+      <p:sp>
+        <p:nvSpPr>
+          <p:cNvPr id="7" name="Oval 6">
+            <a:extLst>
+              <a:ext uri="{FF2B5EF4-FFF2-40B4-BE49-F238E27FC236}">
+                <a16:creationId xmlns:a16="http://schemas.microsoft.com/office/drawing/2014/main" id="{C2F42233-8BCF-E546-BE7E-FFCFD44F23A9}"/>
+              </a:ext>
+            </a:extLst>
+          </p:cNvPr>
+          <p:cNvSpPr/>
+          <p:nvPr/>
+        </p:nvSpPr>
+        <p:spPr>
+          <a:xfrm>
+            <a:off x="3159212" y="1768225"/>
+            <a:ext cx="2160000" cy="2160000"/>
+          </a:xfrm>
+          <a:prstGeom prst="ellipse">
+            <a:avLst/>
+          </a:prstGeom>
+          <a:noFill/>
+          <a:ln w="127000">
+            <a:solidFill>
+              <a:schemeClr val="accent2"/>
+            </a:solidFill>
+          </a:ln>
+        </p:spPr>
+        <p:style>
+          <a:lnRef idx="2">
+            <a:schemeClr val="accent1">
+              <a:shade val="50000"/>
+            </a:schemeClr>
+          </a:lnRef>
+          <a:fillRef idx="1">
+            <a:schemeClr val="accent1"/>
+          </a:fillRef>
+          <a:effectRef idx="0">
+            <a:schemeClr val="accent1"/>
+          </a:effectRef>
+          <a:fontRef idx="minor">
+            <a:schemeClr val="lt1"/>
+          </a:fontRef>
+        </p:style>
+        <p:txBody>
+          <a:bodyPr rtlCol="0" anchor="ctr"/>
+          <a:lstStyle/>
+          <a:p>
+            <a:pPr algn="ctr"/>
+            <a:r>
+              <a:rPr lang="it-IT" sz="2800" b="1" dirty="0">
+                <a:solidFill>
+                  <a:schemeClr val="accent2"/>
+                </a:solidFill>
+                <a:latin typeface="OCRB" panose="020B0609020202020204" pitchFamily="49" charset="77"/>
+              </a:rPr>
+              <a:t>Come</a:t>
+            </a:r>
+          </a:p>
+        </p:txBody>
+      </p:sp>
       <p:graphicFrame>
         <p:nvGraphicFramePr>
           <p:cNvPr id="9" name="Table 8">
@@ -8254,11 +10363,7 @@
             <a:graphicFrameLocks noGrp="1"/>
           </p:cNvGraphicFramePr>
           <p:nvPr>
-            <p:extLst>
-              <p:ext uri="{D42A27DB-BD31-4B8C-83A1-F6EECF244321}">
-                <p14:modId xmlns:p14="http://schemas.microsoft.com/office/powerpoint/2010/main" val="4084454177"/>
-              </p:ext>
-            </p:extLst>
+            <p:extLst/>
           </p:nvPr>
         </p:nvGraphicFramePr>
         <p:xfrm>
@@ -8932,10 +11037,40 @@
           </a:p>
         </p:txBody>
       </p:sp>
+      <p:pic>
+        <p:nvPicPr>
+          <p:cNvPr id="18" name="Picture 17">
+            <a:extLst>
+              <a:ext uri="{FF2B5EF4-FFF2-40B4-BE49-F238E27FC236}">
+                <a16:creationId xmlns:a16="http://schemas.microsoft.com/office/drawing/2014/main" id="{394BA4F9-D700-5B4C-8E61-B1633B92BC92}"/>
+              </a:ext>
+            </a:extLst>
+          </p:cNvPr>
+          <p:cNvPicPr>
+            <a:picLocks noChangeAspect="1"/>
+          </p:cNvPicPr>
+          <p:nvPr/>
+        </p:nvPicPr>
+        <p:blipFill>
+          <a:blip r:embed="rId2"/>
+          <a:stretch>
+            <a:fillRect/>
+          </a:stretch>
+        </p:blipFill>
+        <p:spPr>
+          <a:xfrm flipV="1">
+            <a:off x="9237861" y="4453463"/>
+            <a:ext cx="640787" cy="427710"/>
+          </a:xfrm>
+          <a:prstGeom prst="rect">
+            <a:avLst/>
+          </a:prstGeom>
+        </p:spPr>
+      </p:pic>
     </p:spTree>
     <p:extLst>
       <p:ext uri="{BB962C8B-B14F-4D97-AF65-F5344CB8AC3E}">
-        <p14:creationId xmlns:p14="http://schemas.microsoft.com/office/powerpoint/2010/main" val="3117163330"/>
+        <p14:creationId xmlns:p14="http://schemas.microsoft.com/office/powerpoint/2010/main" val="438903188"/>
       </p:ext>
     </p:extLst>
   </p:cSld>
@@ -8963,7 +11098,7 @@
                             </p:stCondLst>
                             <p:childTnLst>
                               <p:par>
-                                <p:cTn id="5" presetID="1" presetClass="entr" presetSubtype="0" fill="hold" grpId="0" nodeType="clickEffect">
+                                <p:cTn id="5" presetID="1" presetClass="entr" presetSubtype="0" fill="hold" nodeType="clickEffect">
                                   <p:stCondLst>
                                     <p:cond delay="0"/>
                                   </p:stCondLst>
@@ -8976,7 +11111,7 @@
                                           </p:stCondLst>
                                         </p:cTn>
                                         <p:tgtEl>
-                                          <p:spTgt spid="3"/>
+                                          <p:spTgt spid="18"/>
                                         </p:tgtEl>
                                         <p:attrNameLst>
                                           <p:attrName>style.visibility</p:attrName>
@@ -9323,7 +11458,6 @@
       </p:par>
     </p:tnLst>
     <p:bldLst>
-      <p:bldP spid="3" grpId="0"/>
       <p:bldP spid="11" grpId="0" animBg="1"/>
       <p:bldP spid="12" grpId="0" animBg="1"/>
       <p:bldP spid="13" grpId="0" animBg="1"/>
@@ -9336,7 +11470,7 @@
 </p:sld>
 </file>
 
-<file path=ppt/slides/slide7.xml><?xml version="1.0" encoding="utf-8"?>
+<file path=ppt/slides/slide9.xml><?xml version="1.0" encoding="utf-8"?>
 <p:sld xmlns:a="http://schemas.openxmlformats.org/drawingml/2006/main" xmlns:r="http://schemas.openxmlformats.org/officeDocument/2006/relationships" xmlns:p="http://schemas.openxmlformats.org/presentationml/2006/main">
   <p:cSld>
     <p:spTree>
@@ -9939,1459 +12073,6 @@
                                           <p:spTgt spid="3">
                                             <p:txEl>
                                               <p:pRg st="2" end="2"/>
-                                            </p:txEl>
-                                          </p:spTgt>
-                                        </p:tgtEl>
-                                        <p:attrNameLst>
-                                          <p:attrName>style.visibility</p:attrName>
-                                        </p:attrNameLst>
-                                      </p:cBhvr>
-                                      <p:to>
-                                        <p:strVal val="visible"/>
-                                      </p:to>
-                                    </p:set>
-                                  </p:childTnLst>
-                                </p:cTn>
-                              </p:par>
-                            </p:childTnLst>
-                          </p:cTn>
-                        </p:par>
-                      </p:childTnLst>
-                    </p:cTn>
-                  </p:par>
-                </p:childTnLst>
-              </p:cTn>
-              <p:prevCondLst>
-                <p:cond evt="onPrev" delay="0">
-                  <p:tgtEl>
-                    <p:sldTgt/>
-                  </p:tgtEl>
-                </p:cond>
-              </p:prevCondLst>
-              <p:nextCondLst>
-                <p:cond evt="onNext" delay="0">
-                  <p:tgtEl>
-                    <p:sldTgt/>
-                  </p:tgtEl>
-                </p:cond>
-              </p:nextCondLst>
-            </p:seq>
-          </p:childTnLst>
-        </p:cTn>
-      </p:par>
-    </p:tnLst>
-  </p:timing>
-</p:sld>
-</file>
-
-<file path=ppt/slides/slide8.xml><?xml version="1.0" encoding="utf-8"?>
-<p:sld xmlns:a="http://schemas.openxmlformats.org/drawingml/2006/main" xmlns:r="http://schemas.openxmlformats.org/officeDocument/2006/relationships" xmlns:p="http://schemas.openxmlformats.org/presentationml/2006/main">
-  <p:cSld>
-    <p:spTree>
-      <p:nvGrpSpPr>
-        <p:cNvPr id="1" name=""/>
-        <p:cNvGrpSpPr/>
-        <p:nvPr/>
-      </p:nvGrpSpPr>
-      <p:grpSpPr>
-        <a:xfrm>
-          <a:off x="0" y="0"/>
-          <a:ext cx="0" cy="0"/>
-          <a:chOff x="0" y="0"/>
-          <a:chExt cx="0" cy="0"/>
-        </a:xfrm>
-      </p:grpSpPr>
-      <p:sp>
-        <p:nvSpPr>
-          <p:cNvPr id="2" name="Title 1">
-            <a:extLst>
-              <a:ext uri="{FF2B5EF4-FFF2-40B4-BE49-F238E27FC236}">
-                <a16:creationId xmlns:a16="http://schemas.microsoft.com/office/drawing/2014/main" id="{F6DAF212-D071-8541-869A-C629F2378F60}"/>
-              </a:ext>
-            </a:extLst>
-          </p:cNvPr>
-          <p:cNvSpPr>
-            <a:spLocks noGrp="1"/>
-          </p:cNvSpPr>
-          <p:nvPr>
-            <p:ph type="title"/>
-          </p:nvPr>
-        </p:nvSpPr>
-        <p:spPr/>
-        <p:txBody>
-          <a:bodyPr/>
-          <a:lstStyle/>
-          <a:p>
-            <a:r>
-              <a:rPr lang="it-IT" dirty="0" err="1">
-                <a:latin typeface="OCRB" panose="020B0609020202020204" pitchFamily="49" charset="77"/>
-              </a:rPr>
-              <a:t>Chatbot</a:t>
-            </a:r>
-            <a:endParaRPr lang="it-IT" dirty="0">
-              <a:latin typeface="OCRB" panose="020B0609020202020204" pitchFamily="49" charset="77"/>
-            </a:endParaRPr>
-          </a:p>
-        </p:txBody>
-      </p:sp>
-      <p:sp>
-        <p:nvSpPr>
-          <p:cNvPr id="4" name="Oval 3">
-            <a:extLst>
-              <a:ext uri="{FF2B5EF4-FFF2-40B4-BE49-F238E27FC236}">
-                <a16:creationId xmlns:a16="http://schemas.microsoft.com/office/drawing/2014/main" id="{9B31B035-F062-6641-84C9-E3E7079F1719}"/>
-              </a:ext>
-            </a:extLst>
-          </p:cNvPr>
-          <p:cNvSpPr/>
-          <p:nvPr/>
-        </p:nvSpPr>
-        <p:spPr>
-          <a:xfrm>
-            <a:off x="8678338" y="1768225"/>
-            <a:ext cx="2160000" cy="2160000"/>
-          </a:xfrm>
-          <a:prstGeom prst="ellipse">
-            <a:avLst/>
-          </a:prstGeom>
-          <a:noFill/>
-          <a:ln w="63500"/>
-        </p:spPr>
-        <p:style>
-          <a:lnRef idx="2">
-            <a:schemeClr val="accent1">
-              <a:shade val="50000"/>
-            </a:schemeClr>
-          </a:lnRef>
-          <a:fillRef idx="1">
-            <a:schemeClr val="accent1"/>
-          </a:fillRef>
-          <a:effectRef idx="0">
-            <a:schemeClr val="accent1"/>
-          </a:effectRef>
-          <a:fontRef idx="minor">
-            <a:schemeClr val="lt1"/>
-          </a:fontRef>
-        </p:style>
-        <p:txBody>
-          <a:bodyPr rtlCol="0" anchor="ctr"/>
-          <a:lstStyle/>
-          <a:p>
-            <a:pPr algn="ctr"/>
-            <a:r>
-              <a:rPr lang="it-IT" sz="2800" b="1" dirty="0">
-                <a:solidFill>
-                  <a:schemeClr val="accent1"/>
-                </a:solidFill>
-                <a:latin typeface="OCRB" panose="020B0609020202020204" pitchFamily="49" charset="77"/>
-              </a:rPr>
-              <a:t>Perché</a:t>
-            </a:r>
-          </a:p>
-        </p:txBody>
-      </p:sp>
-      <p:sp>
-        <p:nvSpPr>
-          <p:cNvPr id="6" name="Oval 5">
-            <a:extLst>
-              <a:ext uri="{FF2B5EF4-FFF2-40B4-BE49-F238E27FC236}">
-                <a16:creationId xmlns:a16="http://schemas.microsoft.com/office/drawing/2014/main" id="{70F583B3-7652-C249-A8DF-E8B2B65E4390}"/>
-              </a:ext>
-            </a:extLst>
-          </p:cNvPr>
-          <p:cNvSpPr/>
-          <p:nvPr/>
-        </p:nvSpPr>
-        <p:spPr>
-          <a:xfrm>
-            <a:off x="5008607" y="1768225"/>
-            <a:ext cx="2160000" cy="2160000"/>
-          </a:xfrm>
-          <a:prstGeom prst="ellipse">
-            <a:avLst/>
-          </a:prstGeom>
-          <a:noFill/>
-          <a:ln w="63500"/>
-        </p:spPr>
-        <p:style>
-          <a:lnRef idx="2">
-            <a:schemeClr val="accent1">
-              <a:shade val="50000"/>
-            </a:schemeClr>
-          </a:lnRef>
-          <a:fillRef idx="1">
-            <a:schemeClr val="accent1"/>
-          </a:fillRef>
-          <a:effectRef idx="0">
-            <a:schemeClr val="accent1"/>
-          </a:effectRef>
-          <a:fontRef idx="minor">
-            <a:schemeClr val="lt1"/>
-          </a:fontRef>
-        </p:style>
-        <p:txBody>
-          <a:bodyPr rtlCol="0" anchor="ctr"/>
-          <a:lstStyle/>
-          <a:p>
-            <a:pPr algn="ctr"/>
-            <a:r>
-              <a:rPr lang="it-IT" sz="2800" b="1" dirty="0">
-                <a:solidFill>
-                  <a:schemeClr val="accent1"/>
-                </a:solidFill>
-                <a:latin typeface="OCRB" panose="020B0609020202020204" pitchFamily="49" charset="77"/>
-              </a:rPr>
-              <a:t>Dove</a:t>
-            </a:r>
-          </a:p>
-        </p:txBody>
-      </p:sp>
-      <p:sp>
-        <p:nvSpPr>
-          <p:cNvPr id="7" name="Oval 6">
-            <a:extLst>
-              <a:ext uri="{FF2B5EF4-FFF2-40B4-BE49-F238E27FC236}">
-                <a16:creationId xmlns:a16="http://schemas.microsoft.com/office/drawing/2014/main" id="{C2F42233-8BCF-E546-BE7E-FFCFD44F23A9}"/>
-              </a:ext>
-            </a:extLst>
-          </p:cNvPr>
-          <p:cNvSpPr/>
-          <p:nvPr/>
-        </p:nvSpPr>
-        <p:spPr>
-          <a:xfrm>
-            <a:off x="3159212" y="1768225"/>
-            <a:ext cx="2160000" cy="2160000"/>
-          </a:xfrm>
-          <a:prstGeom prst="ellipse">
-            <a:avLst/>
-          </a:prstGeom>
-          <a:noFill/>
-          <a:ln w="63500"/>
-        </p:spPr>
-        <p:style>
-          <a:lnRef idx="2">
-            <a:schemeClr val="accent1">
-              <a:shade val="50000"/>
-            </a:schemeClr>
-          </a:lnRef>
-          <a:fillRef idx="1">
-            <a:schemeClr val="accent1"/>
-          </a:fillRef>
-          <a:effectRef idx="0">
-            <a:schemeClr val="accent1"/>
-          </a:effectRef>
-          <a:fontRef idx="minor">
-            <a:schemeClr val="lt1"/>
-          </a:fontRef>
-        </p:style>
-        <p:txBody>
-          <a:bodyPr rtlCol="0" anchor="ctr"/>
-          <a:lstStyle/>
-          <a:p>
-            <a:pPr algn="ctr"/>
-            <a:r>
-              <a:rPr lang="it-IT" sz="2800" b="1" dirty="0">
-                <a:solidFill>
-                  <a:schemeClr val="accent1"/>
-                </a:solidFill>
-                <a:latin typeface="OCRB" panose="020B0609020202020204" pitchFamily="49" charset="77"/>
-              </a:rPr>
-              <a:t>Come</a:t>
-            </a:r>
-          </a:p>
-        </p:txBody>
-      </p:sp>
-      <p:sp>
-        <p:nvSpPr>
-          <p:cNvPr id="8" name="Oval 7">
-            <a:extLst>
-              <a:ext uri="{FF2B5EF4-FFF2-40B4-BE49-F238E27FC236}">
-                <a16:creationId xmlns:a16="http://schemas.microsoft.com/office/drawing/2014/main" id="{340DA1D7-3094-7449-BC4F-8140BCFD5F7B}"/>
-              </a:ext>
-            </a:extLst>
-          </p:cNvPr>
-          <p:cNvSpPr/>
-          <p:nvPr/>
-        </p:nvSpPr>
-        <p:spPr>
-          <a:xfrm>
-            <a:off x="1338876" y="1768225"/>
-            <a:ext cx="2160000" cy="2160000"/>
-          </a:xfrm>
-          <a:prstGeom prst="ellipse">
-            <a:avLst/>
-          </a:prstGeom>
-          <a:noFill/>
-          <a:ln w="63500">
-            <a:solidFill>
-              <a:schemeClr val="accent1">
-                <a:lumMod val="75000"/>
-              </a:schemeClr>
-            </a:solidFill>
-          </a:ln>
-        </p:spPr>
-        <p:style>
-          <a:lnRef idx="2">
-            <a:schemeClr val="accent1">
-              <a:shade val="50000"/>
-            </a:schemeClr>
-          </a:lnRef>
-          <a:fillRef idx="1">
-            <a:schemeClr val="accent1"/>
-          </a:fillRef>
-          <a:effectRef idx="0">
-            <a:schemeClr val="accent1"/>
-          </a:effectRef>
-          <a:fontRef idx="minor">
-            <a:schemeClr val="lt1"/>
-          </a:fontRef>
-        </p:style>
-        <p:txBody>
-          <a:bodyPr rtlCol="0" anchor="ctr"/>
-          <a:lstStyle/>
-          <a:p>
-            <a:pPr algn="ctr"/>
-            <a:r>
-              <a:rPr lang="it-IT" sz="2800" b="1" dirty="0">
-                <a:solidFill>
-                  <a:schemeClr val="accent1"/>
-                </a:solidFill>
-                <a:latin typeface="OCRB" panose="020B0609020202020204" pitchFamily="49" charset="77"/>
-              </a:rPr>
-              <a:t>Chi</a:t>
-            </a:r>
-          </a:p>
-        </p:txBody>
-      </p:sp>
-      <p:sp>
-        <p:nvSpPr>
-          <p:cNvPr id="3" name="TextBox 2">
-            <a:extLst>
-              <a:ext uri="{FF2B5EF4-FFF2-40B4-BE49-F238E27FC236}">
-                <a16:creationId xmlns:a16="http://schemas.microsoft.com/office/drawing/2014/main" id="{6BCDD395-D2B5-154D-BF0C-ED9944C1D9B6}"/>
-              </a:ext>
-            </a:extLst>
-          </p:cNvPr>
-          <p:cNvSpPr txBox="1"/>
-          <p:nvPr/>
-        </p:nvSpPr>
-        <p:spPr>
-          <a:xfrm>
-            <a:off x="1338876" y="4482652"/>
-            <a:ext cx="9440562" cy="923330"/>
-          </a:xfrm>
-          <a:prstGeom prst="rect">
-            <a:avLst/>
-          </a:prstGeom>
-          <a:noFill/>
-        </p:spPr>
-        <p:txBody>
-          <a:bodyPr wrap="square" rtlCol="0">
-            <a:spAutoFit/>
-          </a:bodyPr>
-          <a:lstStyle/>
-          <a:p>
-            <a:pPr marL="285750" indent="-285750" algn="just">
-              <a:buFont typeface="Arial" panose="020B0604020202020204" pitchFamily="34" charset="0"/>
-              <a:buChar char="•"/>
-            </a:pPr>
-            <a:r>
-              <a:rPr lang="it" dirty="0">
-                <a:latin typeface="OCRB" panose="020B0609020202020204" pitchFamily="49" charset="77"/>
-              </a:rPr>
-              <a:t>24/7: un chatbot deve rimanere in esecuzione continua per essere sempre pronto a raggiungere i propri clienti (analogia con Server Web)</a:t>
-            </a:r>
-            <a:endParaRPr lang="it-IT" dirty="0">
-              <a:latin typeface="OCRB" panose="020B0609020202020204" pitchFamily="49" charset="77"/>
-            </a:endParaRPr>
-          </a:p>
-        </p:txBody>
-      </p:sp>
-      <p:sp>
-        <p:nvSpPr>
-          <p:cNvPr id="5" name="Oval 4">
-            <a:extLst>
-              <a:ext uri="{FF2B5EF4-FFF2-40B4-BE49-F238E27FC236}">
-                <a16:creationId xmlns:a16="http://schemas.microsoft.com/office/drawing/2014/main" id="{174882ED-E59F-BE44-83A2-13049D6E43DD}"/>
-              </a:ext>
-            </a:extLst>
-          </p:cNvPr>
-          <p:cNvSpPr/>
-          <p:nvPr/>
-        </p:nvSpPr>
-        <p:spPr>
-          <a:xfrm>
-            <a:off x="6828943" y="1768225"/>
-            <a:ext cx="2160000" cy="2160000"/>
-          </a:xfrm>
-          <a:prstGeom prst="ellipse">
-            <a:avLst/>
-          </a:prstGeom>
-          <a:noFill/>
-          <a:ln w="127000">
-            <a:solidFill>
-              <a:schemeClr val="accent2"/>
-            </a:solidFill>
-          </a:ln>
-        </p:spPr>
-        <p:style>
-          <a:lnRef idx="2">
-            <a:schemeClr val="accent1">
-              <a:shade val="50000"/>
-            </a:schemeClr>
-          </a:lnRef>
-          <a:fillRef idx="1">
-            <a:schemeClr val="accent1"/>
-          </a:fillRef>
-          <a:effectRef idx="0">
-            <a:schemeClr val="accent1"/>
-          </a:effectRef>
-          <a:fontRef idx="minor">
-            <a:schemeClr val="lt1"/>
-          </a:fontRef>
-        </p:style>
-        <p:txBody>
-          <a:bodyPr rtlCol="0" anchor="ctr"/>
-          <a:lstStyle/>
-          <a:p>
-            <a:pPr algn="ctr"/>
-            <a:r>
-              <a:rPr lang="it-IT" sz="2800" b="1" dirty="0">
-                <a:solidFill>
-                  <a:schemeClr val="accent2"/>
-                </a:solidFill>
-                <a:latin typeface="OCRB" panose="020B0609020202020204" pitchFamily="49" charset="77"/>
-              </a:rPr>
-              <a:t>Quando</a:t>
-            </a:r>
-          </a:p>
-        </p:txBody>
-      </p:sp>
-    </p:spTree>
-    <p:extLst>
-      <p:ext uri="{BB962C8B-B14F-4D97-AF65-F5344CB8AC3E}">
-        <p14:creationId xmlns:p14="http://schemas.microsoft.com/office/powerpoint/2010/main" val="437981032"/>
-      </p:ext>
-    </p:extLst>
-  </p:cSld>
-  <p:clrMapOvr>
-    <a:masterClrMapping/>
-  </p:clrMapOvr>
-  <p:timing>
-    <p:tnLst>
-      <p:par>
-        <p:cTn id="1" dur="indefinite" restart="never" nodeType="tmRoot">
-          <p:childTnLst>
-            <p:seq concurrent="1" nextAc="seek">
-              <p:cTn id="2" dur="indefinite" nodeType="mainSeq">
-                <p:childTnLst>
-                  <p:par>
-                    <p:cTn id="3" fill="hold">
-                      <p:stCondLst>
-                        <p:cond delay="indefinite"/>
-                      </p:stCondLst>
-                      <p:childTnLst>
-                        <p:par>
-                          <p:cTn id="4" fill="hold">
-                            <p:stCondLst>
-                              <p:cond delay="0"/>
-                            </p:stCondLst>
-                            <p:childTnLst>
-                              <p:par>
-                                <p:cTn id="5" presetID="1" presetClass="entr" presetSubtype="0" fill="hold" grpId="0" nodeType="clickEffect">
-                                  <p:stCondLst>
-                                    <p:cond delay="0"/>
-                                  </p:stCondLst>
-                                  <p:childTnLst>
-                                    <p:set>
-                                      <p:cBhvr>
-                                        <p:cTn id="6" dur="1" fill="hold">
-                                          <p:stCondLst>
-                                            <p:cond delay="0"/>
-                                          </p:stCondLst>
-                                        </p:cTn>
-                                        <p:tgtEl>
-                                          <p:spTgt spid="3"/>
-                                        </p:tgtEl>
-                                        <p:attrNameLst>
-                                          <p:attrName>style.visibility</p:attrName>
-                                        </p:attrNameLst>
-                                      </p:cBhvr>
-                                      <p:to>
-                                        <p:strVal val="visible"/>
-                                      </p:to>
-                                    </p:set>
-                                  </p:childTnLst>
-                                </p:cTn>
-                              </p:par>
-                            </p:childTnLst>
-                          </p:cTn>
-                        </p:par>
-                      </p:childTnLst>
-                    </p:cTn>
-                  </p:par>
-                </p:childTnLst>
-              </p:cTn>
-              <p:prevCondLst>
-                <p:cond evt="onPrev" delay="0">
-                  <p:tgtEl>
-                    <p:sldTgt/>
-                  </p:tgtEl>
-                </p:cond>
-              </p:prevCondLst>
-              <p:nextCondLst>
-                <p:cond evt="onNext" delay="0">
-                  <p:tgtEl>
-                    <p:sldTgt/>
-                  </p:tgtEl>
-                </p:cond>
-              </p:nextCondLst>
-            </p:seq>
-          </p:childTnLst>
-        </p:cTn>
-      </p:par>
-    </p:tnLst>
-    <p:bldLst>
-      <p:bldP spid="3" grpId="0"/>
-    </p:bldLst>
-  </p:timing>
-</p:sld>
-</file>
-
-<file path=ppt/slides/slide9.xml><?xml version="1.0" encoding="utf-8"?>
-<p:sld xmlns:a="http://schemas.openxmlformats.org/drawingml/2006/main" xmlns:r="http://schemas.openxmlformats.org/officeDocument/2006/relationships" xmlns:p="http://schemas.openxmlformats.org/presentationml/2006/main">
-  <p:cSld>
-    <p:spTree>
-      <p:nvGrpSpPr>
-        <p:cNvPr id="1" name=""/>
-        <p:cNvGrpSpPr/>
-        <p:nvPr/>
-      </p:nvGrpSpPr>
-      <p:grpSpPr>
-        <a:xfrm>
-          <a:off x="0" y="0"/>
-          <a:ext cx="0" cy="0"/>
-          <a:chOff x="0" y="0"/>
-          <a:chExt cx="0" cy="0"/>
-        </a:xfrm>
-      </p:grpSpPr>
-      <p:sp>
-        <p:nvSpPr>
-          <p:cNvPr id="2" name="Title 1">
-            <a:extLst>
-              <a:ext uri="{FF2B5EF4-FFF2-40B4-BE49-F238E27FC236}">
-                <a16:creationId xmlns:a16="http://schemas.microsoft.com/office/drawing/2014/main" id="{F6DAF212-D071-8541-869A-C629F2378F60}"/>
-              </a:ext>
-            </a:extLst>
-          </p:cNvPr>
-          <p:cNvSpPr>
-            <a:spLocks noGrp="1"/>
-          </p:cNvSpPr>
-          <p:nvPr>
-            <p:ph type="title"/>
-          </p:nvPr>
-        </p:nvSpPr>
-        <p:spPr/>
-        <p:txBody>
-          <a:bodyPr/>
-          <a:lstStyle/>
-          <a:p>
-            <a:r>
-              <a:rPr lang="it-IT" dirty="0" err="1">
-                <a:latin typeface="OCRB" panose="020B0609020202020204" pitchFamily="49" charset="77"/>
-              </a:rPr>
-              <a:t>Chatbot</a:t>
-            </a:r>
-            <a:endParaRPr lang="it-IT" dirty="0">
-              <a:latin typeface="OCRB" panose="020B0609020202020204" pitchFamily="49" charset="77"/>
-            </a:endParaRPr>
-          </a:p>
-        </p:txBody>
-      </p:sp>
-      <p:sp>
-        <p:nvSpPr>
-          <p:cNvPr id="5" name="Oval 4">
-            <a:extLst>
-              <a:ext uri="{FF2B5EF4-FFF2-40B4-BE49-F238E27FC236}">
-                <a16:creationId xmlns:a16="http://schemas.microsoft.com/office/drawing/2014/main" id="{174882ED-E59F-BE44-83A2-13049D6E43DD}"/>
-              </a:ext>
-            </a:extLst>
-          </p:cNvPr>
-          <p:cNvSpPr/>
-          <p:nvPr/>
-        </p:nvSpPr>
-        <p:spPr>
-          <a:xfrm>
-            <a:off x="6828943" y="1768225"/>
-            <a:ext cx="2160000" cy="2160000"/>
-          </a:xfrm>
-          <a:prstGeom prst="ellipse">
-            <a:avLst/>
-          </a:prstGeom>
-          <a:noFill/>
-          <a:ln w="63500"/>
-        </p:spPr>
-        <p:style>
-          <a:lnRef idx="2">
-            <a:schemeClr val="accent1">
-              <a:shade val="50000"/>
-            </a:schemeClr>
-          </a:lnRef>
-          <a:fillRef idx="1">
-            <a:schemeClr val="accent1"/>
-          </a:fillRef>
-          <a:effectRef idx="0">
-            <a:schemeClr val="accent1"/>
-          </a:effectRef>
-          <a:fontRef idx="minor">
-            <a:schemeClr val="lt1"/>
-          </a:fontRef>
-        </p:style>
-        <p:txBody>
-          <a:bodyPr rtlCol="0" anchor="ctr"/>
-          <a:lstStyle/>
-          <a:p>
-            <a:pPr algn="ctr"/>
-            <a:r>
-              <a:rPr lang="it-IT" sz="2800" b="1" dirty="0">
-                <a:solidFill>
-                  <a:schemeClr val="accent1"/>
-                </a:solidFill>
-                <a:latin typeface="OCRB" panose="020B0609020202020204" pitchFamily="49" charset="77"/>
-              </a:rPr>
-              <a:t>Quando</a:t>
-            </a:r>
-          </a:p>
-        </p:txBody>
-      </p:sp>
-      <p:sp>
-        <p:nvSpPr>
-          <p:cNvPr id="6" name="Oval 5">
-            <a:extLst>
-              <a:ext uri="{FF2B5EF4-FFF2-40B4-BE49-F238E27FC236}">
-                <a16:creationId xmlns:a16="http://schemas.microsoft.com/office/drawing/2014/main" id="{70F583B3-7652-C249-A8DF-E8B2B65E4390}"/>
-              </a:ext>
-            </a:extLst>
-          </p:cNvPr>
-          <p:cNvSpPr/>
-          <p:nvPr/>
-        </p:nvSpPr>
-        <p:spPr>
-          <a:xfrm>
-            <a:off x="5008607" y="1768225"/>
-            <a:ext cx="2160000" cy="2160000"/>
-          </a:xfrm>
-          <a:prstGeom prst="ellipse">
-            <a:avLst/>
-          </a:prstGeom>
-          <a:noFill/>
-          <a:ln w="63500"/>
-        </p:spPr>
-        <p:style>
-          <a:lnRef idx="2">
-            <a:schemeClr val="accent1">
-              <a:shade val="50000"/>
-            </a:schemeClr>
-          </a:lnRef>
-          <a:fillRef idx="1">
-            <a:schemeClr val="accent1"/>
-          </a:fillRef>
-          <a:effectRef idx="0">
-            <a:schemeClr val="accent1"/>
-          </a:effectRef>
-          <a:fontRef idx="minor">
-            <a:schemeClr val="lt1"/>
-          </a:fontRef>
-        </p:style>
-        <p:txBody>
-          <a:bodyPr rtlCol="0" anchor="ctr"/>
-          <a:lstStyle/>
-          <a:p>
-            <a:pPr algn="ctr"/>
-            <a:r>
-              <a:rPr lang="it-IT" sz="2800" b="1" dirty="0">
-                <a:solidFill>
-                  <a:schemeClr val="accent1"/>
-                </a:solidFill>
-                <a:latin typeface="OCRB" panose="020B0609020202020204" pitchFamily="49" charset="77"/>
-              </a:rPr>
-              <a:t>Dove</a:t>
-            </a:r>
-          </a:p>
-        </p:txBody>
-      </p:sp>
-      <p:sp>
-        <p:nvSpPr>
-          <p:cNvPr id="7" name="Oval 6">
-            <a:extLst>
-              <a:ext uri="{FF2B5EF4-FFF2-40B4-BE49-F238E27FC236}">
-                <a16:creationId xmlns:a16="http://schemas.microsoft.com/office/drawing/2014/main" id="{C2F42233-8BCF-E546-BE7E-FFCFD44F23A9}"/>
-              </a:ext>
-            </a:extLst>
-          </p:cNvPr>
-          <p:cNvSpPr/>
-          <p:nvPr/>
-        </p:nvSpPr>
-        <p:spPr>
-          <a:xfrm>
-            <a:off x="3159212" y="1768225"/>
-            <a:ext cx="2160000" cy="2160000"/>
-          </a:xfrm>
-          <a:prstGeom prst="ellipse">
-            <a:avLst/>
-          </a:prstGeom>
-          <a:noFill/>
-          <a:ln w="63500"/>
-        </p:spPr>
-        <p:style>
-          <a:lnRef idx="2">
-            <a:schemeClr val="accent1">
-              <a:shade val="50000"/>
-            </a:schemeClr>
-          </a:lnRef>
-          <a:fillRef idx="1">
-            <a:schemeClr val="accent1"/>
-          </a:fillRef>
-          <a:effectRef idx="0">
-            <a:schemeClr val="accent1"/>
-          </a:effectRef>
-          <a:fontRef idx="minor">
-            <a:schemeClr val="lt1"/>
-          </a:fontRef>
-        </p:style>
-        <p:txBody>
-          <a:bodyPr rtlCol="0" anchor="ctr"/>
-          <a:lstStyle/>
-          <a:p>
-            <a:pPr algn="ctr"/>
-            <a:r>
-              <a:rPr lang="it-IT" sz="2800" b="1" dirty="0">
-                <a:solidFill>
-                  <a:schemeClr val="accent1"/>
-                </a:solidFill>
-                <a:latin typeface="OCRB" panose="020B0609020202020204" pitchFamily="49" charset="77"/>
-              </a:rPr>
-              <a:t>Come</a:t>
-            </a:r>
-          </a:p>
-        </p:txBody>
-      </p:sp>
-      <p:sp>
-        <p:nvSpPr>
-          <p:cNvPr id="8" name="Oval 7">
-            <a:extLst>
-              <a:ext uri="{FF2B5EF4-FFF2-40B4-BE49-F238E27FC236}">
-                <a16:creationId xmlns:a16="http://schemas.microsoft.com/office/drawing/2014/main" id="{340DA1D7-3094-7449-BC4F-8140BCFD5F7B}"/>
-              </a:ext>
-            </a:extLst>
-          </p:cNvPr>
-          <p:cNvSpPr/>
-          <p:nvPr/>
-        </p:nvSpPr>
-        <p:spPr>
-          <a:xfrm>
-            <a:off x="1338876" y="1768225"/>
-            <a:ext cx="2160000" cy="2160000"/>
-          </a:xfrm>
-          <a:prstGeom prst="ellipse">
-            <a:avLst/>
-          </a:prstGeom>
-          <a:noFill/>
-          <a:ln w="63500">
-            <a:solidFill>
-              <a:schemeClr val="accent1">
-                <a:lumMod val="75000"/>
-              </a:schemeClr>
-            </a:solidFill>
-          </a:ln>
-        </p:spPr>
-        <p:style>
-          <a:lnRef idx="2">
-            <a:schemeClr val="accent1">
-              <a:shade val="50000"/>
-            </a:schemeClr>
-          </a:lnRef>
-          <a:fillRef idx="1">
-            <a:schemeClr val="accent1"/>
-          </a:fillRef>
-          <a:effectRef idx="0">
-            <a:schemeClr val="accent1"/>
-          </a:effectRef>
-          <a:fontRef idx="minor">
-            <a:schemeClr val="lt1"/>
-          </a:fontRef>
-        </p:style>
-        <p:txBody>
-          <a:bodyPr rtlCol="0" anchor="ctr"/>
-          <a:lstStyle/>
-          <a:p>
-            <a:pPr algn="ctr"/>
-            <a:r>
-              <a:rPr lang="it-IT" sz="2800" b="1" dirty="0">
-                <a:solidFill>
-                  <a:schemeClr val="accent1"/>
-                </a:solidFill>
-                <a:latin typeface="OCRB" panose="020B0609020202020204" pitchFamily="49" charset="77"/>
-              </a:rPr>
-              <a:t>Chi</a:t>
-            </a:r>
-          </a:p>
-        </p:txBody>
-      </p:sp>
-      <p:sp>
-        <p:nvSpPr>
-          <p:cNvPr id="3" name="TextBox 2">
-            <a:extLst>
-              <a:ext uri="{FF2B5EF4-FFF2-40B4-BE49-F238E27FC236}">
-                <a16:creationId xmlns:a16="http://schemas.microsoft.com/office/drawing/2014/main" id="{6BCDD395-D2B5-154D-BF0C-ED9944C1D9B6}"/>
-              </a:ext>
-            </a:extLst>
-          </p:cNvPr>
-          <p:cNvSpPr txBox="1"/>
-          <p:nvPr/>
-        </p:nvSpPr>
-        <p:spPr>
-          <a:xfrm>
-            <a:off x="1338876" y="4072347"/>
-            <a:ext cx="9440562" cy="2769989"/>
-          </a:xfrm>
-          <a:prstGeom prst="rect">
-            <a:avLst/>
-          </a:prstGeom>
-          <a:noFill/>
-        </p:spPr>
-        <p:txBody>
-          <a:bodyPr wrap="square" rtlCol="0">
-            <a:spAutoFit/>
-          </a:bodyPr>
-          <a:lstStyle/>
-          <a:p>
-            <a:pPr marL="285750" indent="-285750">
-              <a:buFont typeface="Arial" panose="020B0604020202020204" pitchFamily="34" charset="0"/>
-              <a:buChar char="•"/>
-            </a:pPr>
-            <a:r>
-              <a:rPr lang="it" dirty="0">
-                <a:latin typeface="OCRB" panose="020B0609020202020204" pitchFamily="49" charset="77"/>
-              </a:rPr>
-              <a:t>Prontezza nel notificare situazioni di pericolo/emergenza</a:t>
-            </a:r>
-          </a:p>
-          <a:p>
-            <a:pPr marL="742950" lvl="1" indent="-285750">
-              <a:buFont typeface="Arial" panose="020B0604020202020204" pitchFamily="34" charset="0"/>
-              <a:buChar char="•"/>
-            </a:pPr>
-            <a:r>
-              <a:rPr lang="it" sz="1400" dirty="0">
-                <a:latin typeface="OCRB" panose="020B0609020202020204" pitchFamily="49" charset="77"/>
-              </a:rPr>
-              <a:t>Allarme impianto produttivo segnalato ai responsabili</a:t>
-            </a:r>
-          </a:p>
-          <a:p>
-            <a:pPr marL="285750" indent="-285750">
-              <a:buFont typeface="Arial" panose="020B0604020202020204" pitchFamily="34" charset="0"/>
-              <a:buChar char="•"/>
-            </a:pPr>
-            <a:r>
-              <a:rPr lang="it" dirty="0">
-                <a:latin typeface="OCRB" panose="020B0609020202020204" pitchFamily="49" charset="77"/>
-              </a:rPr>
-              <a:t>Maggiore accessibilità e coinvolgimento degli utenti</a:t>
-            </a:r>
-          </a:p>
-          <a:p>
-            <a:pPr marL="742950" lvl="1" indent="-285750">
-              <a:buFont typeface="Arial" panose="020B0604020202020204" pitchFamily="34" charset="0"/>
-              <a:buChar char="•"/>
-            </a:pPr>
-            <a:r>
-              <a:rPr lang="it" sz="1400" dirty="0">
-                <a:latin typeface="OCRB" panose="020B0609020202020204" pitchFamily="49" charset="77"/>
-              </a:rPr>
-              <a:t>Stato di un macchinario? Chiediamoglielo!</a:t>
-            </a:r>
-          </a:p>
-          <a:p>
-            <a:pPr marL="742950" lvl="1" indent="-285750">
-              <a:buFont typeface="Arial" panose="020B0604020202020204" pitchFamily="34" charset="0"/>
-              <a:buChar char="•"/>
-            </a:pPr>
-            <a:r>
-              <a:rPr lang="it" sz="1400" dirty="0">
-                <a:latin typeface="OCRB" panose="020B0609020202020204" pitchFamily="49" charset="77"/>
-              </a:rPr>
-              <a:t>Analisi marketing su preferenze di utilizzo, tracking spedizioni, promemoria</a:t>
-            </a:r>
-          </a:p>
-          <a:p>
-            <a:pPr marL="285750" indent="-285750">
-              <a:buFont typeface="Arial" panose="020B0604020202020204" pitchFamily="34" charset="0"/>
-              <a:buChar char="•"/>
-            </a:pPr>
-            <a:r>
-              <a:rPr lang="it" dirty="0">
-                <a:latin typeface="OCRB" panose="020B0609020202020204" pitchFamily="49" charset="77"/>
-              </a:rPr>
-              <a:t>Rapidità nella risposta, no attese (simil «canale dedicato»)</a:t>
-            </a:r>
-          </a:p>
-          <a:p>
-            <a:pPr marL="742950" lvl="1" indent="-285750">
-              <a:buFont typeface="Arial" panose="020B0604020202020204" pitchFamily="34" charset="0"/>
-              <a:buChar char="•"/>
-            </a:pPr>
-            <a:r>
-              <a:rPr lang="it" sz="1400" dirty="0">
-                <a:latin typeface="OCRB" panose="020B0609020202020204" pitchFamily="49" charset="77"/>
-              </a:rPr>
-              <a:t>Centralini telefonici, FAQ o Help Chat siti web</a:t>
-            </a:r>
-          </a:p>
-          <a:p>
-            <a:pPr marL="285750" indent="-285750">
-              <a:buFont typeface="Arial" panose="020B0604020202020204" pitchFamily="34" charset="0"/>
-              <a:buChar char="•"/>
-            </a:pPr>
-            <a:r>
-              <a:rPr lang="it" dirty="0">
-                <a:latin typeface="OCRB" panose="020B0609020202020204" pitchFamily="49" charset="77"/>
-              </a:rPr>
-              <a:t>Monitoraggio sviluppo software</a:t>
-            </a:r>
-          </a:p>
-          <a:p>
-            <a:pPr marL="742950" lvl="1" indent="-285750">
-              <a:buFont typeface="Arial" panose="020B0604020202020204" pitchFamily="34" charset="0"/>
-              <a:buChar char="•"/>
-            </a:pPr>
-            <a:r>
-              <a:rPr lang="it" sz="1400" dirty="0">
-                <a:latin typeface="OCRB" panose="020B0609020202020204" pitchFamily="49" charset="77"/>
-              </a:rPr>
-              <a:t>Test falliti, errori di compilazione durante rilascio</a:t>
-            </a:r>
-            <a:endParaRPr lang="it" sz="1600" dirty="0">
-              <a:latin typeface="OCRB" panose="020B0609020202020204" pitchFamily="49" charset="77"/>
-            </a:endParaRPr>
-          </a:p>
-          <a:p>
-            <a:pPr marL="285750" indent="-285750">
-              <a:buFont typeface="Arial" panose="020B0604020202020204" pitchFamily="34" charset="0"/>
-              <a:buChar char="•"/>
-            </a:pPr>
-            <a:r>
-              <a:rPr lang="it" dirty="0">
-                <a:latin typeface="OCRB" panose="020B0609020202020204" pitchFamily="49" charset="77"/>
-              </a:rPr>
-              <a:t>Commercio</a:t>
-            </a:r>
-          </a:p>
-          <a:p>
-            <a:pPr marL="742950" lvl="1" indent="-285750">
-              <a:buFont typeface="Arial" panose="020B0604020202020204" pitchFamily="34" charset="0"/>
-              <a:buChar char="•"/>
-            </a:pPr>
-            <a:r>
-              <a:rPr lang="it" sz="1400" dirty="0">
-                <a:latin typeface="OCRB" panose="020B0609020202020204" pitchFamily="49" charset="77"/>
-              </a:rPr>
-              <a:t>«Ehi sito e-commerce, quante scarpe Adiprel taglia 45 nere sono disponibili?»</a:t>
-            </a:r>
-          </a:p>
-        </p:txBody>
-      </p:sp>
-      <p:sp>
-        <p:nvSpPr>
-          <p:cNvPr id="4" name="Oval 3">
-            <a:extLst>
-              <a:ext uri="{FF2B5EF4-FFF2-40B4-BE49-F238E27FC236}">
-                <a16:creationId xmlns:a16="http://schemas.microsoft.com/office/drawing/2014/main" id="{9B31B035-F062-6641-84C9-E3E7079F1719}"/>
-              </a:ext>
-            </a:extLst>
-          </p:cNvPr>
-          <p:cNvSpPr/>
-          <p:nvPr/>
-        </p:nvSpPr>
-        <p:spPr>
-          <a:xfrm>
-            <a:off x="8678338" y="1768225"/>
-            <a:ext cx="2160000" cy="2160000"/>
-          </a:xfrm>
-          <a:prstGeom prst="ellipse">
-            <a:avLst/>
-          </a:prstGeom>
-          <a:noFill/>
-          <a:ln w="127000">
-            <a:solidFill>
-              <a:schemeClr val="accent2"/>
-            </a:solidFill>
-          </a:ln>
-        </p:spPr>
-        <p:style>
-          <a:lnRef idx="2">
-            <a:schemeClr val="accent1">
-              <a:shade val="50000"/>
-            </a:schemeClr>
-          </a:lnRef>
-          <a:fillRef idx="1">
-            <a:schemeClr val="accent1"/>
-          </a:fillRef>
-          <a:effectRef idx="0">
-            <a:schemeClr val="accent1"/>
-          </a:effectRef>
-          <a:fontRef idx="minor">
-            <a:schemeClr val="lt1"/>
-          </a:fontRef>
-        </p:style>
-        <p:txBody>
-          <a:bodyPr rtlCol="0" anchor="ctr"/>
-          <a:lstStyle/>
-          <a:p>
-            <a:pPr algn="ctr"/>
-            <a:r>
-              <a:rPr lang="it-IT" sz="2800" b="1" dirty="0">
-                <a:solidFill>
-                  <a:schemeClr val="accent2"/>
-                </a:solidFill>
-                <a:latin typeface="OCRB" panose="020B0609020202020204" pitchFamily="49" charset="77"/>
-              </a:rPr>
-              <a:t>Perché</a:t>
-            </a:r>
-          </a:p>
-        </p:txBody>
-      </p:sp>
-    </p:spTree>
-    <p:extLst>
-      <p:ext uri="{BB962C8B-B14F-4D97-AF65-F5344CB8AC3E}">
-        <p14:creationId xmlns:p14="http://schemas.microsoft.com/office/powerpoint/2010/main" val="1199280348"/>
-      </p:ext>
-    </p:extLst>
-  </p:cSld>
-  <p:clrMapOvr>
-    <a:masterClrMapping/>
-  </p:clrMapOvr>
-  <p:timing>
-    <p:tnLst>
-      <p:par>
-        <p:cTn id="1" dur="indefinite" restart="never" nodeType="tmRoot">
-          <p:childTnLst>
-            <p:seq concurrent="1" nextAc="seek">
-              <p:cTn id="2" dur="indefinite" nodeType="mainSeq">
-                <p:childTnLst>
-                  <p:par>
-                    <p:cTn id="3" fill="hold">
-                      <p:stCondLst>
-                        <p:cond delay="indefinite"/>
-                      </p:stCondLst>
-                      <p:childTnLst>
-                        <p:par>
-                          <p:cTn id="4" fill="hold">
-                            <p:stCondLst>
-                              <p:cond delay="0"/>
-                            </p:stCondLst>
-                            <p:childTnLst>
-                              <p:par>
-                                <p:cTn id="5" presetID="1" presetClass="entr" presetSubtype="0" fill="hold" nodeType="clickEffect">
-                                  <p:stCondLst>
-                                    <p:cond delay="0"/>
-                                  </p:stCondLst>
-                                  <p:childTnLst>
-                                    <p:set>
-                                      <p:cBhvr>
-                                        <p:cTn id="6" dur="1" fill="hold">
-                                          <p:stCondLst>
-                                            <p:cond delay="0"/>
-                                          </p:stCondLst>
-                                        </p:cTn>
-                                        <p:tgtEl>
-                                          <p:spTgt spid="3">
-                                            <p:txEl>
-                                              <p:pRg st="0" end="0"/>
-                                            </p:txEl>
-                                          </p:spTgt>
-                                        </p:tgtEl>
-                                        <p:attrNameLst>
-                                          <p:attrName>style.visibility</p:attrName>
-                                        </p:attrNameLst>
-                                      </p:cBhvr>
-                                      <p:to>
-                                        <p:strVal val="visible"/>
-                                      </p:to>
-                                    </p:set>
-                                  </p:childTnLst>
-                                </p:cTn>
-                              </p:par>
-                              <p:par>
-                                <p:cTn id="7" presetID="1" presetClass="entr" presetSubtype="0" fill="hold" nodeType="withEffect">
-                                  <p:stCondLst>
-                                    <p:cond delay="0"/>
-                                  </p:stCondLst>
-                                  <p:childTnLst>
-                                    <p:set>
-                                      <p:cBhvr>
-                                        <p:cTn id="8" dur="1" fill="hold">
-                                          <p:stCondLst>
-                                            <p:cond delay="0"/>
-                                          </p:stCondLst>
-                                        </p:cTn>
-                                        <p:tgtEl>
-                                          <p:spTgt spid="3">
-                                            <p:txEl>
-                                              <p:pRg st="1" end="1"/>
-                                            </p:txEl>
-                                          </p:spTgt>
-                                        </p:tgtEl>
-                                        <p:attrNameLst>
-                                          <p:attrName>style.visibility</p:attrName>
-                                        </p:attrNameLst>
-                                      </p:cBhvr>
-                                      <p:to>
-                                        <p:strVal val="visible"/>
-                                      </p:to>
-                                    </p:set>
-                                  </p:childTnLst>
-                                </p:cTn>
-                              </p:par>
-                            </p:childTnLst>
-                          </p:cTn>
-                        </p:par>
-                      </p:childTnLst>
-                    </p:cTn>
-                  </p:par>
-                  <p:par>
-                    <p:cTn id="9" fill="hold">
-                      <p:stCondLst>
-                        <p:cond delay="indefinite"/>
-                      </p:stCondLst>
-                      <p:childTnLst>
-                        <p:par>
-                          <p:cTn id="10" fill="hold">
-                            <p:stCondLst>
-                              <p:cond delay="0"/>
-                            </p:stCondLst>
-                            <p:childTnLst>
-                              <p:par>
-                                <p:cTn id="11" presetID="1" presetClass="entr" presetSubtype="0" fill="hold" nodeType="clickEffect">
-                                  <p:stCondLst>
-                                    <p:cond delay="0"/>
-                                  </p:stCondLst>
-                                  <p:childTnLst>
-                                    <p:set>
-                                      <p:cBhvr>
-                                        <p:cTn id="12" dur="1" fill="hold">
-                                          <p:stCondLst>
-                                            <p:cond delay="0"/>
-                                          </p:stCondLst>
-                                        </p:cTn>
-                                        <p:tgtEl>
-                                          <p:spTgt spid="3">
-                                            <p:txEl>
-                                              <p:pRg st="2" end="2"/>
-                                            </p:txEl>
-                                          </p:spTgt>
-                                        </p:tgtEl>
-                                        <p:attrNameLst>
-                                          <p:attrName>style.visibility</p:attrName>
-                                        </p:attrNameLst>
-                                      </p:cBhvr>
-                                      <p:to>
-                                        <p:strVal val="visible"/>
-                                      </p:to>
-                                    </p:set>
-                                  </p:childTnLst>
-                                </p:cTn>
-                              </p:par>
-                              <p:par>
-                                <p:cTn id="13" presetID="1" presetClass="entr" presetSubtype="0" fill="hold" nodeType="withEffect">
-                                  <p:stCondLst>
-                                    <p:cond delay="0"/>
-                                  </p:stCondLst>
-                                  <p:childTnLst>
-                                    <p:set>
-                                      <p:cBhvr>
-                                        <p:cTn id="14" dur="1" fill="hold">
-                                          <p:stCondLst>
-                                            <p:cond delay="0"/>
-                                          </p:stCondLst>
-                                        </p:cTn>
-                                        <p:tgtEl>
-                                          <p:spTgt spid="3">
-                                            <p:txEl>
-                                              <p:pRg st="3" end="3"/>
-                                            </p:txEl>
-                                          </p:spTgt>
-                                        </p:tgtEl>
-                                        <p:attrNameLst>
-                                          <p:attrName>style.visibility</p:attrName>
-                                        </p:attrNameLst>
-                                      </p:cBhvr>
-                                      <p:to>
-                                        <p:strVal val="visible"/>
-                                      </p:to>
-                                    </p:set>
-                                  </p:childTnLst>
-                                </p:cTn>
-                              </p:par>
-                              <p:par>
-                                <p:cTn id="15" presetID="1" presetClass="entr" presetSubtype="0" fill="hold" nodeType="withEffect">
-                                  <p:stCondLst>
-                                    <p:cond delay="0"/>
-                                  </p:stCondLst>
-                                  <p:childTnLst>
-                                    <p:set>
-                                      <p:cBhvr>
-                                        <p:cTn id="16" dur="1" fill="hold">
-                                          <p:stCondLst>
-                                            <p:cond delay="0"/>
-                                          </p:stCondLst>
-                                        </p:cTn>
-                                        <p:tgtEl>
-                                          <p:spTgt spid="3">
-                                            <p:txEl>
-                                              <p:pRg st="4" end="4"/>
-                                            </p:txEl>
-                                          </p:spTgt>
-                                        </p:tgtEl>
-                                        <p:attrNameLst>
-                                          <p:attrName>style.visibility</p:attrName>
-                                        </p:attrNameLst>
-                                      </p:cBhvr>
-                                      <p:to>
-                                        <p:strVal val="visible"/>
-                                      </p:to>
-                                    </p:set>
-                                  </p:childTnLst>
-                                </p:cTn>
-                              </p:par>
-                            </p:childTnLst>
-                          </p:cTn>
-                        </p:par>
-                      </p:childTnLst>
-                    </p:cTn>
-                  </p:par>
-                  <p:par>
-                    <p:cTn id="17" fill="hold">
-                      <p:stCondLst>
-                        <p:cond delay="indefinite"/>
-                      </p:stCondLst>
-                      <p:childTnLst>
-                        <p:par>
-                          <p:cTn id="18" fill="hold">
-                            <p:stCondLst>
-                              <p:cond delay="0"/>
-                            </p:stCondLst>
-                            <p:childTnLst>
-                              <p:par>
-                                <p:cTn id="19" presetID="1" presetClass="entr" presetSubtype="0" fill="hold" nodeType="clickEffect">
-                                  <p:stCondLst>
-                                    <p:cond delay="0"/>
-                                  </p:stCondLst>
-                                  <p:childTnLst>
-                                    <p:set>
-                                      <p:cBhvr>
-                                        <p:cTn id="20" dur="1" fill="hold">
-                                          <p:stCondLst>
-                                            <p:cond delay="0"/>
-                                          </p:stCondLst>
-                                        </p:cTn>
-                                        <p:tgtEl>
-                                          <p:spTgt spid="3">
-                                            <p:txEl>
-                                              <p:pRg st="5" end="5"/>
-                                            </p:txEl>
-                                          </p:spTgt>
-                                        </p:tgtEl>
-                                        <p:attrNameLst>
-                                          <p:attrName>style.visibility</p:attrName>
-                                        </p:attrNameLst>
-                                      </p:cBhvr>
-                                      <p:to>
-                                        <p:strVal val="visible"/>
-                                      </p:to>
-                                    </p:set>
-                                  </p:childTnLst>
-                                </p:cTn>
-                              </p:par>
-                              <p:par>
-                                <p:cTn id="21" presetID="1" presetClass="entr" presetSubtype="0" fill="hold" nodeType="withEffect">
-                                  <p:stCondLst>
-                                    <p:cond delay="0"/>
-                                  </p:stCondLst>
-                                  <p:childTnLst>
-                                    <p:set>
-                                      <p:cBhvr>
-                                        <p:cTn id="22" dur="1" fill="hold">
-                                          <p:stCondLst>
-                                            <p:cond delay="0"/>
-                                          </p:stCondLst>
-                                        </p:cTn>
-                                        <p:tgtEl>
-                                          <p:spTgt spid="3">
-                                            <p:txEl>
-                                              <p:pRg st="6" end="6"/>
-                                            </p:txEl>
-                                          </p:spTgt>
-                                        </p:tgtEl>
-                                        <p:attrNameLst>
-                                          <p:attrName>style.visibility</p:attrName>
-                                        </p:attrNameLst>
-                                      </p:cBhvr>
-                                      <p:to>
-                                        <p:strVal val="visible"/>
-                                      </p:to>
-                                    </p:set>
-                                  </p:childTnLst>
-                                </p:cTn>
-                              </p:par>
-                            </p:childTnLst>
-                          </p:cTn>
-                        </p:par>
-                      </p:childTnLst>
-                    </p:cTn>
-                  </p:par>
-                  <p:par>
-                    <p:cTn id="23" fill="hold">
-                      <p:stCondLst>
-                        <p:cond delay="indefinite"/>
-                      </p:stCondLst>
-                      <p:childTnLst>
-                        <p:par>
-                          <p:cTn id="24" fill="hold">
-                            <p:stCondLst>
-                              <p:cond delay="0"/>
-                            </p:stCondLst>
-                            <p:childTnLst>
-                              <p:par>
-                                <p:cTn id="25" presetID="1" presetClass="entr" presetSubtype="0" fill="hold" nodeType="clickEffect">
-                                  <p:stCondLst>
-                                    <p:cond delay="0"/>
-                                  </p:stCondLst>
-                                  <p:childTnLst>
-                                    <p:set>
-                                      <p:cBhvr>
-                                        <p:cTn id="26" dur="1" fill="hold">
-                                          <p:stCondLst>
-                                            <p:cond delay="0"/>
-                                          </p:stCondLst>
-                                        </p:cTn>
-                                        <p:tgtEl>
-                                          <p:spTgt spid="3">
-                                            <p:txEl>
-                                              <p:pRg st="7" end="7"/>
-                                            </p:txEl>
-                                          </p:spTgt>
-                                        </p:tgtEl>
-                                        <p:attrNameLst>
-                                          <p:attrName>style.visibility</p:attrName>
-                                        </p:attrNameLst>
-                                      </p:cBhvr>
-                                      <p:to>
-                                        <p:strVal val="visible"/>
-                                      </p:to>
-                                    </p:set>
-                                  </p:childTnLst>
-                                </p:cTn>
-                              </p:par>
-                              <p:par>
-                                <p:cTn id="27" presetID="1" presetClass="entr" presetSubtype="0" fill="hold" nodeType="withEffect">
-                                  <p:stCondLst>
-                                    <p:cond delay="0"/>
-                                  </p:stCondLst>
-                                  <p:childTnLst>
-                                    <p:set>
-                                      <p:cBhvr>
-                                        <p:cTn id="28" dur="1" fill="hold">
-                                          <p:stCondLst>
-                                            <p:cond delay="0"/>
-                                          </p:stCondLst>
-                                        </p:cTn>
-                                        <p:tgtEl>
-                                          <p:spTgt spid="3">
-                                            <p:txEl>
-                                              <p:pRg st="8" end="8"/>
-                                            </p:txEl>
-                                          </p:spTgt>
-                                        </p:tgtEl>
-                                        <p:attrNameLst>
-                                          <p:attrName>style.visibility</p:attrName>
-                                        </p:attrNameLst>
-                                      </p:cBhvr>
-                                      <p:to>
-                                        <p:strVal val="visible"/>
-                                      </p:to>
-                                    </p:set>
-                                  </p:childTnLst>
-                                </p:cTn>
-                              </p:par>
-                            </p:childTnLst>
-                          </p:cTn>
-                        </p:par>
-                      </p:childTnLst>
-                    </p:cTn>
-                  </p:par>
-                  <p:par>
-                    <p:cTn id="29" fill="hold">
-                      <p:stCondLst>
-                        <p:cond delay="indefinite"/>
-                      </p:stCondLst>
-                      <p:childTnLst>
-                        <p:par>
-                          <p:cTn id="30" fill="hold">
-                            <p:stCondLst>
-                              <p:cond delay="0"/>
-                            </p:stCondLst>
-                            <p:childTnLst>
-                              <p:par>
-                                <p:cTn id="31" presetID="1" presetClass="entr" presetSubtype="0" fill="hold" nodeType="clickEffect">
-                                  <p:stCondLst>
-                                    <p:cond delay="0"/>
-                                  </p:stCondLst>
-                                  <p:childTnLst>
-                                    <p:set>
-                                      <p:cBhvr>
-                                        <p:cTn id="32" dur="1" fill="hold">
-                                          <p:stCondLst>
-                                            <p:cond delay="0"/>
-                                          </p:stCondLst>
-                                        </p:cTn>
-                                        <p:tgtEl>
-                                          <p:spTgt spid="3">
-                                            <p:txEl>
-                                              <p:pRg st="9" end="9"/>
-                                            </p:txEl>
-                                          </p:spTgt>
-                                        </p:tgtEl>
-                                        <p:attrNameLst>
-                                          <p:attrName>style.visibility</p:attrName>
-                                        </p:attrNameLst>
-                                      </p:cBhvr>
-                                      <p:to>
-                                        <p:strVal val="visible"/>
-                                      </p:to>
-                                    </p:set>
-                                  </p:childTnLst>
-                                </p:cTn>
-                              </p:par>
-                              <p:par>
-                                <p:cTn id="33" presetID="1" presetClass="entr" presetSubtype="0" fill="hold" nodeType="withEffect">
-                                  <p:stCondLst>
-                                    <p:cond delay="0"/>
-                                  </p:stCondLst>
-                                  <p:childTnLst>
-                                    <p:set>
-                                      <p:cBhvr>
-                                        <p:cTn id="34" dur="1" fill="hold">
-                                          <p:stCondLst>
-                                            <p:cond delay="0"/>
-                                          </p:stCondLst>
-                                        </p:cTn>
-                                        <p:tgtEl>
-                                          <p:spTgt spid="3">
-                                            <p:txEl>
-                                              <p:pRg st="10" end="10"/>
                                             </p:txEl>
                                           </p:spTgt>
                                         </p:tgtEl>

--- a/Presentazione/presentazione_corni_chatbot.pptx
+++ b/Presentazione/presentazione_corni_chatbot.pptx
@@ -3924,26 +3924,49 @@
                 </a:solidFill>
                 <a:latin typeface="OCRB" panose="020B0609020202020204" pitchFamily="49" charset="77"/>
               </a:rPr>
-              <a:t>E se Babbo Natale </a:t>
-            </a:r>
-            <a:r>
-              <a:rPr lang="en-US" sz="4000">
+              <a:t>Chatbot </a:t>
+            </a:r>
+            <a:r>
+              <a:rPr lang="en-US" sz="4000" dirty="0" err="1">
                 <a:solidFill>
                   <a:srgbClr val="404040"/>
                 </a:solidFill>
                 <a:latin typeface="OCRB" panose="020B0609020202020204" pitchFamily="49" charset="77"/>
               </a:rPr>
-              <a:t>esistesse</a:t>
-            </a:r>
-            <a:r>
+              <a:t>fantastici</a:t>
+            </a:r>
+            <a:br>
               <a:rPr lang="en-US" sz="4000" dirty="0">
                 <a:solidFill>
                   <a:srgbClr val="404040"/>
                 </a:solidFill>
                 <a:latin typeface="OCRB" panose="020B0609020202020204" pitchFamily="49" charset="77"/>
               </a:rPr>
-              <a:t>, e fosse un chatbot?</a:t>
-            </a:r>
+            </a:br>
+            <a:r>
+              <a:rPr lang="en-US" sz="4000" dirty="0">
+                <a:solidFill>
+                  <a:srgbClr val="404040"/>
+                </a:solidFill>
+                <a:latin typeface="OCRB" panose="020B0609020202020204" pitchFamily="49" charset="77"/>
+              </a:rPr>
+              <a:t>e dove </a:t>
+            </a:r>
+            <a:r>
+              <a:rPr lang="en-US" sz="4000" dirty="0" err="1">
+                <a:solidFill>
+                  <a:srgbClr val="404040"/>
+                </a:solidFill>
+                <a:latin typeface="OCRB" panose="020B0609020202020204" pitchFamily="49" charset="77"/>
+              </a:rPr>
+              <a:t>trovarli</a:t>
+            </a:r>
+            <a:endParaRPr lang="en-US" sz="4000" dirty="0">
+              <a:solidFill>
+                <a:srgbClr val="404040"/>
+              </a:solidFill>
+              <a:latin typeface="OCRB" panose="020B0609020202020204" pitchFamily="49" charset="77"/>
+            </a:endParaRPr>
           </a:p>
         </p:txBody>
       </p:sp>
@@ -5530,6 +5553,126 @@
   <p:clrMapOvr>
     <a:masterClrMapping/>
   </p:clrMapOvr>
+  <p:timing>
+    <p:tnLst>
+      <p:par>
+        <p:cTn id="1" dur="indefinite" restart="never" nodeType="tmRoot">
+          <p:childTnLst>
+            <p:seq concurrent="1" nextAc="seek">
+              <p:cTn id="2" dur="indefinite" nodeType="mainSeq">
+                <p:childTnLst>
+                  <p:par>
+                    <p:cTn id="3" fill="hold">
+                      <p:stCondLst>
+                        <p:cond delay="indefinite"/>
+                      </p:stCondLst>
+                      <p:childTnLst>
+                        <p:par>
+                          <p:cTn id="4" fill="hold">
+                            <p:stCondLst>
+                              <p:cond delay="0"/>
+                            </p:stCondLst>
+                            <p:childTnLst>
+                              <p:par>
+                                <p:cTn id="5" presetID="1" presetClass="entr" presetSubtype="0" fill="hold" nodeType="clickEffect">
+                                  <p:stCondLst>
+                                    <p:cond delay="0"/>
+                                  </p:stCondLst>
+                                  <p:childTnLst>
+                                    <p:set>
+                                      <p:cBhvr>
+                                        <p:cTn id="6" dur="1" fill="hold">
+                                          <p:stCondLst>
+                                            <p:cond delay="0"/>
+                                          </p:stCondLst>
+                                        </p:cTn>
+                                        <p:tgtEl>
+                                          <p:spTgt spid="7"/>
+                                        </p:tgtEl>
+                                        <p:attrNameLst>
+                                          <p:attrName>style.visibility</p:attrName>
+                                        </p:attrNameLst>
+                                      </p:cBhvr>
+                                      <p:to>
+                                        <p:strVal val="visible"/>
+                                      </p:to>
+                                    </p:set>
+                                  </p:childTnLst>
+                                </p:cTn>
+                              </p:par>
+                            </p:childTnLst>
+                          </p:cTn>
+                        </p:par>
+                      </p:childTnLst>
+                    </p:cTn>
+                  </p:par>
+                  <p:par>
+                    <p:cTn id="7" fill="hold">
+                      <p:stCondLst>
+                        <p:cond delay="indefinite"/>
+                      </p:stCondLst>
+                      <p:childTnLst>
+                        <p:par>
+                          <p:cTn id="8" fill="hold">
+                            <p:stCondLst>
+                              <p:cond delay="0"/>
+                            </p:stCondLst>
+                            <p:childTnLst>
+                              <p:par>
+                                <p:cTn id="9" presetID="1" presetClass="entr" presetSubtype="0" fill="hold" nodeType="clickEffect">
+                                  <p:stCondLst>
+                                    <p:cond delay="0"/>
+                                  </p:stCondLst>
+                                  <p:childTnLst>
+                                    <p:set>
+                                      <p:cBhvr>
+                                        <p:cTn id="10" dur="1" fill="hold">
+                                          <p:stCondLst>
+                                            <p:cond delay="0"/>
+                                          </p:stCondLst>
+                                        </p:cTn>
+                                        <p:tgtEl>
+                                          <p:spTgt spid="17"/>
+                                        </p:tgtEl>
+                                        <p:attrNameLst>
+                                          <p:attrName>style.visibility</p:attrName>
+                                        </p:attrNameLst>
+                                      </p:cBhvr>
+                                      <p:to>
+                                        <p:strVal val="visible"/>
+                                      </p:to>
+                                    </p:set>
+                                  </p:childTnLst>
+                                </p:cTn>
+                              </p:par>
+                            </p:childTnLst>
+                          </p:cTn>
+                        </p:par>
+                      </p:childTnLst>
+                    </p:cTn>
+                  </p:par>
+                </p:childTnLst>
+              </p:cTn>
+              <p:prevCondLst>
+                <p:cond evt="onPrev" delay="0">
+                  <p:tgtEl>
+                    <p:sldTgt/>
+                  </p:tgtEl>
+                </p:cond>
+              </p:prevCondLst>
+              <p:nextCondLst>
+                <p:cond evt="onNext" delay="0">
+                  <p:tgtEl>
+                    <p:sldTgt/>
+                  </p:tgtEl>
+                </p:cond>
+              </p:nextCondLst>
+            </p:seq>
+          </p:childTnLst>
+        </p:cTn>
+      </p:par>
+    </p:tnLst>
+  </p:timing>
 </p:sld>
 </file>
 
@@ -9283,7 +9426,7 @@
         <p:spPr>
           <a:xfrm>
             <a:off x="1338876" y="4482652"/>
-            <a:ext cx="9440562" cy="1754326"/>
+            <a:ext cx="9440562" cy="1477328"/>
           </a:xfrm>
           <a:prstGeom prst="rect">
             <a:avLst/>
@@ -9305,18 +9448,6 @@
                 <a:latin typeface="OCRB" panose="020B0609020202020204" pitchFamily="49" charset="77"/>
               </a:rPr>
               <a:t>Software progettato per simulare una conversazione con un essere umano</a:t>
-            </a:r>
-          </a:p>
-          <a:p>
-            <a:pPr marL="285750" indent="-285750">
-              <a:buFont typeface="Arial" panose="020B0604020202020204" pitchFamily="34" charset="0"/>
-              <a:buChar char="•"/>
-            </a:pPr>
-            <a:r>
-              <a:rPr lang="it" dirty="0">
-                <a:latin typeface="OCRB" panose="020B0609020202020204" pitchFamily="49" charset="77"/>
-              </a:rPr>
-              <a:t>Da «keyword:azione_programmata» ad AI</a:t>
             </a:r>
           </a:p>
           <a:p>
@@ -9438,55 +9569,6 @@
                                           <p:spTgt spid="3">
                                             <p:txEl>
                                               <p:pRg st="1" end="1"/>
-                                            </p:txEl>
-                                          </p:spTgt>
-                                        </p:tgtEl>
-                                        <p:attrNameLst>
-                                          <p:attrName>style.visibility</p:attrName>
-                                        </p:attrNameLst>
-                                      </p:cBhvr>
-                                      <p:to>
-                                        <p:strVal val="visible"/>
-                                      </p:to>
-                                    </p:set>
-                                  </p:childTnLst>
-                                </p:cTn>
-                              </p:par>
-                            </p:childTnLst>
-                          </p:cTn>
-                        </p:par>
-                      </p:childTnLst>
-                    </p:cTn>
-                  </p:par>
-                  <p:par>
-                    <p:cTn id="11" fill="hold">
-                      <p:stCondLst>
-                        <p:cond delay="indefinite"/>
-                      </p:stCondLst>
-                      <p:childTnLst>
-                        <p:par>
-                          <p:cTn id="12" fill="hold">
-                            <p:stCondLst>
-                              <p:cond delay="0"/>
-                            </p:stCondLst>
-                            <p:childTnLst>
-                              <p:par>
-                                <p:cTn id="13" presetID="1" presetClass="entr" presetSubtype="0" fill="hold" nodeType="clickEffect">
-                                  <p:stCondLst>
-                                    <p:cond delay="0"/>
-                                  </p:stCondLst>
-                                  <p:childTnLst>
-                                    <p:set>
-                                      <p:cBhvr>
-                                        <p:cTn id="14" dur="1" fill="hold">
-                                          <p:stCondLst>
-                                            <p:cond delay="0"/>
-                                          </p:stCondLst>
-                                        </p:cTn>
-                                        <p:tgtEl>
-                                          <p:spTgt spid="3">
-                                            <p:txEl>
-                                              <p:pRg st="2" end="2"/>
                                             </p:txEl>
                                           </p:spTgt>
                                         </p:tgtEl>
@@ -11098,7 +11180,7 @@
                             </p:stCondLst>
                             <p:childTnLst>
                               <p:par>
-                                <p:cTn id="5" presetID="1" presetClass="entr" presetSubtype="0" fill="hold" nodeType="clickEffect">
+                                <p:cTn id="5" presetID="1" presetClass="entr" presetSubtype="0" fill="hold" grpId="0" nodeType="clickEffect">
                                   <p:stCondLst>
                                     <p:cond delay="0"/>
                                   </p:stCondLst>
@@ -11111,7 +11193,7 @@
                                           </p:stCondLst>
                                         </p:cTn>
                                         <p:tgtEl>
-                                          <p:spTgt spid="18"/>
+                                          <p:spTgt spid="3"/>
                                         </p:tgtEl>
                                         <p:attrNameLst>
                                           <p:attrName>style.visibility</p:attrName>
@@ -11156,7 +11238,7 @@
                                           </p:stCondLst>
                                         </p:cTn>
                                         <p:tgtEl>
-                                          <p:spTgt spid="9"/>
+                                          <p:spTgt spid="18"/>
                                         </p:tgtEl>
                                         <p:attrNameLst>
                                           <p:attrName>style.visibility</p:attrName>
@@ -11188,7 +11270,7 @@
                             </p:stCondLst>
                             <p:childTnLst>
                               <p:par>
-                                <p:cTn id="13" presetID="1" presetClass="entr" presetSubtype="0" fill="hold" grpId="0" nodeType="clickEffect">
+                                <p:cTn id="13" presetID="1" presetClass="entr" presetSubtype="0" fill="hold" nodeType="clickEffect">
                                   <p:stCondLst>
                                     <p:cond delay="0"/>
                                   </p:stCondLst>
@@ -11196,6 +11278,51 @@
                                     <p:set>
                                       <p:cBhvr>
                                         <p:cTn id="14" dur="1" fill="hold">
+                                          <p:stCondLst>
+                                            <p:cond delay="0"/>
+                                          </p:stCondLst>
+                                        </p:cTn>
+                                        <p:tgtEl>
+                                          <p:spTgt spid="9"/>
+                                        </p:tgtEl>
+                                        <p:attrNameLst>
+                                          <p:attrName>style.visibility</p:attrName>
+                                        </p:attrNameLst>
+                                      </p:cBhvr>
+                                      <p:to>
+                                        <p:strVal val="visible"/>
+                                      </p:to>
+                                    </p:set>
+                                  </p:childTnLst>
+                                </p:cTn>
+                              </p:par>
+                            </p:childTnLst>
+                          </p:cTn>
+                        </p:par>
+                      </p:childTnLst>
+                    </p:cTn>
+                  </p:par>
+                  <p:par>
+                    <p:cTn id="15" fill="hold">
+                      <p:stCondLst>
+                        <p:cond delay="indefinite"/>
+                      </p:stCondLst>
+                      <p:childTnLst>
+                        <p:par>
+                          <p:cTn id="16" fill="hold">
+                            <p:stCondLst>
+                              <p:cond delay="0"/>
+                            </p:stCondLst>
+                            <p:childTnLst>
+                              <p:par>
+                                <p:cTn id="17" presetID="1" presetClass="entr" presetSubtype="0" fill="hold" grpId="0" nodeType="clickEffect">
+                                  <p:stCondLst>
+                                    <p:cond delay="0"/>
+                                  </p:stCondLst>
+                                  <p:childTnLst>
+                                    <p:set>
+                                      <p:cBhvr>
+                                        <p:cTn id="18" dur="1" fill="hold">
                                           <p:stCondLst>
                                             <p:cond delay="0"/>
                                           </p:stCondLst>
@@ -11215,14 +11342,14 @@
                                 </p:cTn>
                               </p:par>
                               <p:par>
-                                <p:cTn id="15" presetID="1" presetClass="entr" presetSubtype="0" fill="hold" grpId="0" nodeType="withEffect">
+                                <p:cTn id="19" presetID="1" presetClass="entr" presetSubtype="0" fill="hold" grpId="0" nodeType="withEffect">
                                   <p:stCondLst>
                                     <p:cond delay="0"/>
                                   </p:stCondLst>
                                   <p:childTnLst>
                                     <p:set>
                                       <p:cBhvr>
-                                        <p:cTn id="16" dur="1" fill="hold">
+                                        <p:cTn id="20" dur="1" fill="hold">
                                           <p:stCondLst>
                                             <p:cond delay="0"/>
                                           </p:stCondLst>
@@ -11248,26 +11375,26 @@
                     </p:cTn>
                   </p:par>
                   <p:par>
-                    <p:cTn id="17" fill="hold">
+                    <p:cTn id="21" fill="hold">
                       <p:stCondLst>
                         <p:cond delay="indefinite"/>
                       </p:stCondLst>
                       <p:childTnLst>
                         <p:par>
-                          <p:cTn id="18" fill="hold">
+                          <p:cTn id="22" fill="hold">
                             <p:stCondLst>
                               <p:cond delay="0"/>
                             </p:stCondLst>
                             <p:childTnLst>
                               <p:par>
-                                <p:cTn id="19" presetID="1" presetClass="entr" presetSubtype="0" fill="hold" grpId="0" nodeType="clickEffect">
+                                <p:cTn id="23" presetID="1" presetClass="entr" presetSubtype="0" fill="hold" grpId="0" nodeType="clickEffect">
                                   <p:stCondLst>
                                     <p:cond delay="0"/>
                                   </p:stCondLst>
                                   <p:childTnLst>
                                     <p:set>
                                       <p:cBhvr>
-                                        <p:cTn id="20" dur="1" fill="hold">
+                                        <p:cTn id="24" dur="1" fill="hold">
                                           <p:stCondLst>
                                             <p:cond delay="0"/>
                                           </p:stCondLst>
@@ -11287,14 +11414,14 @@
                                 </p:cTn>
                               </p:par>
                               <p:par>
-                                <p:cTn id="21" presetID="1" presetClass="entr" presetSubtype="0" fill="hold" grpId="0" nodeType="withEffect">
+                                <p:cTn id="25" presetID="1" presetClass="entr" presetSubtype="0" fill="hold" grpId="0" nodeType="withEffect">
                                   <p:stCondLst>
                                     <p:cond delay="0"/>
                                   </p:stCondLst>
                                   <p:childTnLst>
                                     <p:set>
                                       <p:cBhvr>
-                                        <p:cTn id="22" dur="1" fill="hold">
+                                        <p:cTn id="26" dur="1" fill="hold">
                                           <p:stCondLst>
                                             <p:cond delay="0"/>
                                           </p:stCondLst>
@@ -11320,26 +11447,26 @@
                     </p:cTn>
                   </p:par>
                   <p:par>
-                    <p:cTn id="23" fill="hold">
+                    <p:cTn id="27" fill="hold">
                       <p:stCondLst>
                         <p:cond delay="indefinite"/>
                       </p:stCondLst>
                       <p:childTnLst>
                         <p:par>
-                          <p:cTn id="24" fill="hold">
+                          <p:cTn id="28" fill="hold">
                             <p:stCondLst>
                               <p:cond delay="0"/>
                             </p:stCondLst>
                             <p:childTnLst>
                               <p:par>
-                                <p:cTn id="25" presetID="1" presetClass="entr" presetSubtype="0" fill="hold" grpId="0" nodeType="clickEffect">
+                                <p:cTn id="29" presetID="1" presetClass="entr" presetSubtype="0" fill="hold" grpId="0" nodeType="clickEffect">
                                   <p:stCondLst>
                                     <p:cond delay="0"/>
                                   </p:stCondLst>
                                   <p:childTnLst>
                                     <p:set>
                                       <p:cBhvr>
-                                        <p:cTn id="26" dur="1" fill="hold">
+                                        <p:cTn id="30" dur="1" fill="hold">
                                           <p:stCondLst>
                                             <p:cond delay="0"/>
                                           </p:stCondLst>
@@ -11359,14 +11486,14 @@
                                 </p:cTn>
                               </p:par>
                               <p:par>
-                                <p:cTn id="27" presetID="1" presetClass="entr" presetSubtype="0" fill="hold" grpId="0" nodeType="withEffect">
+                                <p:cTn id="31" presetID="1" presetClass="entr" presetSubtype="0" fill="hold" grpId="0" nodeType="withEffect">
                                   <p:stCondLst>
                                     <p:cond delay="0"/>
                                   </p:stCondLst>
                                   <p:childTnLst>
                                     <p:set>
                                       <p:cBhvr>
-                                        <p:cTn id="28" dur="1" fill="hold">
+                                        <p:cTn id="32" dur="1" fill="hold">
                                           <p:stCondLst>
                                             <p:cond delay="0"/>
                                           </p:stCondLst>
@@ -11392,26 +11519,26 @@
                     </p:cTn>
                   </p:par>
                   <p:par>
-                    <p:cTn id="29" fill="hold">
+                    <p:cTn id="33" fill="hold">
                       <p:stCondLst>
                         <p:cond delay="indefinite"/>
                       </p:stCondLst>
                       <p:childTnLst>
                         <p:par>
-                          <p:cTn id="30" fill="hold">
+                          <p:cTn id="34" fill="hold">
                             <p:stCondLst>
                               <p:cond delay="0"/>
                             </p:stCondLst>
                             <p:childTnLst>
                               <p:par>
-                                <p:cTn id="31" presetID="1" presetClass="entr" presetSubtype="0" fill="hold" grpId="0" nodeType="clickEffect">
+                                <p:cTn id="35" presetID="1" presetClass="entr" presetSubtype="0" fill="hold" grpId="0" nodeType="clickEffect">
                                   <p:stCondLst>
                                     <p:cond delay="0"/>
                                   </p:stCondLst>
                                   <p:childTnLst>
                                     <p:set>
                                       <p:cBhvr>
-                                        <p:cTn id="32" dur="1" fill="hold">
+                                        <p:cTn id="36" dur="1" fill="hold">
                                           <p:stCondLst>
                                             <p:cond delay="0"/>
                                           </p:stCondLst>
@@ -11458,6 +11585,7 @@
       </p:par>
     </p:tnLst>
     <p:bldLst>
+      <p:bldP spid="3" grpId="0"/>
       <p:bldP spid="11" grpId="0" animBg="1"/>
       <p:bldP spid="12" grpId="0" animBg="1"/>
       <p:bldP spid="13" grpId="0" animBg="1"/>
@@ -11790,6 +11918,9 @@
             </a:r>
             <a:r>
               <a:rPr lang="it-IT" dirty="0" err="1">
+                <a:solidFill>
+                  <a:srgbClr val="00B0F0"/>
+                </a:solidFill>
                 <a:latin typeface="OCRB" panose="020B0609020202020204" pitchFamily="49" charset="77"/>
               </a:rPr>
               <a:t>Telegram</a:t>
@@ -11798,7 +11929,7 @@
               <a:rPr lang="it-IT" dirty="0">
                 <a:latin typeface="OCRB" panose="020B0609020202020204" pitchFamily="49" charset="77"/>
               </a:rPr>
-              <a:t>, Skype, </a:t>
+              <a:t>, FB Messenger, Skype, </a:t>
             </a:r>
             <a:r>
               <a:rPr lang="it-IT" dirty="0" err="1">
@@ -11837,7 +11968,7 @@
               <a:rPr lang="it" dirty="0">
                 <a:latin typeface="OCRB" panose="020B0609020202020204" pitchFamily="49" charset="77"/>
               </a:rPr>
-              <a:t>On premises / In Cloud (</a:t>
+              <a:t>On-premises / In Cloud (</a:t>
             </a:r>
             <a:r>
               <a:rPr lang="it" dirty="0">

--- a/Presentazione/presentazione_corni_chatbot.pptx
+++ b/Presentazione/presentazione_corni_chatbot.pptx
@@ -213,7 +213,7 @@
           <a:p>
             <a:fld id="{2E15FC1C-8A64-FA49-ACE1-0B9CB5E97710}" type="datetimeFigureOut">
               <a:rPr lang="it-IT" smtClean="0"/>
-              <a:t>28/03/19</a:t>
+              <a:t>30/03/19</a:t>
             </a:fld>
             <a:endParaRPr lang="it-IT"/>
           </a:p>
@@ -712,7 +712,7 @@
           <a:p>
             <a:fld id="{601E36F3-9E40-2941-AB6F-9D307DF64098}" type="datetimeFigureOut">
               <a:rPr lang="en-US" smtClean="0"/>
-              <a:t>3/28/19</a:t>
+              <a:t>3/30/19</a:t>
             </a:fld>
             <a:endParaRPr lang="en-US"/>
           </a:p>
@@ -910,7 +910,7 @@
           <a:p>
             <a:fld id="{601E36F3-9E40-2941-AB6F-9D307DF64098}" type="datetimeFigureOut">
               <a:rPr lang="en-US" smtClean="0"/>
-              <a:t>3/28/19</a:t>
+              <a:t>3/30/19</a:t>
             </a:fld>
             <a:endParaRPr lang="en-US"/>
           </a:p>
@@ -1118,7 +1118,7 @@
           <a:p>
             <a:fld id="{601E36F3-9E40-2941-AB6F-9D307DF64098}" type="datetimeFigureOut">
               <a:rPr lang="en-US" smtClean="0"/>
-              <a:t>3/28/19</a:t>
+              <a:t>3/30/19</a:t>
             </a:fld>
             <a:endParaRPr lang="en-US"/>
           </a:p>
@@ -1316,7 +1316,7 @@
           <a:p>
             <a:fld id="{601E36F3-9E40-2941-AB6F-9D307DF64098}" type="datetimeFigureOut">
               <a:rPr lang="en-US" smtClean="0"/>
-              <a:t>3/28/19</a:t>
+              <a:t>3/30/19</a:t>
             </a:fld>
             <a:endParaRPr lang="en-US"/>
           </a:p>
@@ -1591,7 +1591,7 @@
           <a:p>
             <a:fld id="{601E36F3-9E40-2941-AB6F-9D307DF64098}" type="datetimeFigureOut">
               <a:rPr lang="en-US" smtClean="0"/>
-              <a:t>3/28/19</a:t>
+              <a:t>3/30/19</a:t>
             </a:fld>
             <a:endParaRPr lang="en-US"/>
           </a:p>
@@ -1856,7 +1856,7 @@
           <a:p>
             <a:fld id="{601E36F3-9E40-2941-AB6F-9D307DF64098}" type="datetimeFigureOut">
               <a:rPr lang="en-US" smtClean="0"/>
-              <a:t>3/28/19</a:t>
+              <a:t>3/30/19</a:t>
             </a:fld>
             <a:endParaRPr lang="en-US"/>
           </a:p>
@@ -2268,7 +2268,7 @@
           <a:p>
             <a:fld id="{601E36F3-9E40-2941-AB6F-9D307DF64098}" type="datetimeFigureOut">
               <a:rPr lang="en-US" smtClean="0"/>
-              <a:t>3/28/19</a:t>
+              <a:t>3/30/19</a:t>
             </a:fld>
             <a:endParaRPr lang="en-US"/>
           </a:p>
@@ -2409,7 +2409,7 @@
           <a:p>
             <a:fld id="{601E36F3-9E40-2941-AB6F-9D307DF64098}" type="datetimeFigureOut">
               <a:rPr lang="en-US" smtClean="0"/>
-              <a:t>3/28/19</a:t>
+              <a:t>3/30/19</a:t>
             </a:fld>
             <a:endParaRPr lang="en-US"/>
           </a:p>
@@ -2522,7 +2522,7 @@
           <a:p>
             <a:fld id="{601E36F3-9E40-2941-AB6F-9D307DF64098}" type="datetimeFigureOut">
               <a:rPr lang="en-US" smtClean="0"/>
-              <a:t>3/28/19</a:t>
+              <a:t>3/30/19</a:t>
             </a:fld>
             <a:endParaRPr lang="en-US"/>
           </a:p>
@@ -2833,7 +2833,7 @@
           <a:p>
             <a:fld id="{601E36F3-9E40-2941-AB6F-9D307DF64098}" type="datetimeFigureOut">
               <a:rPr lang="en-US" smtClean="0"/>
-              <a:t>3/28/19</a:t>
+              <a:t>3/30/19</a:t>
             </a:fld>
             <a:endParaRPr lang="en-US"/>
           </a:p>
@@ -3121,7 +3121,7 @@
           <a:p>
             <a:fld id="{601E36F3-9E40-2941-AB6F-9D307DF64098}" type="datetimeFigureOut">
               <a:rPr lang="en-US" smtClean="0"/>
-              <a:t>3/28/19</a:t>
+              <a:t>3/30/19</a:t>
             </a:fld>
             <a:endParaRPr lang="en-US"/>
           </a:p>
@@ -3362,7 +3362,7 @@
           <a:p>
             <a:fld id="{601E36F3-9E40-2941-AB6F-9D307DF64098}" type="datetimeFigureOut">
               <a:rPr lang="en-US" smtClean="0"/>
-              <a:t>3/28/19</a:t>
+              <a:t>3/30/19</a:t>
             </a:fld>
             <a:endParaRPr lang="en-US"/>
           </a:p>
@@ -4752,8 +4752,8 @@
         </p:nvSpPr>
         <p:spPr>
           <a:xfrm>
-            <a:off x="1338876" y="4072347"/>
-            <a:ext cx="9440562" cy="2769989"/>
+            <a:off x="1338876" y="4166131"/>
+            <a:ext cx="9440562" cy="2492990"/>
           </a:xfrm>
           <a:prstGeom prst="rect">
             <a:avLst/>
@@ -4790,6 +4790,18 @@
             </a:r>
           </a:p>
           <a:p>
+            <a:pPr marL="742950" lvl="1" indent="-285750">
+              <a:buFont typeface="Arial" panose="020B0604020202020204" pitchFamily="34" charset="0"/>
+              <a:buChar char="•"/>
+            </a:pPr>
+            <a:r>
+              <a:rPr lang="it" sz="1400" dirty="0">
+                <a:latin typeface="OCRB" panose="020B0609020202020204" pitchFamily="49" charset="77"/>
+              </a:rPr>
+              <a:t>Stato di un macchinario? Chiediamoglielo!</a:t>
+            </a:r>
+          </a:p>
+          <a:p>
             <a:pPr marL="285750" indent="-285750">
               <a:buFont typeface="Arial" panose="020B0604020202020204" pitchFamily="34" charset="0"/>
               <a:buChar char="•"/>
@@ -4798,7 +4810,7 @@
               <a:rPr lang="it" dirty="0">
                 <a:latin typeface="OCRB" panose="020B0609020202020204" pitchFamily="49" charset="77"/>
               </a:rPr>
-              <a:t>Maggiore accessibilità e coinvolgimento degli utenti</a:t>
+              <a:t>Commercio smart</a:t>
             </a:r>
           </a:p>
           <a:p>
@@ -4810,7 +4822,7 @@
               <a:rPr lang="it" sz="1400" dirty="0">
                 <a:latin typeface="OCRB" panose="020B0609020202020204" pitchFamily="49" charset="77"/>
               </a:rPr>
-              <a:t>Stato di un macchinario? Chiediamoglielo!</a:t>
+              <a:t>«Ehi sito e-commerce, quante scarpe Adiprel taglia 45 nere sono disponibili?»</a:t>
             </a:r>
           </a:p>
           <a:p>
@@ -4822,7 +4834,7 @@
               <a:rPr lang="it" sz="1400" dirty="0">
                 <a:latin typeface="OCRB" panose="020B0609020202020204" pitchFamily="49" charset="77"/>
               </a:rPr>
-              <a:t>Analisi marketing su preferenze di utilizzo, tracking spedizioni, promemoria</a:t>
+              <a:t>Tracking spedizione</a:t>
             </a:r>
           </a:p>
           <a:p>
@@ -4834,7 +4846,7 @@
               <a:rPr lang="it" dirty="0">
                 <a:latin typeface="OCRB" panose="020B0609020202020204" pitchFamily="49" charset="77"/>
               </a:rPr>
-              <a:t>Rapidità nella risposta, no attese (simil «canale dedicato»)</a:t>
+              <a:t>Maggiore accessibilità e coinvolgimento degli utenti</a:t>
             </a:r>
           </a:p>
           <a:p>
@@ -4846,7 +4858,7 @@
               <a:rPr lang="it" sz="1400" dirty="0">
                 <a:latin typeface="OCRB" panose="020B0609020202020204" pitchFamily="49" charset="77"/>
               </a:rPr>
-              <a:t>Centralini telefonici, FAQ o Help Chat siti web</a:t>
+              <a:t>Analisi marketing su preferenze di utilizzo, HR, promemoria</a:t>
             </a:r>
           </a:p>
           <a:p>
@@ -4858,7 +4870,7 @@
               <a:rPr lang="it" dirty="0">
                 <a:latin typeface="OCRB" panose="020B0609020202020204" pitchFamily="49" charset="77"/>
               </a:rPr>
-              <a:t>Monitoraggio sviluppo software</a:t>
+              <a:t>Rapidità nella risposta, no attese (simil «canale dedicato»)</a:t>
             </a:r>
           </a:p>
           <a:p>
@@ -4870,34 +4882,7 @@
               <a:rPr lang="it" sz="1400" dirty="0">
                 <a:latin typeface="OCRB" panose="020B0609020202020204" pitchFamily="49" charset="77"/>
               </a:rPr>
-              <a:t>Test falliti, errori di compilazione durante rilascio</a:t>
-            </a:r>
-            <a:endParaRPr lang="it" sz="1600" dirty="0">
-              <a:latin typeface="OCRB" panose="020B0609020202020204" pitchFamily="49" charset="77"/>
-            </a:endParaRPr>
-          </a:p>
-          <a:p>
-            <a:pPr marL="285750" indent="-285750">
-              <a:buFont typeface="Arial" panose="020B0604020202020204" pitchFamily="34" charset="0"/>
-              <a:buChar char="•"/>
-            </a:pPr>
-            <a:r>
-              <a:rPr lang="it" dirty="0">
-                <a:latin typeface="OCRB" panose="020B0609020202020204" pitchFamily="49" charset="77"/>
-              </a:rPr>
-              <a:t>Commercio</a:t>
-            </a:r>
-          </a:p>
-          <a:p>
-            <a:pPr marL="742950" lvl="1" indent="-285750">
-              <a:buFont typeface="Arial" panose="020B0604020202020204" pitchFamily="34" charset="0"/>
-              <a:buChar char="•"/>
-            </a:pPr>
-            <a:r>
-              <a:rPr lang="it" sz="1400" dirty="0">
-                <a:latin typeface="OCRB" panose="020B0609020202020204" pitchFamily="49" charset="77"/>
-              </a:rPr>
-              <a:t>«Ehi sito e-commerce, quante scarpe Adiprel taglia 45 nere sono disponibili?»</a:t>
+              <a:t>Centralini telefonici, FAQ o Help Chat siti web</a:t>
             </a:r>
           </a:p>
         </p:txBody>
@@ -5054,33 +5039,15 @@
                                   </p:childTnLst>
                                 </p:cTn>
                               </p:par>
-                            </p:childTnLst>
-                          </p:cTn>
-                        </p:par>
-                      </p:childTnLst>
-                    </p:cTn>
-                  </p:par>
-                  <p:par>
-                    <p:cTn id="9" fill="hold">
-                      <p:stCondLst>
-                        <p:cond delay="indefinite"/>
-                      </p:stCondLst>
-                      <p:childTnLst>
-                        <p:par>
-                          <p:cTn id="10" fill="hold">
-                            <p:stCondLst>
-                              <p:cond delay="0"/>
-                            </p:stCondLst>
-                            <p:childTnLst>
                               <p:par>
-                                <p:cTn id="11" presetID="1" presetClass="entr" presetSubtype="0" fill="hold" nodeType="clickEffect">
+                                <p:cTn id="9" presetID="1" presetClass="entr" presetSubtype="0" fill="hold" nodeType="withEffect">
                                   <p:stCondLst>
                                     <p:cond delay="0"/>
                                   </p:stCondLst>
                                   <p:childTnLst>
                                     <p:set>
                                       <p:cBhvr>
-                                        <p:cTn id="12" dur="1" fill="hold">
+                                        <p:cTn id="10" dur="1" fill="hold">
                                           <p:stCondLst>
                                             <p:cond delay="0"/>
                                           </p:stCondLst>
@@ -5103,8 +5070,26 @@
                                   </p:childTnLst>
                                 </p:cTn>
                               </p:par>
+                            </p:childTnLst>
+                          </p:cTn>
+                        </p:par>
+                      </p:childTnLst>
+                    </p:cTn>
+                  </p:par>
+                  <p:par>
+                    <p:cTn id="11" fill="hold">
+                      <p:stCondLst>
+                        <p:cond delay="indefinite"/>
+                      </p:stCondLst>
+                      <p:childTnLst>
+                        <p:par>
+                          <p:cTn id="12" fill="hold">
+                            <p:stCondLst>
+                              <p:cond delay="0"/>
+                            </p:stCondLst>
+                            <p:childTnLst>
                               <p:par>
-                                <p:cTn id="13" presetID="1" presetClass="entr" presetSubtype="0" fill="hold" nodeType="withEffect">
+                                <p:cTn id="13" presetID="1" presetClass="entr" presetSubtype="0" fill="hold" nodeType="clickEffect">
                                   <p:stCondLst>
                                     <p:cond delay="0"/>
                                   </p:stCondLst>
@@ -5165,33 +5150,15 @@
                                   </p:childTnLst>
                                 </p:cTn>
                               </p:par>
-                            </p:childTnLst>
-                          </p:cTn>
-                        </p:par>
-                      </p:childTnLst>
-                    </p:cTn>
-                  </p:par>
-                  <p:par>
-                    <p:cTn id="17" fill="hold">
-                      <p:stCondLst>
-                        <p:cond delay="indefinite"/>
-                      </p:stCondLst>
-                      <p:childTnLst>
-                        <p:par>
-                          <p:cTn id="18" fill="hold">
-                            <p:stCondLst>
-                              <p:cond delay="0"/>
-                            </p:stCondLst>
-                            <p:childTnLst>
                               <p:par>
-                                <p:cTn id="19" presetID="1" presetClass="entr" presetSubtype="0" fill="hold" nodeType="clickEffect">
+                                <p:cTn id="17" presetID="1" presetClass="entr" presetSubtype="0" fill="hold" nodeType="withEffect">
                                   <p:stCondLst>
                                     <p:cond delay="0"/>
                                   </p:stCondLst>
                                   <p:childTnLst>
                                     <p:set>
                                       <p:cBhvr>
-                                        <p:cTn id="20" dur="1" fill="hold">
+                                        <p:cTn id="18" dur="1" fill="hold">
                                           <p:stCondLst>
                                             <p:cond delay="0"/>
                                           </p:stCondLst>
@@ -5214,8 +5181,26 @@
                                   </p:childTnLst>
                                 </p:cTn>
                               </p:par>
+                            </p:childTnLst>
+                          </p:cTn>
+                        </p:par>
+                      </p:childTnLst>
+                    </p:cTn>
+                  </p:par>
+                  <p:par>
+                    <p:cTn id="19" fill="hold">
+                      <p:stCondLst>
+                        <p:cond delay="indefinite"/>
+                      </p:stCondLst>
+                      <p:childTnLst>
+                        <p:par>
+                          <p:cTn id="20" fill="hold">
+                            <p:stCondLst>
+                              <p:cond delay="0"/>
+                            </p:stCondLst>
+                            <p:childTnLst>
                               <p:par>
-                                <p:cTn id="21" presetID="1" presetClass="entr" presetSubtype="0" fill="hold" nodeType="withEffect">
+                                <p:cTn id="21" presetID="1" presetClass="entr" presetSubtype="0" fill="hold" nodeType="clickEffect">
                                   <p:stCondLst>
                                     <p:cond delay="0"/>
                                   </p:stCondLst>
@@ -5245,33 +5230,15 @@
                                   </p:childTnLst>
                                 </p:cTn>
                               </p:par>
-                            </p:childTnLst>
-                          </p:cTn>
-                        </p:par>
-                      </p:childTnLst>
-                    </p:cTn>
-                  </p:par>
-                  <p:par>
-                    <p:cTn id="23" fill="hold">
-                      <p:stCondLst>
-                        <p:cond delay="indefinite"/>
-                      </p:stCondLst>
-                      <p:childTnLst>
-                        <p:par>
-                          <p:cTn id="24" fill="hold">
-                            <p:stCondLst>
-                              <p:cond delay="0"/>
-                            </p:stCondLst>
-                            <p:childTnLst>
                               <p:par>
-                                <p:cTn id="25" presetID="1" presetClass="entr" presetSubtype="0" fill="hold" nodeType="clickEffect">
+                                <p:cTn id="23" presetID="1" presetClass="entr" presetSubtype="0" fill="hold" nodeType="withEffect">
                                   <p:stCondLst>
                                     <p:cond delay="0"/>
                                   </p:stCondLst>
                                   <p:childTnLst>
                                     <p:set>
                                       <p:cBhvr>
-                                        <p:cTn id="26" dur="1" fill="hold">
+                                        <p:cTn id="24" dur="1" fill="hold">
                                           <p:stCondLst>
                                             <p:cond delay="0"/>
                                           </p:stCondLst>
@@ -5294,8 +5261,26 @@
                                   </p:childTnLst>
                                 </p:cTn>
                               </p:par>
+                            </p:childTnLst>
+                          </p:cTn>
+                        </p:par>
+                      </p:childTnLst>
+                    </p:cTn>
+                  </p:par>
+                  <p:par>
+                    <p:cTn id="25" fill="hold">
+                      <p:stCondLst>
+                        <p:cond delay="indefinite"/>
+                      </p:stCondLst>
+                      <p:childTnLst>
+                        <p:par>
+                          <p:cTn id="26" fill="hold">
+                            <p:stCondLst>
+                              <p:cond delay="0"/>
+                            </p:stCondLst>
+                            <p:childTnLst>
                               <p:par>
-                                <p:cTn id="27" presetID="1" presetClass="entr" presetSubtype="0" fill="hold" nodeType="withEffect">
+                                <p:cTn id="27" presetID="1" presetClass="entr" presetSubtype="0" fill="hold" nodeType="clickEffect">
                                   <p:stCondLst>
                                     <p:cond delay="0"/>
                                   </p:stCondLst>
@@ -5325,33 +5310,15 @@
                                   </p:childTnLst>
                                 </p:cTn>
                               </p:par>
-                            </p:childTnLst>
-                          </p:cTn>
-                        </p:par>
-                      </p:childTnLst>
-                    </p:cTn>
-                  </p:par>
-                  <p:par>
-                    <p:cTn id="29" fill="hold">
-                      <p:stCondLst>
-                        <p:cond delay="indefinite"/>
-                      </p:stCondLst>
-                      <p:childTnLst>
-                        <p:par>
-                          <p:cTn id="30" fill="hold">
-                            <p:stCondLst>
-                              <p:cond delay="0"/>
-                            </p:stCondLst>
-                            <p:childTnLst>
                               <p:par>
-                                <p:cTn id="31" presetID="1" presetClass="entr" presetSubtype="0" fill="hold" nodeType="clickEffect">
+                                <p:cTn id="29" presetID="1" presetClass="entr" presetSubtype="0" fill="hold" nodeType="withEffect">
                                   <p:stCondLst>
                                     <p:cond delay="0"/>
                                   </p:stCondLst>
                                   <p:childTnLst>
                                     <p:set>
                                       <p:cBhvr>
-                                        <p:cTn id="32" dur="1" fill="hold">
+                                        <p:cTn id="30" dur="1" fill="hold">
                                           <p:stCondLst>
                                             <p:cond delay="0"/>
                                           </p:stCondLst>
@@ -5360,37 +5327,6 @@
                                           <p:spTgt spid="3">
                                             <p:txEl>
                                               <p:pRg st="9" end="9"/>
-                                            </p:txEl>
-                                          </p:spTgt>
-                                        </p:tgtEl>
-                                        <p:attrNameLst>
-                                          <p:attrName>style.visibility</p:attrName>
-                                        </p:attrNameLst>
-                                      </p:cBhvr>
-                                      <p:to>
-                                        <p:strVal val="visible"/>
-                                      </p:to>
-                                    </p:set>
-                                  </p:childTnLst>
-                                </p:cTn>
-                              </p:par>
-                              <p:par>
-                                <p:cTn id="33" presetID="1" presetClass="entr" presetSubtype="0" fill="hold" nodeType="withEffect">
-                                  <p:stCondLst>
-                                    <p:cond delay="0"/>
-                                  </p:stCondLst>
-                                  <p:childTnLst>
-                                    <p:set>
-                                      <p:cBhvr>
-                                        <p:cTn id="34" dur="1" fill="hold">
-                                          <p:stCondLst>
-                                            <p:cond delay="0"/>
-                                          </p:stCondLst>
-                                        </p:cTn>
-                                        <p:tgtEl>
-                                          <p:spTgt spid="3">
-                                            <p:txEl>
-                                              <p:pRg st="10" end="10"/>
                                             </p:txEl>
                                           </p:spTgt>
                                         </p:tgtEl>
